--- a/slides/09_recursion_1.pptx
+++ b/slides/09_recursion_1.pptx
@@ -357,104 +357,239 @@
             <a:noAutofit/>
           </a:bodyPr>
           <a:lstStyle>
-            <a:lvl1pPr indent="-298450" lvl="0" marL="457200">
-              <a:spcBef>
-                <a:spcPts val="0"/>
-              </a:spcBef>
-              <a:spcAft>
-                <a:spcPts val="0"/>
-              </a:spcAft>
+            <a:lvl1pPr indent="-298450" lvl="0" marL="457200" marR="0" rtl="0" algn="l">
+              <a:lnSpc>
+                <a:spcPct val="100000"/>
+              </a:lnSpc>
+              <a:spcBef>
+                <a:spcPts val="0"/>
+              </a:spcBef>
+              <a:spcAft>
+                <a:spcPts val="0"/>
+              </a:spcAft>
+              <a:buClr>
+                <a:srgbClr val="000000"/>
+              </a:buClr>
               <a:buSzPts val="1100"/>
+              <a:buFont typeface="Arial"/>
               <a:buChar char="●"/>
-              <a:defRPr sz="1100"/>
+              <a:defRPr b="0" i="0" sz="1100" u="none" cap="none" strike="noStrike">
+                <a:solidFill>
+                  <a:srgbClr val="000000"/>
+                </a:solidFill>
+                <a:latin typeface="Arial"/>
+                <a:ea typeface="Arial"/>
+                <a:cs typeface="Arial"/>
+                <a:sym typeface="Arial"/>
+              </a:defRPr>
             </a:lvl1pPr>
-            <a:lvl2pPr indent="-298450" lvl="1" marL="914400">
-              <a:spcBef>
-                <a:spcPts val="0"/>
-              </a:spcBef>
-              <a:spcAft>
-                <a:spcPts val="0"/>
-              </a:spcAft>
+            <a:lvl2pPr indent="-298450" lvl="1" marL="914400" marR="0" rtl="0" algn="l">
+              <a:lnSpc>
+                <a:spcPct val="100000"/>
+              </a:lnSpc>
+              <a:spcBef>
+                <a:spcPts val="0"/>
+              </a:spcBef>
+              <a:spcAft>
+                <a:spcPts val="0"/>
+              </a:spcAft>
+              <a:buClr>
+                <a:srgbClr val="000000"/>
+              </a:buClr>
               <a:buSzPts val="1100"/>
+              <a:buFont typeface="Arial"/>
               <a:buChar char="○"/>
-              <a:defRPr sz="1100"/>
+              <a:defRPr b="0" i="0" sz="1100" u="none" cap="none" strike="noStrike">
+                <a:solidFill>
+                  <a:srgbClr val="000000"/>
+                </a:solidFill>
+                <a:latin typeface="Arial"/>
+                <a:ea typeface="Arial"/>
+                <a:cs typeface="Arial"/>
+                <a:sym typeface="Arial"/>
+              </a:defRPr>
             </a:lvl2pPr>
-            <a:lvl3pPr indent="-298450" lvl="2" marL="1371600">
-              <a:spcBef>
-                <a:spcPts val="0"/>
-              </a:spcBef>
-              <a:spcAft>
-                <a:spcPts val="0"/>
-              </a:spcAft>
+            <a:lvl3pPr indent="-298450" lvl="2" marL="1371600" marR="0" rtl="0" algn="l">
+              <a:lnSpc>
+                <a:spcPct val="100000"/>
+              </a:lnSpc>
+              <a:spcBef>
+                <a:spcPts val="0"/>
+              </a:spcBef>
+              <a:spcAft>
+                <a:spcPts val="0"/>
+              </a:spcAft>
+              <a:buClr>
+                <a:srgbClr val="000000"/>
+              </a:buClr>
               <a:buSzPts val="1100"/>
+              <a:buFont typeface="Arial"/>
               <a:buChar char="■"/>
-              <a:defRPr sz="1100"/>
+              <a:defRPr b="0" i="0" sz="1100" u="none" cap="none" strike="noStrike">
+                <a:solidFill>
+                  <a:srgbClr val="000000"/>
+                </a:solidFill>
+                <a:latin typeface="Arial"/>
+                <a:ea typeface="Arial"/>
+                <a:cs typeface="Arial"/>
+                <a:sym typeface="Arial"/>
+              </a:defRPr>
             </a:lvl3pPr>
-            <a:lvl4pPr indent="-298450" lvl="3" marL="1828800">
-              <a:spcBef>
-                <a:spcPts val="0"/>
-              </a:spcBef>
-              <a:spcAft>
-                <a:spcPts val="0"/>
-              </a:spcAft>
+            <a:lvl4pPr indent="-298450" lvl="3" marL="1828800" marR="0" rtl="0" algn="l">
+              <a:lnSpc>
+                <a:spcPct val="100000"/>
+              </a:lnSpc>
+              <a:spcBef>
+                <a:spcPts val="0"/>
+              </a:spcBef>
+              <a:spcAft>
+                <a:spcPts val="0"/>
+              </a:spcAft>
+              <a:buClr>
+                <a:srgbClr val="000000"/>
+              </a:buClr>
               <a:buSzPts val="1100"/>
+              <a:buFont typeface="Arial"/>
               <a:buChar char="●"/>
-              <a:defRPr sz="1100"/>
+              <a:defRPr b="0" i="0" sz="1100" u="none" cap="none" strike="noStrike">
+                <a:solidFill>
+                  <a:srgbClr val="000000"/>
+                </a:solidFill>
+                <a:latin typeface="Arial"/>
+                <a:ea typeface="Arial"/>
+                <a:cs typeface="Arial"/>
+                <a:sym typeface="Arial"/>
+              </a:defRPr>
             </a:lvl4pPr>
-            <a:lvl5pPr indent="-298450" lvl="4" marL="2286000">
-              <a:spcBef>
-                <a:spcPts val="0"/>
-              </a:spcBef>
-              <a:spcAft>
-                <a:spcPts val="0"/>
-              </a:spcAft>
+            <a:lvl5pPr indent="-298450" lvl="4" marL="2286000" marR="0" rtl="0" algn="l">
+              <a:lnSpc>
+                <a:spcPct val="100000"/>
+              </a:lnSpc>
+              <a:spcBef>
+                <a:spcPts val="0"/>
+              </a:spcBef>
+              <a:spcAft>
+                <a:spcPts val="0"/>
+              </a:spcAft>
+              <a:buClr>
+                <a:srgbClr val="000000"/>
+              </a:buClr>
               <a:buSzPts val="1100"/>
+              <a:buFont typeface="Arial"/>
               <a:buChar char="○"/>
-              <a:defRPr sz="1100"/>
+              <a:defRPr b="0" i="0" sz="1100" u="none" cap="none" strike="noStrike">
+                <a:solidFill>
+                  <a:srgbClr val="000000"/>
+                </a:solidFill>
+                <a:latin typeface="Arial"/>
+                <a:ea typeface="Arial"/>
+                <a:cs typeface="Arial"/>
+                <a:sym typeface="Arial"/>
+              </a:defRPr>
             </a:lvl5pPr>
-            <a:lvl6pPr indent="-298450" lvl="5" marL="2743200">
-              <a:spcBef>
-                <a:spcPts val="0"/>
-              </a:spcBef>
-              <a:spcAft>
-                <a:spcPts val="0"/>
-              </a:spcAft>
+            <a:lvl6pPr indent="-298450" lvl="5" marL="2743200" marR="0" rtl="0" algn="l">
+              <a:lnSpc>
+                <a:spcPct val="100000"/>
+              </a:lnSpc>
+              <a:spcBef>
+                <a:spcPts val="0"/>
+              </a:spcBef>
+              <a:spcAft>
+                <a:spcPts val="0"/>
+              </a:spcAft>
+              <a:buClr>
+                <a:srgbClr val="000000"/>
+              </a:buClr>
               <a:buSzPts val="1100"/>
+              <a:buFont typeface="Arial"/>
               <a:buChar char="■"/>
-              <a:defRPr sz="1100"/>
+              <a:defRPr b="0" i="0" sz="1100" u="none" cap="none" strike="noStrike">
+                <a:solidFill>
+                  <a:srgbClr val="000000"/>
+                </a:solidFill>
+                <a:latin typeface="Arial"/>
+                <a:ea typeface="Arial"/>
+                <a:cs typeface="Arial"/>
+                <a:sym typeface="Arial"/>
+              </a:defRPr>
             </a:lvl6pPr>
-            <a:lvl7pPr indent="-298450" lvl="6" marL="3200400">
-              <a:spcBef>
-                <a:spcPts val="0"/>
-              </a:spcBef>
-              <a:spcAft>
-                <a:spcPts val="0"/>
-              </a:spcAft>
+            <a:lvl7pPr indent="-298450" lvl="6" marL="3200400" marR="0" rtl="0" algn="l">
+              <a:lnSpc>
+                <a:spcPct val="100000"/>
+              </a:lnSpc>
+              <a:spcBef>
+                <a:spcPts val="0"/>
+              </a:spcBef>
+              <a:spcAft>
+                <a:spcPts val="0"/>
+              </a:spcAft>
+              <a:buClr>
+                <a:srgbClr val="000000"/>
+              </a:buClr>
               <a:buSzPts val="1100"/>
+              <a:buFont typeface="Arial"/>
               <a:buChar char="●"/>
-              <a:defRPr sz="1100"/>
+              <a:defRPr b="0" i="0" sz="1100" u="none" cap="none" strike="noStrike">
+                <a:solidFill>
+                  <a:srgbClr val="000000"/>
+                </a:solidFill>
+                <a:latin typeface="Arial"/>
+                <a:ea typeface="Arial"/>
+                <a:cs typeface="Arial"/>
+                <a:sym typeface="Arial"/>
+              </a:defRPr>
             </a:lvl7pPr>
-            <a:lvl8pPr indent="-298450" lvl="7" marL="3657600">
-              <a:spcBef>
-                <a:spcPts val="0"/>
-              </a:spcBef>
-              <a:spcAft>
-                <a:spcPts val="0"/>
-              </a:spcAft>
+            <a:lvl8pPr indent="-298450" lvl="7" marL="3657600" marR="0" rtl="0" algn="l">
+              <a:lnSpc>
+                <a:spcPct val="100000"/>
+              </a:lnSpc>
+              <a:spcBef>
+                <a:spcPts val="0"/>
+              </a:spcBef>
+              <a:spcAft>
+                <a:spcPts val="0"/>
+              </a:spcAft>
+              <a:buClr>
+                <a:srgbClr val="000000"/>
+              </a:buClr>
               <a:buSzPts val="1100"/>
+              <a:buFont typeface="Arial"/>
               <a:buChar char="○"/>
-              <a:defRPr sz="1100"/>
+              <a:defRPr b="0" i="0" sz="1100" u="none" cap="none" strike="noStrike">
+                <a:solidFill>
+                  <a:srgbClr val="000000"/>
+                </a:solidFill>
+                <a:latin typeface="Arial"/>
+                <a:ea typeface="Arial"/>
+                <a:cs typeface="Arial"/>
+                <a:sym typeface="Arial"/>
+              </a:defRPr>
             </a:lvl8pPr>
-            <a:lvl9pPr indent="-298450" lvl="8" marL="4114800">
-              <a:spcBef>
-                <a:spcPts val="0"/>
-              </a:spcBef>
-              <a:spcAft>
-                <a:spcPts val="0"/>
-              </a:spcAft>
+            <a:lvl9pPr indent="-298450" lvl="8" marL="4114800" marR="0" rtl="0" algn="l">
+              <a:lnSpc>
+                <a:spcPct val="100000"/>
+              </a:lnSpc>
+              <a:spcBef>
+                <a:spcPts val="0"/>
+              </a:spcBef>
+              <a:spcAft>
+                <a:spcPts val="0"/>
+              </a:spcAft>
+              <a:buClr>
+                <a:srgbClr val="000000"/>
+              </a:buClr>
               <a:buSzPts val="1100"/>
+              <a:buFont typeface="Arial"/>
               <a:buChar char="■"/>
-              <a:defRPr sz="1100"/>
+              <a:defRPr b="0" i="0" sz="1100" u="none" cap="none" strike="noStrike">
+                <a:solidFill>
+                  <a:srgbClr val="000000"/>
+                </a:solidFill>
+                <a:latin typeface="Arial"/>
+                <a:ea typeface="Arial"/>
+                <a:cs typeface="Arial"/>
+                <a:sym typeface="Arial"/>
+              </a:defRPr>
             </a:lvl9pPr>
           </a:lstStyle>
           <a:p/>
@@ -714,7 +849,7 @@
       </p:grpSpPr>
       <p:sp>
         <p:nvSpPr>
-          <p:cNvPr id="81" name="Google Shape;81;p:notes"/>
+          <p:cNvPr id="81" name="Google Shape;81;p1:notes"/>
           <p:cNvSpPr/>
           <p:nvPr>
             <p:ph idx="2" type="sldImg"/>
@@ -745,11 +880,21 @@
               </a:path>
             </a:pathLst>
           </a:custGeom>
+          <a:noFill/>
+          <a:ln cap="flat" cmpd="sng" w="9525">
+            <a:solidFill>
+              <a:srgbClr val="000000"/>
+            </a:solidFill>
+            <a:prstDash val="solid"/>
+            <a:round/>
+            <a:headEnd len="sm" w="sm" type="none"/>
+            <a:tailEnd len="sm" w="sm" type="none"/>
+          </a:ln>
         </p:spPr>
       </p:sp>
       <p:sp>
         <p:nvSpPr>
-          <p:cNvPr id="82" name="Google Shape;82;p:notes"/>
+          <p:cNvPr id="82" name="Google Shape;82;p1:notes"/>
           <p:cNvSpPr txBox="1"/>
           <p:nvPr>
             <p:ph idx="1" type="body"/>
@@ -763,6 +908,10 @@
           <a:prstGeom prst="rect">
             <a:avLst/>
           </a:prstGeom>
+          <a:noFill/>
+          <a:ln>
+            <a:noFill/>
+          </a:ln>
         </p:spPr>
         <p:txBody>
           <a:bodyPr anchorCtr="0" anchor="t" bIns="91425" lIns="91425" spcFirstLastPara="1" rIns="91425" wrap="square" tIns="91425">
@@ -771,12 +920,16 @@
           <a:lstStyle/>
           <a:p>
             <a:pPr indent="0" lvl="0" marL="0" rtl="0" algn="l">
-              <a:spcBef>
-                <a:spcPts val="0"/>
-              </a:spcBef>
-              <a:spcAft>
-                <a:spcPts val="0"/>
-              </a:spcAft>
+              <a:lnSpc>
+                <a:spcPct val="100000"/>
+              </a:lnSpc>
+              <a:spcBef>
+                <a:spcPts val="0"/>
+              </a:spcBef>
+              <a:spcAft>
+                <a:spcPts val="0"/>
+              </a:spcAft>
+              <a:buSzPts val="1100"/>
               <a:buNone/>
             </a:pPr>
             <a:r>
@@ -813,7 +966,7 @@
       </p:grpSpPr>
       <p:sp>
         <p:nvSpPr>
-          <p:cNvPr id="164" name="Google Shape;164;gcb590e6224_0_145:notes"/>
+          <p:cNvPr id="164" name="Google Shape;164;p10:notes"/>
           <p:cNvSpPr/>
           <p:nvPr>
             <p:ph idx="2" type="sldImg"/>
@@ -844,11 +997,21 @@
               </a:path>
             </a:pathLst>
           </a:custGeom>
+          <a:noFill/>
+          <a:ln cap="flat" cmpd="sng" w="9525">
+            <a:solidFill>
+              <a:srgbClr val="000000"/>
+            </a:solidFill>
+            <a:prstDash val="solid"/>
+            <a:round/>
+            <a:headEnd len="sm" w="sm" type="none"/>
+            <a:tailEnd len="sm" w="sm" type="none"/>
+          </a:ln>
         </p:spPr>
       </p:sp>
       <p:sp>
         <p:nvSpPr>
-          <p:cNvPr id="165" name="Google Shape;165;gcb590e6224_0_145:notes"/>
+          <p:cNvPr id="165" name="Google Shape;165;p10:notes"/>
           <p:cNvSpPr txBox="1"/>
           <p:nvPr>
             <p:ph idx="1" type="body"/>
@@ -862,6 +1025,10 @@
           <a:prstGeom prst="rect">
             <a:avLst/>
           </a:prstGeom>
+          <a:noFill/>
+          <a:ln>
+            <a:noFill/>
+          </a:ln>
         </p:spPr>
         <p:txBody>
           <a:bodyPr anchorCtr="0" anchor="t" bIns="91425" lIns="91425" spcFirstLastPara="1" rIns="91425" wrap="square" tIns="91425">
@@ -870,12 +1037,16 @@
           <a:lstStyle/>
           <a:p>
             <a:pPr indent="0" lvl="0" marL="0" rtl="0" algn="l">
-              <a:spcBef>
-                <a:spcPts val="0"/>
-              </a:spcBef>
-              <a:spcAft>
-                <a:spcPts val="0"/>
-              </a:spcAft>
+              <a:lnSpc>
+                <a:spcPct val="100000"/>
+              </a:lnSpc>
+              <a:spcBef>
+                <a:spcPts val="0"/>
+              </a:spcBef>
+              <a:spcAft>
+                <a:spcPts val="0"/>
+              </a:spcAft>
+              <a:buSzPts val="1100"/>
               <a:buNone/>
             </a:pPr>
             <a:r>
@@ -912,7 +1083,7 @@
       </p:grpSpPr>
       <p:sp>
         <p:nvSpPr>
-          <p:cNvPr id="87" name="Google Shape;87;gcb590e6224_0_75:notes"/>
+          <p:cNvPr id="87" name="Google Shape;87;p2:notes"/>
           <p:cNvSpPr/>
           <p:nvPr>
             <p:ph idx="2" type="sldImg"/>
@@ -943,11 +1114,21 @@
               </a:path>
             </a:pathLst>
           </a:custGeom>
+          <a:noFill/>
+          <a:ln cap="flat" cmpd="sng" w="9525">
+            <a:solidFill>
+              <a:srgbClr val="000000"/>
+            </a:solidFill>
+            <a:prstDash val="solid"/>
+            <a:round/>
+            <a:headEnd len="sm" w="sm" type="none"/>
+            <a:tailEnd len="sm" w="sm" type="none"/>
+          </a:ln>
         </p:spPr>
       </p:sp>
       <p:sp>
         <p:nvSpPr>
-          <p:cNvPr id="88" name="Google Shape;88;gcb590e6224_0_75:notes"/>
+          <p:cNvPr id="88" name="Google Shape;88;p2:notes"/>
           <p:cNvSpPr txBox="1"/>
           <p:nvPr>
             <p:ph idx="1" type="body"/>
@@ -961,6 +1142,10 @@
           <a:prstGeom prst="rect">
             <a:avLst/>
           </a:prstGeom>
+          <a:noFill/>
+          <a:ln>
+            <a:noFill/>
+          </a:ln>
         </p:spPr>
         <p:txBody>
           <a:bodyPr anchorCtr="0" anchor="t" bIns="91425" lIns="91425" spcFirstLastPara="1" rIns="91425" wrap="square" tIns="91425">
@@ -969,12 +1154,16 @@
           <a:lstStyle/>
           <a:p>
             <a:pPr indent="0" lvl="0" marL="0" rtl="0" algn="l">
-              <a:spcBef>
-                <a:spcPts val="0"/>
-              </a:spcBef>
-              <a:spcAft>
-                <a:spcPts val="0"/>
-              </a:spcAft>
+              <a:lnSpc>
+                <a:spcPct val="100000"/>
+              </a:lnSpc>
+              <a:spcBef>
+                <a:spcPts val="0"/>
+              </a:spcBef>
+              <a:spcAft>
+                <a:spcPts val="0"/>
+              </a:spcAft>
+              <a:buSzPts val="1100"/>
               <a:buNone/>
             </a:pPr>
             <a:r>
@@ -1011,7 +1200,7 @@
       </p:grpSpPr>
       <p:sp>
         <p:nvSpPr>
-          <p:cNvPr id="93" name="Google Shape;93;gcb590e6224_0_81:notes"/>
+          <p:cNvPr id="93" name="Google Shape;93;p3:notes"/>
           <p:cNvSpPr/>
           <p:nvPr>
             <p:ph idx="2" type="sldImg"/>
@@ -1042,11 +1231,21 @@
               </a:path>
             </a:pathLst>
           </a:custGeom>
+          <a:noFill/>
+          <a:ln cap="flat" cmpd="sng" w="9525">
+            <a:solidFill>
+              <a:srgbClr val="000000"/>
+            </a:solidFill>
+            <a:prstDash val="solid"/>
+            <a:round/>
+            <a:headEnd len="sm" w="sm" type="none"/>
+            <a:tailEnd len="sm" w="sm" type="none"/>
+          </a:ln>
         </p:spPr>
       </p:sp>
       <p:sp>
         <p:nvSpPr>
-          <p:cNvPr id="94" name="Google Shape;94;gcb590e6224_0_81:notes"/>
+          <p:cNvPr id="94" name="Google Shape;94;p3:notes"/>
           <p:cNvSpPr txBox="1"/>
           <p:nvPr>
             <p:ph idx="1" type="body"/>
@@ -1060,6 +1259,10 @@
           <a:prstGeom prst="rect">
             <a:avLst/>
           </a:prstGeom>
+          <a:noFill/>
+          <a:ln>
+            <a:noFill/>
+          </a:ln>
         </p:spPr>
         <p:txBody>
           <a:bodyPr anchorCtr="0" anchor="t" bIns="91425" lIns="91425" spcFirstLastPara="1" rIns="91425" wrap="square" tIns="91425">
@@ -1068,12 +1271,16 @@
           <a:lstStyle/>
           <a:p>
             <a:pPr indent="0" lvl="0" marL="0" rtl="0" algn="l">
-              <a:spcBef>
-                <a:spcPts val="0"/>
-              </a:spcBef>
-              <a:spcAft>
-                <a:spcPts val="0"/>
-              </a:spcAft>
+              <a:lnSpc>
+                <a:spcPct val="100000"/>
+              </a:lnSpc>
+              <a:spcBef>
+                <a:spcPts val="0"/>
+              </a:spcBef>
+              <a:spcAft>
+                <a:spcPts val="0"/>
+              </a:spcAft>
+              <a:buSzPts val="1100"/>
               <a:buNone/>
             </a:pPr>
             <a:r>
@@ -1110,7 +1317,7 @@
       </p:grpSpPr>
       <p:sp>
         <p:nvSpPr>
-          <p:cNvPr id="99" name="Google Shape;99;gcb590e6224_0_86:notes"/>
+          <p:cNvPr id="99" name="Google Shape;99;p4:notes"/>
           <p:cNvSpPr/>
           <p:nvPr>
             <p:ph idx="2" type="sldImg"/>
@@ -1141,11 +1348,21 @@
               </a:path>
             </a:pathLst>
           </a:custGeom>
+          <a:noFill/>
+          <a:ln cap="flat" cmpd="sng" w="9525">
+            <a:solidFill>
+              <a:srgbClr val="000000"/>
+            </a:solidFill>
+            <a:prstDash val="solid"/>
+            <a:round/>
+            <a:headEnd len="sm" w="sm" type="none"/>
+            <a:tailEnd len="sm" w="sm" type="none"/>
+          </a:ln>
         </p:spPr>
       </p:sp>
       <p:sp>
         <p:nvSpPr>
-          <p:cNvPr id="100" name="Google Shape;100;gcb590e6224_0_86:notes"/>
+          <p:cNvPr id="100" name="Google Shape;100;p4:notes"/>
           <p:cNvSpPr txBox="1"/>
           <p:nvPr>
             <p:ph idx="1" type="body"/>
@@ -1159,6 +1376,10 @@
           <a:prstGeom prst="rect">
             <a:avLst/>
           </a:prstGeom>
+          <a:noFill/>
+          <a:ln>
+            <a:noFill/>
+          </a:ln>
         </p:spPr>
         <p:txBody>
           <a:bodyPr anchorCtr="0" anchor="t" bIns="91425" lIns="91425" spcFirstLastPara="1" rIns="91425" wrap="square" tIns="91425">
@@ -1167,12 +1388,16 @@
           <a:lstStyle/>
           <a:p>
             <a:pPr indent="0" lvl="0" marL="0" rtl="0" algn="l">
-              <a:spcBef>
-                <a:spcPts val="0"/>
-              </a:spcBef>
-              <a:spcAft>
-                <a:spcPts val="0"/>
-              </a:spcAft>
+              <a:lnSpc>
+                <a:spcPct val="100000"/>
+              </a:lnSpc>
+              <a:spcBef>
+                <a:spcPts val="0"/>
+              </a:spcBef>
+              <a:spcAft>
+                <a:spcPts val="0"/>
+              </a:spcAft>
+              <a:buSzPts val="1100"/>
               <a:buNone/>
             </a:pPr>
             <a:r>
@@ -1209,7 +1434,7 @@
       </p:grpSpPr>
       <p:sp>
         <p:nvSpPr>
-          <p:cNvPr id="106" name="Google Shape;106;gcb590e6224_0_92:notes"/>
+          <p:cNvPr id="106" name="Google Shape;106;p5:notes"/>
           <p:cNvSpPr/>
           <p:nvPr>
             <p:ph idx="2" type="sldImg"/>
@@ -1240,11 +1465,21 @@
               </a:path>
             </a:pathLst>
           </a:custGeom>
+          <a:noFill/>
+          <a:ln cap="flat" cmpd="sng" w="9525">
+            <a:solidFill>
+              <a:srgbClr val="000000"/>
+            </a:solidFill>
+            <a:prstDash val="solid"/>
+            <a:round/>
+            <a:headEnd len="sm" w="sm" type="none"/>
+            <a:tailEnd len="sm" w="sm" type="none"/>
+          </a:ln>
         </p:spPr>
       </p:sp>
       <p:sp>
         <p:nvSpPr>
-          <p:cNvPr id="107" name="Google Shape;107;gcb590e6224_0_92:notes"/>
+          <p:cNvPr id="107" name="Google Shape;107;p5:notes"/>
           <p:cNvSpPr txBox="1"/>
           <p:nvPr>
             <p:ph idx="1" type="body"/>
@@ -1258,6 +1493,10 @@
           <a:prstGeom prst="rect">
             <a:avLst/>
           </a:prstGeom>
+          <a:noFill/>
+          <a:ln>
+            <a:noFill/>
+          </a:ln>
         </p:spPr>
         <p:txBody>
           <a:bodyPr anchorCtr="0" anchor="t" bIns="91425" lIns="91425" spcFirstLastPara="1" rIns="91425" wrap="square" tIns="91425">
@@ -1266,12 +1505,16 @@
           <a:lstStyle/>
           <a:p>
             <a:pPr indent="0" lvl="0" marL="0" rtl="0" algn="l">
-              <a:spcBef>
-                <a:spcPts val="0"/>
-              </a:spcBef>
-              <a:spcAft>
-                <a:spcPts val="0"/>
-              </a:spcAft>
+              <a:lnSpc>
+                <a:spcPct val="100000"/>
+              </a:lnSpc>
+              <a:spcBef>
+                <a:spcPts val="0"/>
+              </a:spcBef>
+              <a:spcAft>
+                <a:spcPts val="0"/>
+              </a:spcAft>
+              <a:buSzPts val="1100"/>
               <a:buNone/>
             </a:pPr>
             <a:r>
@@ -1308,7 +1551,7 @@
       </p:grpSpPr>
       <p:sp>
         <p:nvSpPr>
-          <p:cNvPr id="113" name="Google Shape;113;gcb590e6224_0_99:notes"/>
+          <p:cNvPr id="113" name="Google Shape;113;p6:notes"/>
           <p:cNvSpPr/>
           <p:nvPr>
             <p:ph idx="2" type="sldImg"/>
@@ -1339,11 +1582,21 @@
               </a:path>
             </a:pathLst>
           </a:custGeom>
+          <a:noFill/>
+          <a:ln cap="flat" cmpd="sng" w="9525">
+            <a:solidFill>
+              <a:srgbClr val="000000"/>
+            </a:solidFill>
+            <a:prstDash val="solid"/>
+            <a:round/>
+            <a:headEnd len="sm" w="sm" type="none"/>
+            <a:tailEnd len="sm" w="sm" type="none"/>
+          </a:ln>
         </p:spPr>
       </p:sp>
       <p:sp>
         <p:nvSpPr>
-          <p:cNvPr id="114" name="Google Shape;114;gcb590e6224_0_99:notes"/>
+          <p:cNvPr id="114" name="Google Shape;114;p6:notes"/>
           <p:cNvSpPr txBox="1"/>
           <p:nvPr>
             <p:ph idx="1" type="body"/>
@@ -1357,6 +1610,10 @@
           <a:prstGeom prst="rect">
             <a:avLst/>
           </a:prstGeom>
+          <a:noFill/>
+          <a:ln>
+            <a:noFill/>
+          </a:ln>
         </p:spPr>
         <p:txBody>
           <a:bodyPr anchorCtr="0" anchor="t" bIns="91425" lIns="91425" spcFirstLastPara="1" rIns="91425" wrap="square" tIns="91425">
@@ -1365,12 +1622,16 @@
           <a:lstStyle/>
           <a:p>
             <a:pPr indent="0" lvl="0" marL="0" rtl="0" algn="l">
-              <a:spcBef>
-                <a:spcPts val="0"/>
-              </a:spcBef>
-              <a:spcAft>
-                <a:spcPts val="0"/>
-              </a:spcAft>
+              <a:lnSpc>
+                <a:spcPct val="100000"/>
+              </a:lnSpc>
+              <a:spcBef>
+                <a:spcPts val="0"/>
+              </a:spcBef>
+              <a:spcAft>
+                <a:spcPts val="0"/>
+              </a:spcAft>
+              <a:buSzPts val="1100"/>
               <a:buNone/>
             </a:pPr>
             <a:r>
@@ -1407,7 +1668,7 @@
       </p:grpSpPr>
       <p:sp>
         <p:nvSpPr>
-          <p:cNvPr id="144" name="Google Shape;144;gfad42bd37b_0_0:notes"/>
+          <p:cNvPr id="144" name="Google Shape;144;p7:notes"/>
           <p:cNvSpPr/>
           <p:nvPr>
             <p:ph idx="2" type="sldImg"/>
@@ -1438,11 +1699,21 @@
               </a:path>
             </a:pathLst>
           </a:custGeom>
+          <a:noFill/>
+          <a:ln cap="flat" cmpd="sng" w="9525">
+            <a:solidFill>
+              <a:srgbClr val="000000"/>
+            </a:solidFill>
+            <a:prstDash val="solid"/>
+            <a:round/>
+            <a:headEnd len="sm" w="sm" type="none"/>
+            <a:tailEnd len="sm" w="sm" type="none"/>
+          </a:ln>
         </p:spPr>
       </p:sp>
       <p:sp>
         <p:nvSpPr>
-          <p:cNvPr id="145" name="Google Shape;145;gfad42bd37b_0_0:notes"/>
+          <p:cNvPr id="145" name="Google Shape;145;p7:notes"/>
           <p:cNvSpPr txBox="1"/>
           <p:nvPr>
             <p:ph idx="1" type="body"/>
@@ -1456,6 +1727,10 @@
           <a:prstGeom prst="rect">
             <a:avLst/>
           </a:prstGeom>
+          <a:noFill/>
+          <a:ln>
+            <a:noFill/>
+          </a:ln>
         </p:spPr>
         <p:txBody>
           <a:bodyPr anchorCtr="0" anchor="t" bIns="91425" lIns="91425" spcFirstLastPara="1" rIns="91425" wrap="square" tIns="91425">
@@ -1464,12 +1739,16 @@
           <a:lstStyle/>
           <a:p>
             <a:pPr indent="0" lvl="0" marL="0" rtl="0" algn="l">
-              <a:spcBef>
-                <a:spcPts val="0"/>
-              </a:spcBef>
-              <a:spcAft>
-                <a:spcPts val="0"/>
-              </a:spcAft>
+              <a:lnSpc>
+                <a:spcPct val="100000"/>
+              </a:lnSpc>
+              <a:spcBef>
+                <a:spcPts val="0"/>
+              </a:spcBef>
+              <a:spcAft>
+                <a:spcPts val="0"/>
+              </a:spcAft>
+              <a:buSzPts val="1100"/>
               <a:buNone/>
             </a:pPr>
             <a:r>
@@ -1506,7 +1785,7 @@
       </p:grpSpPr>
       <p:sp>
         <p:nvSpPr>
-          <p:cNvPr id="152" name="Google Shape;152;gcb590e6224_0_140:notes"/>
+          <p:cNvPr id="152" name="Google Shape;152;p8:notes"/>
           <p:cNvSpPr/>
           <p:nvPr>
             <p:ph idx="2" type="sldImg"/>
@@ -1537,11 +1816,21 @@
               </a:path>
             </a:pathLst>
           </a:custGeom>
+          <a:noFill/>
+          <a:ln cap="flat" cmpd="sng" w="9525">
+            <a:solidFill>
+              <a:srgbClr val="000000"/>
+            </a:solidFill>
+            <a:prstDash val="solid"/>
+            <a:round/>
+            <a:headEnd len="sm" w="sm" type="none"/>
+            <a:tailEnd len="sm" w="sm" type="none"/>
+          </a:ln>
         </p:spPr>
       </p:sp>
       <p:sp>
         <p:nvSpPr>
-          <p:cNvPr id="153" name="Google Shape;153;gcb590e6224_0_140:notes"/>
+          <p:cNvPr id="153" name="Google Shape;153;p8:notes"/>
           <p:cNvSpPr txBox="1"/>
           <p:nvPr>
             <p:ph idx="1" type="body"/>
@@ -1555,6 +1844,10 @@
           <a:prstGeom prst="rect">
             <a:avLst/>
           </a:prstGeom>
+          <a:noFill/>
+          <a:ln>
+            <a:noFill/>
+          </a:ln>
         </p:spPr>
         <p:txBody>
           <a:bodyPr anchorCtr="0" anchor="t" bIns="91425" lIns="91425" spcFirstLastPara="1" rIns="91425" wrap="square" tIns="91425">
@@ -1563,12 +1856,16 @@
           <a:lstStyle/>
           <a:p>
             <a:pPr indent="0" lvl="0" marL="0" rtl="0" algn="l">
-              <a:spcBef>
-                <a:spcPts val="0"/>
-              </a:spcBef>
-              <a:spcAft>
-                <a:spcPts val="0"/>
-              </a:spcAft>
+              <a:lnSpc>
+                <a:spcPct val="100000"/>
+              </a:lnSpc>
+              <a:spcBef>
+                <a:spcPts val="0"/>
+              </a:spcBef>
+              <a:spcAft>
+                <a:spcPts val="0"/>
+              </a:spcAft>
+              <a:buSzPts val="1100"/>
               <a:buNone/>
             </a:pPr>
             <a:r>
@@ -1605,7 +1902,7 @@
       </p:grpSpPr>
       <p:sp>
         <p:nvSpPr>
-          <p:cNvPr id="158" name="Google Shape;158;gcb590e6224_0_135:notes"/>
+          <p:cNvPr id="158" name="Google Shape;158;p9:notes"/>
           <p:cNvSpPr/>
           <p:nvPr>
             <p:ph idx="2" type="sldImg"/>
@@ -1636,11 +1933,21 @@
               </a:path>
             </a:pathLst>
           </a:custGeom>
+          <a:noFill/>
+          <a:ln cap="flat" cmpd="sng" w="9525">
+            <a:solidFill>
+              <a:srgbClr val="000000"/>
+            </a:solidFill>
+            <a:prstDash val="solid"/>
+            <a:round/>
+            <a:headEnd len="sm" w="sm" type="none"/>
+            <a:tailEnd len="sm" w="sm" type="none"/>
+          </a:ln>
         </p:spPr>
       </p:sp>
       <p:sp>
         <p:nvSpPr>
-          <p:cNvPr id="159" name="Google Shape;159;gcb590e6224_0_135:notes"/>
+          <p:cNvPr id="159" name="Google Shape;159;p9:notes"/>
           <p:cNvSpPr txBox="1"/>
           <p:nvPr>
             <p:ph idx="1" type="body"/>
@@ -1654,6 +1961,10 @@
           <a:prstGeom prst="rect">
             <a:avLst/>
           </a:prstGeom>
+          <a:noFill/>
+          <a:ln>
+            <a:noFill/>
+          </a:ln>
         </p:spPr>
         <p:txBody>
           <a:bodyPr anchorCtr="0" anchor="t" bIns="91425" lIns="91425" spcFirstLastPara="1" rIns="91425" wrap="square" tIns="91425">
@@ -1662,12 +1973,16 @@
           <a:lstStyle/>
           <a:p>
             <a:pPr indent="0" lvl="0" marL="0" rtl="0" algn="l">
-              <a:spcBef>
-                <a:spcPts val="0"/>
-              </a:spcBef>
-              <a:spcAft>
-                <a:spcPts val="0"/>
-              </a:spcAft>
+              <a:lnSpc>
+                <a:spcPct val="100000"/>
+              </a:lnSpc>
+              <a:spcBef>
+                <a:spcPts val="0"/>
+              </a:spcBef>
+              <a:spcAft>
+                <a:spcPts val="0"/>
+              </a:spcAft>
+              <a:buSzPts val="1100"/>
               <a:buNone/>
             </a:pPr>
             <a:r>
@@ -4631,8 +4946,8 @@
 </file>
 
 <file path=ppt/slideLayouts/slideLayout2.xml><?xml version="1.0" encoding="utf-8"?>
-<p:sldLayout xmlns:a="http://schemas.openxmlformats.org/drawingml/2006/main" xmlns:r="http://schemas.openxmlformats.org/officeDocument/2006/relationships" xmlns:mc="http://schemas.openxmlformats.org/markup-compatibility/2006" xmlns:mv="urn:schemas-microsoft-com:mac:vml" xmlns:p="http://schemas.openxmlformats.org/presentationml/2006/main" xmlns:c="http://schemas.openxmlformats.org/drawingml/2006/chart" xmlns:dgm="http://schemas.openxmlformats.org/drawingml/2006/diagram" xmlns:o="urn:schemas-microsoft-com:office:office" xmlns:v="urn:schemas-microsoft-com:vml" xmlns:pvml="urn:schemas-microsoft-com:office:powerpoint" xmlns:com="http://schemas.openxmlformats.org/drawingml/2006/compatibility" xmlns:p14="http://schemas.microsoft.com/office/powerpoint/2010/main" xmlns:p15="http://schemas.microsoft.com/office/powerpoint/2012/main" xmlns:ahyp="http://schemas.microsoft.com/office/drawing/2018/hyperlinkcolor" matchingName="1_Titel und Inhalt">
-  <p:cSld name="1_Titel und Inhalt">
+<p:sldLayout xmlns:a="http://schemas.openxmlformats.org/drawingml/2006/main" xmlns:r="http://schemas.openxmlformats.org/officeDocument/2006/relationships" xmlns:mc="http://schemas.openxmlformats.org/markup-compatibility/2006" xmlns:mv="urn:schemas-microsoft-com:mac:vml" xmlns:p="http://schemas.openxmlformats.org/presentationml/2006/main" xmlns:c="http://schemas.openxmlformats.org/drawingml/2006/chart" xmlns:dgm="http://schemas.openxmlformats.org/drawingml/2006/diagram" xmlns:o="urn:schemas-microsoft-com:office:office" xmlns:v="urn:schemas-microsoft-com:vml" xmlns:pvml="urn:schemas-microsoft-com:office:powerpoint" xmlns:com="http://schemas.openxmlformats.org/drawingml/2006/compatibility" xmlns:p14="http://schemas.microsoft.com/office/powerpoint/2010/main" xmlns:p15="http://schemas.microsoft.com/office/powerpoint/2012/main" xmlns:ahyp="http://schemas.microsoft.com/office/drawing/2018/hyperlinkcolor" matchingName="1_Titel und Diagramm">
+  <p:cSld name="1_Titel und Diagramm">
     <p:spTree>
       <p:nvGrpSpPr>
         <p:cNvPr id="20" name="Shape 20"/>
@@ -4865,6 +5180,510 @@
       <p:sp>
         <p:nvSpPr>
           <p:cNvPr id="23" name="Google Shape;23;p3"/>
+          <p:cNvSpPr/>
+          <p:nvPr>
+            <p:ph idx="2" type="chart"/>
+          </p:nvPr>
+        </p:nvSpPr>
+        <p:spPr>
+          <a:xfrm>
+            <a:off x="431800" y="782241"/>
+            <a:ext cx="8375700" cy="3579000"/>
+          </a:xfrm>
+          <a:prstGeom prst="rect">
+            <a:avLst/>
+          </a:prstGeom>
+          <a:noFill/>
+          <a:ln>
+            <a:noFill/>
+          </a:ln>
+        </p:spPr>
+        <p:txBody>
+          <a:bodyPr anchorCtr="0" anchor="t" bIns="0" lIns="0" spcFirstLastPara="1" rIns="0" wrap="square" tIns="0">
+            <a:noAutofit/>
+          </a:bodyPr>
+          <a:lstStyle>
+            <a:lvl1pPr lvl="0" marR="0" rtl="0" algn="l">
+              <a:lnSpc>
+                <a:spcPct val="100000"/>
+              </a:lnSpc>
+              <a:spcBef>
+                <a:spcPts val="320"/>
+              </a:spcBef>
+              <a:spcAft>
+                <a:spcPts val="0"/>
+              </a:spcAft>
+              <a:buClr>
+                <a:srgbClr val="000000"/>
+              </a:buClr>
+              <a:buSzPts val="1400"/>
+              <a:buFont typeface="Arial"/>
+              <a:buNone/>
+              <a:defRPr b="0" i="0" sz="1600" u="none" cap="none" strike="noStrike">
+                <a:solidFill>
+                  <a:schemeClr val="dk1"/>
+                </a:solidFill>
+                <a:latin typeface="Arial"/>
+                <a:ea typeface="Arial"/>
+                <a:cs typeface="Arial"/>
+                <a:sym typeface="Arial"/>
+              </a:defRPr>
+            </a:lvl1pPr>
+            <a:lvl2pPr lvl="1" marR="0" rtl="0" algn="l">
+              <a:lnSpc>
+                <a:spcPct val="100000"/>
+              </a:lnSpc>
+              <a:spcBef>
+                <a:spcPts val="320"/>
+              </a:spcBef>
+              <a:spcAft>
+                <a:spcPts val="0"/>
+              </a:spcAft>
+              <a:buClr>
+                <a:schemeClr val="dk1"/>
+              </a:buClr>
+              <a:buSzPts val="1600"/>
+              <a:buFont typeface="Noto Sans Symbols"/>
+              <a:buChar char="▪"/>
+              <a:defRPr b="0" i="0" sz="1600" u="none" cap="none" strike="noStrike">
+                <a:solidFill>
+                  <a:schemeClr val="dk1"/>
+                </a:solidFill>
+                <a:latin typeface="Arial"/>
+                <a:ea typeface="Arial"/>
+                <a:cs typeface="Arial"/>
+                <a:sym typeface="Arial"/>
+              </a:defRPr>
+            </a:lvl2pPr>
+            <a:lvl3pPr lvl="2" marR="0" rtl="0" algn="l">
+              <a:lnSpc>
+                <a:spcPct val="100000"/>
+              </a:lnSpc>
+              <a:spcBef>
+                <a:spcPts val="320"/>
+              </a:spcBef>
+              <a:spcAft>
+                <a:spcPts val="0"/>
+              </a:spcAft>
+              <a:buClr>
+                <a:schemeClr val="dk1"/>
+              </a:buClr>
+              <a:buSzPts val="1600"/>
+              <a:buFont typeface="Noto Sans Symbols"/>
+              <a:buChar char="▪"/>
+              <a:defRPr b="0" i="0" sz="1600" u="none" cap="none" strike="noStrike">
+                <a:solidFill>
+                  <a:schemeClr val="dk1"/>
+                </a:solidFill>
+                <a:latin typeface="Arial"/>
+                <a:ea typeface="Arial"/>
+                <a:cs typeface="Arial"/>
+                <a:sym typeface="Arial"/>
+              </a:defRPr>
+            </a:lvl3pPr>
+            <a:lvl4pPr lvl="3" marR="0" rtl="0" algn="l">
+              <a:lnSpc>
+                <a:spcPct val="100000"/>
+              </a:lnSpc>
+              <a:spcBef>
+                <a:spcPts val="320"/>
+              </a:spcBef>
+              <a:spcAft>
+                <a:spcPts val="0"/>
+              </a:spcAft>
+              <a:buClr>
+                <a:schemeClr val="dk1"/>
+              </a:buClr>
+              <a:buSzPts val="1600"/>
+              <a:buFont typeface="Noto Sans Symbols"/>
+              <a:buChar char="▪"/>
+              <a:defRPr b="0" i="0" sz="1600" u="none" cap="none" strike="noStrike">
+                <a:solidFill>
+                  <a:schemeClr val="dk1"/>
+                </a:solidFill>
+                <a:latin typeface="Arial"/>
+                <a:ea typeface="Arial"/>
+                <a:cs typeface="Arial"/>
+                <a:sym typeface="Arial"/>
+              </a:defRPr>
+            </a:lvl4pPr>
+            <a:lvl5pPr lvl="4" marR="0" rtl="0" algn="l">
+              <a:lnSpc>
+                <a:spcPct val="100000"/>
+              </a:lnSpc>
+              <a:spcBef>
+                <a:spcPts val="320"/>
+              </a:spcBef>
+              <a:spcAft>
+                <a:spcPts val="0"/>
+              </a:spcAft>
+              <a:buClr>
+                <a:schemeClr val="dk1"/>
+              </a:buClr>
+              <a:buSzPts val="1600"/>
+              <a:buFont typeface="Noto Sans Symbols"/>
+              <a:buChar char="▪"/>
+              <a:defRPr b="0" i="0" sz="1600" u="none" cap="none" strike="noStrike">
+                <a:solidFill>
+                  <a:schemeClr val="dk1"/>
+                </a:solidFill>
+                <a:latin typeface="Arial"/>
+                <a:ea typeface="Arial"/>
+                <a:cs typeface="Arial"/>
+                <a:sym typeface="Arial"/>
+              </a:defRPr>
+            </a:lvl5pPr>
+            <a:lvl6pPr lvl="5" marR="0" rtl="0" algn="l">
+              <a:lnSpc>
+                <a:spcPct val="100000"/>
+              </a:lnSpc>
+              <a:spcBef>
+                <a:spcPts val="320"/>
+              </a:spcBef>
+              <a:spcAft>
+                <a:spcPts val="0"/>
+              </a:spcAft>
+              <a:buClr>
+                <a:schemeClr val="dk1"/>
+              </a:buClr>
+              <a:buSzPts val="1600"/>
+              <a:buFont typeface="Noto Sans Symbols"/>
+              <a:buChar char="▪"/>
+              <a:defRPr b="0" i="0" sz="1600" u="none" cap="none" strike="noStrike">
+                <a:solidFill>
+                  <a:schemeClr val="dk1"/>
+                </a:solidFill>
+                <a:latin typeface="Arial"/>
+                <a:ea typeface="Arial"/>
+                <a:cs typeface="Arial"/>
+                <a:sym typeface="Arial"/>
+              </a:defRPr>
+            </a:lvl6pPr>
+            <a:lvl7pPr lvl="6" marR="0" rtl="0" algn="l">
+              <a:lnSpc>
+                <a:spcPct val="100000"/>
+              </a:lnSpc>
+              <a:spcBef>
+                <a:spcPts val="320"/>
+              </a:spcBef>
+              <a:spcAft>
+                <a:spcPts val="0"/>
+              </a:spcAft>
+              <a:buClr>
+                <a:schemeClr val="dk1"/>
+              </a:buClr>
+              <a:buSzPts val="1600"/>
+              <a:buFont typeface="Noto Sans Symbols"/>
+              <a:buChar char="▪"/>
+              <a:defRPr b="0" i="0" sz="1600" u="none" cap="none" strike="noStrike">
+                <a:solidFill>
+                  <a:schemeClr val="dk1"/>
+                </a:solidFill>
+                <a:latin typeface="Arial"/>
+                <a:ea typeface="Arial"/>
+                <a:cs typeface="Arial"/>
+                <a:sym typeface="Arial"/>
+              </a:defRPr>
+            </a:lvl7pPr>
+            <a:lvl8pPr lvl="7" marR="0" rtl="0" algn="l">
+              <a:lnSpc>
+                <a:spcPct val="100000"/>
+              </a:lnSpc>
+              <a:spcBef>
+                <a:spcPts val="320"/>
+              </a:spcBef>
+              <a:spcAft>
+                <a:spcPts val="0"/>
+              </a:spcAft>
+              <a:buClr>
+                <a:schemeClr val="dk1"/>
+              </a:buClr>
+              <a:buSzPts val="1600"/>
+              <a:buFont typeface="Noto Sans Symbols"/>
+              <a:buChar char="▪"/>
+              <a:defRPr b="0" i="0" sz="1600" u="none" cap="none" strike="noStrike">
+                <a:solidFill>
+                  <a:schemeClr val="dk1"/>
+                </a:solidFill>
+                <a:latin typeface="Arial"/>
+                <a:ea typeface="Arial"/>
+                <a:cs typeface="Arial"/>
+                <a:sym typeface="Arial"/>
+              </a:defRPr>
+            </a:lvl8pPr>
+            <a:lvl9pPr lvl="8" marR="0" rtl="0" algn="l">
+              <a:lnSpc>
+                <a:spcPct val="100000"/>
+              </a:lnSpc>
+              <a:spcBef>
+                <a:spcPts val="320"/>
+              </a:spcBef>
+              <a:spcAft>
+                <a:spcPts val="0"/>
+              </a:spcAft>
+              <a:buClr>
+                <a:schemeClr val="dk1"/>
+              </a:buClr>
+              <a:buSzPts val="1600"/>
+              <a:buFont typeface="Noto Sans Symbols"/>
+              <a:buChar char="▪"/>
+              <a:defRPr b="0" i="0" sz="1600" u="none" cap="none" strike="noStrike">
+                <a:solidFill>
+                  <a:schemeClr val="dk1"/>
+                </a:solidFill>
+                <a:latin typeface="Arial"/>
+                <a:ea typeface="Arial"/>
+                <a:cs typeface="Arial"/>
+                <a:sym typeface="Arial"/>
+              </a:defRPr>
+            </a:lvl9pPr>
+          </a:lstStyle>
+          <a:p/>
+        </p:txBody>
+      </p:sp>
+    </p:spTree>
+  </p:cSld>
+  <p:clrMapOvr>
+    <a:masterClrMapping/>
+  </p:clrMapOvr>
+</p:sldLayout>
+</file>
+
+<file path=ppt/slideLayouts/slideLayout3.xml><?xml version="1.0" encoding="utf-8"?>
+<p:sldLayout xmlns:a="http://schemas.openxmlformats.org/drawingml/2006/main" xmlns:r="http://schemas.openxmlformats.org/officeDocument/2006/relationships" xmlns:mc="http://schemas.openxmlformats.org/markup-compatibility/2006" xmlns:mv="urn:schemas-microsoft-com:mac:vml" xmlns:p="http://schemas.openxmlformats.org/presentationml/2006/main" xmlns:c="http://schemas.openxmlformats.org/drawingml/2006/chart" xmlns:dgm="http://schemas.openxmlformats.org/drawingml/2006/diagram" xmlns:o="urn:schemas-microsoft-com:office:office" xmlns:v="urn:schemas-microsoft-com:vml" xmlns:pvml="urn:schemas-microsoft-com:office:powerpoint" xmlns:com="http://schemas.openxmlformats.org/drawingml/2006/compatibility" xmlns:p14="http://schemas.microsoft.com/office/powerpoint/2010/main" xmlns:p15="http://schemas.microsoft.com/office/powerpoint/2012/main" xmlns:ahyp="http://schemas.microsoft.com/office/drawing/2018/hyperlinkcolor" matchingName="1_Titel und Inhalt">
+  <p:cSld name="1_Titel und Inhalt">
+    <p:spTree>
+      <p:nvGrpSpPr>
+        <p:cNvPr id="24" name="Shape 24"/>
+        <p:cNvGrpSpPr/>
+        <p:nvPr/>
+      </p:nvGrpSpPr>
+      <p:grpSpPr>
+        <a:xfrm>
+          <a:off x="0" y="0"/>
+          <a:ext cx="0" cy="0"/>
+          <a:chOff x="0" y="0"/>
+          <a:chExt cx="0" cy="0"/>
+        </a:xfrm>
+      </p:grpSpPr>
+      <p:sp>
+        <p:nvSpPr>
+          <p:cNvPr id="25" name="Google Shape;25;p4"/>
+          <p:cNvSpPr/>
+          <p:nvPr/>
+        </p:nvSpPr>
+        <p:spPr>
+          <a:xfrm>
+            <a:off x="0" y="0"/>
+            <a:ext cx="9144000" cy="647700"/>
+          </a:xfrm>
+          <a:prstGeom prst="rect">
+            <a:avLst/>
+          </a:prstGeom>
+          <a:solidFill>
+            <a:srgbClr val="DDDDDD"/>
+          </a:solidFill>
+          <a:ln>
+            <a:noFill/>
+          </a:ln>
+        </p:spPr>
+        <p:txBody>
+          <a:bodyPr anchorCtr="0" anchor="ctr" bIns="45700" lIns="91425" spcFirstLastPara="1" rIns="91425" wrap="square" tIns="45700">
+            <a:noAutofit/>
+          </a:bodyPr>
+          <a:lstStyle/>
+          <a:p>
+            <a:pPr indent="0" lvl="0" marL="0" marR="0" rtl="0" algn="ctr">
+              <a:lnSpc>
+                <a:spcPct val="100000"/>
+              </a:lnSpc>
+              <a:spcBef>
+                <a:spcPts val="0"/>
+              </a:spcBef>
+              <a:spcAft>
+                <a:spcPts val="0"/>
+              </a:spcAft>
+              <a:buClr>
+                <a:srgbClr val="000000"/>
+              </a:buClr>
+              <a:buSzPts val="1800"/>
+              <a:buFont typeface="Arial"/>
+              <a:buNone/>
+            </a:pPr>
+            <a:r>
+              <a:t/>
+            </a:r>
+            <a:endParaRPr b="0" i="0" sz="1800" u="none" cap="none" strike="noStrike">
+              <a:solidFill>
+                <a:schemeClr val="accent2"/>
+              </a:solidFill>
+              <a:latin typeface="Arial"/>
+              <a:ea typeface="Arial"/>
+              <a:cs typeface="Arial"/>
+              <a:sym typeface="Arial"/>
+            </a:endParaRPr>
+          </a:p>
+        </p:txBody>
+      </p:sp>
+      <p:sp>
+        <p:nvSpPr>
+          <p:cNvPr id="26" name="Google Shape;26;p4"/>
+          <p:cNvSpPr txBox="1"/>
+          <p:nvPr>
+            <p:ph type="title"/>
+          </p:nvPr>
+        </p:nvSpPr>
+        <p:spPr>
+          <a:xfrm>
+            <a:off x="431800" y="83344"/>
+            <a:ext cx="8375700" cy="531000"/>
+          </a:xfrm>
+          <a:prstGeom prst="rect">
+            <a:avLst/>
+          </a:prstGeom>
+          <a:noFill/>
+          <a:ln>
+            <a:noFill/>
+          </a:ln>
+        </p:spPr>
+        <p:txBody>
+          <a:bodyPr anchorCtr="0" anchor="b" bIns="0" lIns="0" spcFirstLastPara="1" rIns="0" wrap="square" tIns="0">
+            <a:noAutofit/>
+          </a:bodyPr>
+          <a:lstStyle>
+            <a:lvl1pPr lvl="0" algn="l">
+              <a:lnSpc>
+                <a:spcPct val="100000"/>
+              </a:lnSpc>
+              <a:spcBef>
+                <a:spcPts val="0"/>
+              </a:spcBef>
+              <a:spcAft>
+                <a:spcPts val="0"/>
+              </a:spcAft>
+              <a:buSzPts val="1400"/>
+              <a:buNone/>
+              <a:defRPr/>
+            </a:lvl1pPr>
+            <a:lvl2pPr lvl="1" algn="l">
+              <a:lnSpc>
+                <a:spcPct val="100000"/>
+              </a:lnSpc>
+              <a:spcBef>
+                <a:spcPts val="0"/>
+              </a:spcBef>
+              <a:spcAft>
+                <a:spcPts val="0"/>
+              </a:spcAft>
+              <a:buSzPts val="1400"/>
+              <a:buNone/>
+              <a:defRPr/>
+            </a:lvl2pPr>
+            <a:lvl3pPr lvl="2" algn="l">
+              <a:lnSpc>
+                <a:spcPct val="100000"/>
+              </a:lnSpc>
+              <a:spcBef>
+                <a:spcPts val="0"/>
+              </a:spcBef>
+              <a:spcAft>
+                <a:spcPts val="0"/>
+              </a:spcAft>
+              <a:buSzPts val="1400"/>
+              <a:buNone/>
+              <a:defRPr/>
+            </a:lvl3pPr>
+            <a:lvl4pPr lvl="3" algn="l">
+              <a:lnSpc>
+                <a:spcPct val="100000"/>
+              </a:lnSpc>
+              <a:spcBef>
+                <a:spcPts val="0"/>
+              </a:spcBef>
+              <a:spcAft>
+                <a:spcPts val="0"/>
+              </a:spcAft>
+              <a:buSzPts val="1400"/>
+              <a:buNone/>
+              <a:defRPr/>
+            </a:lvl4pPr>
+            <a:lvl5pPr lvl="4" algn="l">
+              <a:lnSpc>
+                <a:spcPct val="100000"/>
+              </a:lnSpc>
+              <a:spcBef>
+                <a:spcPts val="0"/>
+              </a:spcBef>
+              <a:spcAft>
+                <a:spcPts val="0"/>
+              </a:spcAft>
+              <a:buSzPts val="1400"/>
+              <a:buNone/>
+              <a:defRPr/>
+            </a:lvl5pPr>
+            <a:lvl6pPr lvl="5" algn="l">
+              <a:lnSpc>
+                <a:spcPct val="100000"/>
+              </a:lnSpc>
+              <a:spcBef>
+                <a:spcPts val="0"/>
+              </a:spcBef>
+              <a:spcAft>
+                <a:spcPts val="0"/>
+              </a:spcAft>
+              <a:buSzPts val="1400"/>
+              <a:buNone/>
+              <a:defRPr/>
+            </a:lvl6pPr>
+            <a:lvl7pPr lvl="6" algn="l">
+              <a:lnSpc>
+                <a:spcPct val="100000"/>
+              </a:lnSpc>
+              <a:spcBef>
+                <a:spcPts val="0"/>
+              </a:spcBef>
+              <a:spcAft>
+                <a:spcPts val="0"/>
+              </a:spcAft>
+              <a:buSzPts val="1400"/>
+              <a:buNone/>
+              <a:defRPr/>
+            </a:lvl7pPr>
+            <a:lvl8pPr lvl="7" algn="l">
+              <a:lnSpc>
+                <a:spcPct val="100000"/>
+              </a:lnSpc>
+              <a:spcBef>
+                <a:spcPts val="0"/>
+              </a:spcBef>
+              <a:spcAft>
+                <a:spcPts val="0"/>
+              </a:spcAft>
+              <a:buSzPts val="1400"/>
+              <a:buNone/>
+              <a:defRPr/>
+            </a:lvl8pPr>
+            <a:lvl9pPr lvl="8" algn="l">
+              <a:lnSpc>
+                <a:spcPct val="100000"/>
+              </a:lnSpc>
+              <a:spcBef>
+                <a:spcPts val="0"/>
+              </a:spcBef>
+              <a:spcAft>
+                <a:spcPts val="0"/>
+              </a:spcAft>
+              <a:buSzPts val="1400"/>
+              <a:buNone/>
+              <a:defRPr/>
+            </a:lvl9pPr>
+          </a:lstStyle>
+          <a:p/>
+        </p:txBody>
+      </p:sp>
+      <p:sp>
+        <p:nvSpPr>
+          <p:cNvPr id="27" name="Google Shape;27;p4"/>
           <p:cNvSpPr txBox="1"/>
           <p:nvPr>
             <p:ph idx="1" type="body"/>
@@ -5038,12 +5857,12 @@
 </p:sldLayout>
 </file>
 
-<file path=ppt/slideLayouts/slideLayout3.xml><?xml version="1.0" encoding="utf-8"?>
+<file path=ppt/slideLayouts/slideLayout4.xml><?xml version="1.0" encoding="utf-8"?>
 <p:sldLayout xmlns:a="http://schemas.openxmlformats.org/drawingml/2006/main" xmlns:r="http://schemas.openxmlformats.org/officeDocument/2006/relationships" xmlns:mc="http://schemas.openxmlformats.org/markup-compatibility/2006" xmlns:mv="urn:schemas-microsoft-com:mac:vml" xmlns:p="http://schemas.openxmlformats.org/presentationml/2006/main" xmlns:c="http://schemas.openxmlformats.org/drawingml/2006/chart" xmlns:dgm="http://schemas.openxmlformats.org/drawingml/2006/diagram" xmlns:o="urn:schemas-microsoft-com:office:office" xmlns:v="urn:schemas-microsoft-com:vml" xmlns:pvml="urn:schemas-microsoft-com:office:powerpoint" xmlns:com="http://schemas.openxmlformats.org/drawingml/2006/compatibility" xmlns:p14="http://schemas.microsoft.com/office/powerpoint/2010/main" xmlns:p15="http://schemas.microsoft.com/office/powerpoint/2012/main" xmlns:ahyp="http://schemas.microsoft.com/office/drawing/2018/hyperlinkcolor" matchingName="Titel und Inhalt">
   <p:cSld name="Titel und Inhalt">
     <p:spTree>
       <p:nvGrpSpPr>
-        <p:cNvPr id="24" name="Shape 24"/>
+        <p:cNvPr id="28" name="Shape 28"/>
         <p:cNvGrpSpPr/>
         <p:nvPr/>
       </p:nvGrpSpPr>
@@ -5057,7 +5876,7 @@
       </p:grpSpPr>
       <p:sp>
         <p:nvSpPr>
-          <p:cNvPr id="25" name="Google Shape;25;p4"/>
+          <p:cNvPr id="29" name="Google Shape;29;p5"/>
           <p:cNvSpPr txBox="1"/>
           <p:nvPr>
             <p:ph type="title"/>
@@ -5213,7 +6032,7 @@
       </p:sp>
       <p:sp>
         <p:nvSpPr>
-          <p:cNvPr id="26" name="Google Shape;26;p4"/>
+          <p:cNvPr id="30" name="Google Shape;30;p5"/>
           <p:cNvSpPr txBox="1"/>
           <p:nvPr>
             <p:ph idx="1" type="body"/>
@@ -5387,526 +6206,9 @@
 </p:sldLayout>
 </file>
 
-<file path=ppt/slideLayouts/slideLayout4.xml><?xml version="1.0" encoding="utf-8"?>
+<file path=ppt/slideLayouts/slideLayout5.xml><?xml version="1.0" encoding="utf-8"?>
 <p:sldLayout xmlns:a="http://schemas.openxmlformats.org/drawingml/2006/main" xmlns:r="http://schemas.openxmlformats.org/officeDocument/2006/relationships" xmlns:mc="http://schemas.openxmlformats.org/markup-compatibility/2006" xmlns:mv="urn:schemas-microsoft-com:mac:vml" xmlns:p="http://schemas.openxmlformats.org/presentationml/2006/main" xmlns:c="http://schemas.openxmlformats.org/drawingml/2006/chart" xmlns:dgm="http://schemas.openxmlformats.org/drawingml/2006/diagram" xmlns:o="urn:schemas-microsoft-com:office:office" xmlns:v="urn:schemas-microsoft-com:vml" xmlns:pvml="urn:schemas-microsoft-com:office:powerpoint" xmlns:com="http://schemas.openxmlformats.org/drawingml/2006/compatibility" xmlns:p14="http://schemas.microsoft.com/office/powerpoint/2010/main" xmlns:p15="http://schemas.microsoft.com/office/powerpoint/2012/main" xmlns:ahyp="http://schemas.microsoft.com/office/drawing/2018/hyperlinkcolor" matchingName="2_Titel und Inhalt">
   <p:cSld name="2_Titel und Inhalt">
-    <p:spTree>
-      <p:nvGrpSpPr>
-        <p:cNvPr id="27" name="Shape 27"/>
-        <p:cNvGrpSpPr/>
-        <p:nvPr/>
-      </p:nvGrpSpPr>
-      <p:grpSpPr>
-        <a:xfrm>
-          <a:off x="0" y="0"/>
-          <a:ext cx="0" cy="0"/>
-          <a:chOff x="0" y="0"/>
-          <a:chExt cx="0" cy="0"/>
-        </a:xfrm>
-      </p:grpSpPr>
-      <p:sp>
-        <p:nvSpPr>
-          <p:cNvPr id="28" name="Google Shape;28;p5"/>
-          <p:cNvSpPr txBox="1"/>
-          <p:nvPr>
-            <p:ph type="title"/>
-          </p:nvPr>
-        </p:nvSpPr>
-        <p:spPr>
-          <a:xfrm>
-            <a:off x="431800" y="83344"/>
-            <a:ext cx="8375700" cy="531000"/>
-          </a:xfrm>
-          <a:prstGeom prst="rect">
-            <a:avLst/>
-          </a:prstGeom>
-          <a:noFill/>
-          <a:ln>
-            <a:noFill/>
-          </a:ln>
-        </p:spPr>
-        <p:txBody>
-          <a:bodyPr anchorCtr="0" anchor="b" bIns="0" lIns="0" spcFirstLastPara="1" rIns="0" wrap="square" tIns="0">
-            <a:noAutofit/>
-          </a:bodyPr>
-          <a:lstStyle>
-            <a:lvl1pPr lvl="0" algn="l">
-              <a:lnSpc>
-                <a:spcPct val="100000"/>
-              </a:lnSpc>
-              <a:spcBef>
-                <a:spcPts val="0"/>
-              </a:spcBef>
-              <a:spcAft>
-                <a:spcPts val="0"/>
-              </a:spcAft>
-              <a:buSzPts val="1400"/>
-              <a:buNone/>
-              <a:defRPr/>
-            </a:lvl1pPr>
-            <a:lvl2pPr lvl="1" algn="l">
-              <a:lnSpc>
-                <a:spcPct val="100000"/>
-              </a:lnSpc>
-              <a:spcBef>
-                <a:spcPts val="0"/>
-              </a:spcBef>
-              <a:spcAft>
-                <a:spcPts val="0"/>
-              </a:spcAft>
-              <a:buSzPts val="1400"/>
-              <a:buNone/>
-              <a:defRPr/>
-            </a:lvl2pPr>
-            <a:lvl3pPr lvl="2" algn="l">
-              <a:lnSpc>
-                <a:spcPct val="100000"/>
-              </a:lnSpc>
-              <a:spcBef>
-                <a:spcPts val="0"/>
-              </a:spcBef>
-              <a:spcAft>
-                <a:spcPts val="0"/>
-              </a:spcAft>
-              <a:buSzPts val="1400"/>
-              <a:buNone/>
-              <a:defRPr/>
-            </a:lvl3pPr>
-            <a:lvl4pPr lvl="3" algn="l">
-              <a:lnSpc>
-                <a:spcPct val="100000"/>
-              </a:lnSpc>
-              <a:spcBef>
-                <a:spcPts val="0"/>
-              </a:spcBef>
-              <a:spcAft>
-                <a:spcPts val="0"/>
-              </a:spcAft>
-              <a:buSzPts val="1400"/>
-              <a:buNone/>
-              <a:defRPr/>
-            </a:lvl4pPr>
-            <a:lvl5pPr lvl="4" algn="l">
-              <a:lnSpc>
-                <a:spcPct val="100000"/>
-              </a:lnSpc>
-              <a:spcBef>
-                <a:spcPts val="0"/>
-              </a:spcBef>
-              <a:spcAft>
-                <a:spcPts val="0"/>
-              </a:spcAft>
-              <a:buSzPts val="1400"/>
-              <a:buNone/>
-              <a:defRPr/>
-            </a:lvl5pPr>
-            <a:lvl6pPr lvl="5" algn="l">
-              <a:lnSpc>
-                <a:spcPct val="100000"/>
-              </a:lnSpc>
-              <a:spcBef>
-                <a:spcPts val="0"/>
-              </a:spcBef>
-              <a:spcAft>
-                <a:spcPts val="0"/>
-              </a:spcAft>
-              <a:buSzPts val="1400"/>
-              <a:buNone/>
-              <a:defRPr/>
-            </a:lvl6pPr>
-            <a:lvl7pPr lvl="6" algn="l">
-              <a:lnSpc>
-                <a:spcPct val="100000"/>
-              </a:lnSpc>
-              <a:spcBef>
-                <a:spcPts val="0"/>
-              </a:spcBef>
-              <a:spcAft>
-                <a:spcPts val="0"/>
-              </a:spcAft>
-              <a:buSzPts val="1400"/>
-              <a:buNone/>
-              <a:defRPr/>
-            </a:lvl7pPr>
-            <a:lvl8pPr lvl="7" algn="l">
-              <a:lnSpc>
-                <a:spcPct val="100000"/>
-              </a:lnSpc>
-              <a:spcBef>
-                <a:spcPts val="0"/>
-              </a:spcBef>
-              <a:spcAft>
-                <a:spcPts val="0"/>
-              </a:spcAft>
-              <a:buSzPts val="1400"/>
-              <a:buNone/>
-              <a:defRPr/>
-            </a:lvl8pPr>
-            <a:lvl9pPr lvl="8" algn="l">
-              <a:lnSpc>
-                <a:spcPct val="100000"/>
-              </a:lnSpc>
-              <a:spcBef>
-                <a:spcPts val="0"/>
-              </a:spcBef>
-              <a:spcAft>
-                <a:spcPts val="0"/>
-              </a:spcAft>
-              <a:buSzPts val="1400"/>
-              <a:buNone/>
-              <a:defRPr/>
-            </a:lvl9pPr>
-          </a:lstStyle>
-          <a:p/>
-        </p:txBody>
-      </p:sp>
-      <p:sp>
-        <p:nvSpPr>
-          <p:cNvPr id="29" name="Google Shape;29;p5"/>
-          <p:cNvSpPr txBox="1"/>
-          <p:nvPr>
-            <p:ph idx="1" type="body"/>
-          </p:nvPr>
-        </p:nvSpPr>
-        <p:spPr>
-          <a:xfrm>
-            <a:off x="431800" y="945000"/>
-            <a:ext cx="3600000" cy="3375000"/>
-          </a:xfrm>
-          <a:prstGeom prst="rect">
-            <a:avLst/>
-          </a:prstGeom>
-          <a:noFill/>
-          <a:ln>
-            <a:noFill/>
-          </a:ln>
-        </p:spPr>
-        <p:txBody>
-          <a:bodyPr anchorCtr="0" anchor="t" bIns="0" lIns="0" spcFirstLastPara="1" rIns="0" wrap="square" tIns="0">
-            <a:noAutofit/>
-          </a:bodyPr>
-          <a:lstStyle>
-            <a:lvl1pPr indent="-228600" lvl="0" marL="457200" algn="l">
-              <a:lnSpc>
-                <a:spcPct val="100000"/>
-              </a:lnSpc>
-              <a:spcBef>
-                <a:spcPts val="360"/>
-              </a:spcBef>
-              <a:spcAft>
-                <a:spcPts val="0"/>
-              </a:spcAft>
-              <a:buSzPts val="1400"/>
-              <a:buNone/>
-              <a:defRPr/>
-            </a:lvl1pPr>
-            <a:lvl2pPr indent="-342900" lvl="1" marL="914400" algn="l">
-              <a:lnSpc>
-                <a:spcPct val="100000"/>
-              </a:lnSpc>
-              <a:spcBef>
-                <a:spcPts val="360"/>
-              </a:spcBef>
-              <a:spcAft>
-                <a:spcPts val="0"/>
-              </a:spcAft>
-              <a:buSzPts val="1800"/>
-              <a:buChar char="▪"/>
-              <a:defRPr/>
-            </a:lvl2pPr>
-            <a:lvl3pPr indent="-342900" lvl="2" marL="1371600" algn="l">
-              <a:lnSpc>
-                <a:spcPct val="100000"/>
-              </a:lnSpc>
-              <a:spcBef>
-                <a:spcPts val="360"/>
-              </a:spcBef>
-              <a:spcAft>
-                <a:spcPts val="0"/>
-              </a:spcAft>
-              <a:buSzPts val="1800"/>
-              <a:buChar char="▪"/>
-              <a:defRPr/>
-            </a:lvl3pPr>
-            <a:lvl4pPr indent="-342900" lvl="3" marL="1828800" algn="l">
-              <a:lnSpc>
-                <a:spcPct val="100000"/>
-              </a:lnSpc>
-              <a:spcBef>
-                <a:spcPts val="360"/>
-              </a:spcBef>
-              <a:spcAft>
-                <a:spcPts val="0"/>
-              </a:spcAft>
-              <a:buSzPts val="1800"/>
-              <a:buChar char="▪"/>
-              <a:defRPr/>
-            </a:lvl4pPr>
-            <a:lvl5pPr indent="-342900" lvl="4" marL="2286000" algn="l">
-              <a:lnSpc>
-                <a:spcPct val="100000"/>
-              </a:lnSpc>
-              <a:spcBef>
-                <a:spcPts val="360"/>
-              </a:spcBef>
-              <a:spcAft>
-                <a:spcPts val="0"/>
-              </a:spcAft>
-              <a:buSzPts val="1800"/>
-              <a:buChar char="▪"/>
-              <a:defRPr/>
-            </a:lvl5pPr>
-            <a:lvl6pPr indent="-342900" lvl="5" marL="2743200" algn="l">
-              <a:lnSpc>
-                <a:spcPct val="100000"/>
-              </a:lnSpc>
-              <a:spcBef>
-                <a:spcPts val="360"/>
-              </a:spcBef>
-              <a:spcAft>
-                <a:spcPts val="0"/>
-              </a:spcAft>
-              <a:buClr>
-                <a:schemeClr val="dk1"/>
-              </a:buClr>
-              <a:buSzPts val="1800"/>
-              <a:buChar char="▪"/>
-              <a:defRPr/>
-            </a:lvl6pPr>
-            <a:lvl7pPr indent="-342900" lvl="6" marL="3200400" algn="l">
-              <a:lnSpc>
-                <a:spcPct val="100000"/>
-              </a:lnSpc>
-              <a:spcBef>
-                <a:spcPts val="360"/>
-              </a:spcBef>
-              <a:spcAft>
-                <a:spcPts val="0"/>
-              </a:spcAft>
-              <a:buClr>
-                <a:schemeClr val="dk1"/>
-              </a:buClr>
-              <a:buSzPts val="1800"/>
-              <a:buChar char="▪"/>
-              <a:defRPr/>
-            </a:lvl7pPr>
-            <a:lvl8pPr indent="-342900" lvl="7" marL="3657600" algn="l">
-              <a:lnSpc>
-                <a:spcPct val="100000"/>
-              </a:lnSpc>
-              <a:spcBef>
-                <a:spcPts val="360"/>
-              </a:spcBef>
-              <a:spcAft>
-                <a:spcPts val="0"/>
-              </a:spcAft>
-              <a:buClr>
-                <a:schemeClr val="dk1"/>
-              </a:buClr>
-              <a:buSzPts val="1800"/>
-              <a:buChar char="▪"/>
-              <a:defRPr/>
-            </a:lvl8pPr>
-            <a:lvl9pPr indent="-342900" lvl="8" marL="4114800" algn="l">
-              <a:lnSpc>
-                <a:spcPct val="100000"/>
-              </a:lnSpc>
-              <a:spcBef>
-                <a:spcPts val="360"/>
-              </a:spcBef>
-              <a:spcAft>
-                <a:spcPts val="0"/>
-              </a:spcAft>
-              <a:buClr>
-                <a:schemeClr val="dk1"/>
-              </a:buClr>
-              <a:buSzPts val="1800"/>
-              <a:buChar char="▪"/>
-              <a:defRPr/>
-            </a:lvl9pPr>
-          </a:lstStyle>
-          <a:p/>
-        </p:txBody>
-      </p:sp>
-      <p:sp>
-        <p:nvSpPr>
-          <p:cNvPr id="30" name="Google Shape;30;p5"/>
-          <p:cNvSpPr txBox="1"/>
-          <p:nvPr>
-            <p:ph idx="2" type="body"/>
-          </p:nvPr>
-        </p:nvSpPr>
-        <p:spPr>
-          <a:xfrm>
-            <a:off x="4860000" y="945000"/>
-            <a:ext cx="3600000" cy="3375000"/>
-          </a:xfrm>
-          <a:prstGeom prst="rect">
-            <a:avLst/>
-          </a:prstGeom>
-          <a:noFill/>
-          <a:ln>
-            <a:noFill/>
-          </a:ln>
-        </p:spPr>
-        <p:txBody>
-          <a:bodyPr anchorCtr="0" anchor="t" bIns="0" lIns="0" spcFirstLastPara="1" rIns="0" wrap="square" tIns="0">
-            <a:noAutofit/>
-          </a:bodyPr>
-          <a:lstStyle>
-            <a:lvl1pPr indent="-228600" lvl="0" marL="457200" algn="l">
-              <a:lnSpc>
-                <a:spcPct val="100000"/>
-              </a:lnSpc>
-              <a:spcBef>
-                <a:spcPts val="360"/>
-              </a:spcBef>
-              <a:spcAft>
-                <a:spcPts val="0"/>
-              </a:spcAft>
-              <a:buSzPts val="1400"/>
-              <a:buNone/>
-              <a:defRPr/>
-            </a:lvl1pPr>
-            <a:lvl2pPr indent="-342900" lvl="1" marL="914400" algn="l">
-              <a:lnSpc>
-                <a:spcPct val="100000"/>
-              </a:lnSpc>
-              <a:spcBef>
-                <a:spcPts val="360"/>
-              </a:spcBef>
-              <a:spcAft>
-                <a:spcPts val="0"/>
-              </a:spcAft>
-              <a:buSzPts val="1800"/>
-              <a:buChar char="▪"/>
-              <a:defRPr/>
-            </a:lvl2pPr>
-            <a:lvl3pPr indent="-342900" lvl="2" marL="1371600" algn="l">
-              <a:lnSpc>
-                <a:spcPct val="100000"/>
-              </a:lnSpc>
-              <a:spcBef>
-                <a:spcPts val="360"/>
-              </a:spcBef>
-              <a:spcAft>
-                <a:spcPts val="0"/>
-              </a:spcAft>
-              <a:buSzPts val="1800"/>
-              <a:buChar char="▪"/>
-              <a:defRPr/>
-            </a:lvl3pPr>
-            <a:lvl4pPr indent="-342900" lvl="3" marL="1828800" algn="l">
-              <a:lnSpc>
-                <a:spcPct val="100000"/>
-              </a:lnSpc>
-              <a:spcBef>
-                <a:spcPts val="360"/>
-              </a:spcBef>
-              <a:spcAft>
-                <a:spcPts val="0"/>
-              </a:spcAft>
-              <a:buSzPts val="1800"/>
-              <a:buChar char="▪"/>
-              <a:defRPr/>
-            </a:lvl4pPr>
-            <a:lvl5pPr indent="-342900" lvl="4" marL="2286000" algn="l">
-              <a:lnSpc>
-                <a:spcPct val="100000"/>
-              </a:lnSpc>
-              <a:spcBef>
-                <a:spcPts val="360"/>
-              </a:spcBef>
-              <a:spcAft>
-                <a:spcPts val="0"/>
-              </a:spcAft>
-              <a:buSzPts val="1800"/>
-              <a:buChar char="▪"/>
-              <a:defRPr/>
-            </a:lvl5pPr>
-            <a:lvl6pPr indent="-342900" lvl="5" marL="2743200" algn="l">
-              <a:lnSpc>
-                <a:spcPct val="100000"/>
-              </a:lnSpc>
-              <a:spcBef>
-                <a:spcPts val="360"/>
-              </a:spcBef>
-              <a:spcAft>
-                <a:spcPts val="0"/>
-              </a:spcAft>
-              <a:buClr>
-                <a:schemeClr val="dk1"/>
-              </a:buClr>
-              <a:buSzPts val="1800"/>
-              <a:buChar char="▪"/>
-              <a:defRPr/>
-            </a:lvl6pPr>
-            <a:lvl7pPr indent="-342900" lvl="6" marL="3200400" algn="l">
-              <a:lnSpc>
-                <a:spcPct val="100000"/>
-              </a:lnSpc>
-              <a:spcBef>
-                <a:spcPts val="360"/>
-              </a:spcBef>
-              <a:spcAft>
-                <a:spcPts val="0"/>
-              </a:spcAft>
-              <a:buClr>
-                <a:schemeClr val="dk1"/>
-              </a:buClr>
-              <a:buSzPts val="1800"/>
-              <a:buChar char="▪"/>
-              <a:defRPr/>
-            </a:lvl7pPr>
-            <a:lvl8pPr indent="-342900" lvl="7" marL="3657600" algn="l">
-              <a:lnSpc>
-                <a:spcPct val="100000"/>
-              </a:lnSpc>
-              <a:spcBef>
-                <a:spcPts val="360"/>
-              </a:spcBef>
-              <a:spcAft>
-                <a:spcPts val="0"/>
-              </a:spcAft>
-              <a:buClr>
-                <a:schemeClr val="dk1"/>
-              </a:buClr>
-              <a:buSzPts val="1800"/>
-              <a:buChar char="▪"/>
-              <a:defRPr/>
-            </a:lvl8pPr>
-            <a:lvl9pPr indent="-342900" lvl="8" marL="4114800" algn="l">
-              <a:lnSpc>
-                <a:spcPct val="100000"/>
-              </a:lnSpc>
-              <a:spcBef>
-                <a:spcPts val="360"/>
-              </a:spcBef>
-              <a:spcAft>
-                <a:spcPts val="0"/>
-              </a:spcAft>
-              <a:buClr>
-                <a:schemeClr val="dk1"/>
-              </a:buClr>
-              <a:buSzPts val="1800"/>
-              <a:buChar char="▪"/>
-              <a:defRPr/>
-            </a:lvl9pPr>
-          </a:lstStyle>
-          <a:p/>
-        </p:txBody>
-      </p:sp>
-    </p:spTree>
-  </p:cSld>
-  <p:clrMapOvr>
-    <a:masterClrMapping/>
-  </p:clrMapOvr>
-</p:sldLayout>
-</file>
-
-<file path=ppt/slideLayouts/slideLayout5.xml><?xml version="1.0" encoding="utf-8"?>
-<p:sldLayout xmlns:a="http://schemas.openxmlformats.org/drawingml/2006/main" xmlns:r="http://schemas.openxmlformats.org/officeDocument/2006/relationships" xmlns:mc="http://schemas.openxmlformats.org/markup-compatibility/2006" xmlns:mv="urn:schemas-microsoft-com:mac:vml" xmlns:p="http://schemas.openxmlformats.org/presentationml/2006/main" xmlns:c="http://schemas.openxmlformats.org/drawingml/2006/chart" xmlns:dgm="http://schemas.openxmlformats.org/drawingml/2006/diagram" xmlns:o="urn:schemas-microsoft-com:office:office" xmlns:v="urn:schemas-microsoft-com:vml" xmlns:pvml="urn:schemas-microsoft-com:office:powerpoint" xmlns:com="http://schemas.openxmlformats.org/drawingml/2006/compatibility" xmlns:p14="http://schemas.microsoft.com/office/powerpoint/2010/main" xmlns:p15="http://schemas.microsoft.com/office/powerpoint/2012/main" xmlns:ahyp="http://schemas.microsoft.com/office/drawing/2018/hyperlinkcolor" matchingName="Titel und Diagramm" type="chart">
-  <p:cSld name="CHART">
     <p:spTree>
       <p:nvGrpSpPr>
         <p:cNvPr id="31" name="Shape 31"/>
@@ -6080,6 +6382,523 @@
       <p:sp>
         <p:nvSpPr>
           <p:cNvPr id="33" name="Google Shape;33;p6"/>
+          <p:cNvSpPr txBox="1"/>
+          <p:nvPr>
+            <p:ph idx="1" type="body"/>
+          </p:nvPr>
+        </p:nvSpPr>
+        <p:spPr>
+          <a:xfrm>
+            <a:off x="431800" y="945000"/>
+            <a:ext cx="3600000" cy="3375000"/>
+          </a:xfrm>
+          <a:prstGeom prst="rect">
+            <a:avLst/>
+          </a:prstGeom>
+          <a:noFill/>
+          <a:ln>
+            <a:noFill/>
+          </a:ln>
+        </p:spPr>
+        <p:txBody>
+          <a:bodyPr anchorCtr="0" anchor="t" bIns="0" lIns="0" spcFirstLastPara="1" rIns="0" wrap="square" tIns="0">
+            <a:noAutofit/>
+          </a:bodyPr>
+          <a:lstStyle>
+            <a:lvl1pPr indent="-228600" lvl="0" marL="457200" algn="l">
+              <a:lnSpc>
+                <a:spcPct val="100000"/>
+              </a:lnSpc>
+              <a:spcBef>
+                <a:spcPts val="360"/>
+              </a:spcBef>
+              <a:spcAft>
+                <a:spcPts val="0"/>
+              </a:spcAft>
+              <a:buSzPts val="1400"/>
+              <a:buNone/>
+              <a:defRPr/>
+            </a:lvl1pPr>
+            <a:lvl2pPr indent="-342900" lvl="1" marL="914400" algn="l">
+              <a:lnSpc>
+                <a:spcPct val="100000"/>
+              </a:lnSpc>
+              <a:spcBef>
+                <a:spcPts val="360"/>
+              </a:spcBef>
+              <a:spcAft>
+                <a:spcPts val="0"/>
+              </a:spcAft>
+              <a:buSzPts val="1800"/>
+              <a:buChar char="▪"/>
+              <a:defRPr/>
+            </a:lvl2pPr>
+            <a:lvl3pPr indent="-342900" lvl="2" marL="1371600" algn="l">
+              <a:lnSpc>
+                <a:spcPct val="100000"/>
+              </a:lnSpc>
+              <a:spcBef>
+                <a:spcPts val="360"/>
+              </a:spcBef>
+              <a:spcAft>
+                <a:spcPts val="0"/>
+              </a:spcAft>
+              <a:buSzPts val="1800"/>
+              <a:buChar char="▪"/>
+              <a:defRPr/>
+            </a:lvl3pPr>
+            <a:lvl4pPr indent="-342900" lvl="3" marL="1828800" algn="l">
+              <a:lnSpc>
+                <a:spcPct val="100000"/>
+              </a:lnSpc>
+              <a:spcBef>
+                <a:spcPts val="360"/>
+              </a:spcBef>
+              <a:spcAft>
+                <a:spcPts val="0"/>
+              </a:spcAft>
+              <a:buSzPts val="1800"/>
+              <a:buChar char="▪"/>
+              <a:defRPr/>
+            </a:lvl4pPr>
+            <a:lvl5pPr indent="-342900" lvl="4" marL="2286000" algn="l">
+              <a:lnSpc>
+                <a:spcPct val="100000"/>
+              </a:lnSpc>
+              <a:spcBef>
+                <a:spcPts val="360"/>
+              </a:spcBef>
+              <a:spcAft>
+                <a:spcPts val="0"/>
+              </a:spcAft>
+              <a:buSzPts val="1800"/>
+              <a:buChar char="▪"/>
+              <a:defRPr/>
+            </a:lvl5pPr>
+            <a:lvl6pPr indent="-342900" lvl="5" marL="2743200" algn="l">
+              <a:lnSpc>
+                <a:spcPct val="100000"/>
+              </a:lnSpc>
+              <a:spcBef>
+                <a:spcPts val="360"/>
+              </a:spcBef>
+              <a:spcAft>
+                <a:spcPts val="0"/>
+              </a:spcAft>
+              <a:buClr>
+                <a:schemeClr val="dk1"/>
+              </a:buClr>
+              <a:buSzPts val="1800"/>
+              <a:buChar char="▪"/>
+              <a:defRPr/>
+            </a:lvl6pPr>
+            <a:lvl7pPr indent="-342900" lvl="6" marL="3200400" algn="l">
+              <a:lnSpc>
+                <a:spcPct val="100000"/>
+              </a:lnSpc>
+              <a:spcBef>
+                <a:spcPts val="360"/>
+              </a:spcBef>
+              <a:spcAft>
+                <a:spcPts val="0"/>
+              </a:spcAft>
+              <a:buClr>
+                <a:schemeClr val="dk1"/>
+              </a:buClr>
+              <a:buSzPts val="1800"/>
+              <a:buChar char="▪"/>
+              <a:defRPr/>
+            </a:lvl7pPr>
+            <a:lvl8pPr indent="-342900" lvl="7" marL="3657600" algn="l">
+              <a:lnSpc>
+                <a:spcPct val="100000"/>
+              </a:lnSpc>
+              <a:spcBef>
+                <a:spcPts val="360"/>
+              </a:spcBef>
+              <a:spcAft>
+                <a:spcPts val="0"/>
+              </a:spcAft>
+              <a:buClr>
+                <a:schemeClr val="dk1"/>
+              </a:buClr>
+              <a:buSzPts val="1800"/>
+              <a:buChar char="▪"/>
+              <a:defRPr/>
+            </a:lvl8pPr>
+            <a:lvl9pPr indent="-342900" lvl="8" marL="4114800" algn="l">
+              <a:lnSpc>
+                <a:spcPct val="100000"/>
+              </a:lnSpc>
+              <a:spcBef>
+                <a:spcPts val="360"/>
+              </a:spcBef>
+              <a:spcAft>
+                <a:spcPts val="0"/>
+              </a:spcAft>
+              <a:buClr>
+                <a:schemeClr val="dk1"/>
+              </a:buClr>
+              <a:buSzPts val="1800"/>
+              <a:buChar char="▪"/>
+              <a:defRPr/>
+            </a:lvl9pPr>
+          </a:lstStyle>
+          <a:p/>
+        </p:txBody>
+      </p:sp>
+      <p:sp>
+        <p:nvSpPr>
+          <p:cNvPr id="34" name="Google Shape;34;p6"/>
+          <p:cNvSpPr txBox="1"/>
+          <p:nvPr>
+            <p:ph idx="2" type="body"/>
+          </p:nvPr>
+        </p:nvSpPr>
+        <p:spPr>
+          <a:xfrm>
+            <a:off x="4860000" y="945000"/>
+            <a:ext cx="3600000" cy="3375000"/>
+          </a:xfrm>
+          <a:prstGeom prst="rect">
+            <a:avLst/>
+          </a:prstGeom>
+          <a:noFill/>
+          <a:ln>
+            <a:noFill/>
+          </a:ln>
+        </p:spPr>
+        <p:txBody>
+          <a:bodyPr anchorCtr="0" anchor="t" bIns="0" lIns="0" spcFirstLastPara="1" rIns="0" wrap="square" tIns="0">
+            <a:noAutofit/>
+          </a:bodyPr>
+          <a:lstStyle>
+            <a:lvl1pPr indent="-228600" lvl="0" marL="457200" algn="l">
+              <a:lnSpc>
+                <a:spcPct val="100000"/>
+              </a:lnSpc>
+              <a:spcBef>
+                <a:spcPts val="360"/>
+              </a:spcBef>
+              <a:spcAft>
+                <a:spcPts val="0"/>
+              </a:spcAft>
+              <a:buSzPts val="1400"/>
+              <a:buNone/>
+              <a:defRPr/>
+            </a:lvl1pPr>
+            <a:lvl2pPr indent="-342900" lvl="1" marL="914400" algn="l">
+              <a:lnSpc>
+                <a:spcPct val="100000"/>
+              </a:lnSpc>
+              <a:spcBef>
+                <a:spcPts val="360"/>
+              </a:spcBef>
+              <a:spcAft>
+                <a:spcPts val="0"/>
+              </a:spcAft>
+              <a:buSzPts val="1800"/>
+              <a:buChar char="▪"/>
+              <a:defRPr/>
+            </a:lvl2pPr>
+            <a:lvl3pPr indent="-342900" lvl="2" marL="1371600" algn="l">
+              <a:lnSpc>
+                <a:spcPct val="100000"/>
+              </a:lnSpc>
+              <a:spcBef>
+                <a:spcPts val="360"/>
+              </a:spcBef>
+              <a:spcAft>
+                <a:spcPts val="0"/>
+              </a:spcAft>
+              <a:buSzPts val="1800"/>
+              <a:buChar char="▪"/>
+              <a:defRPr/>
+            </a:lvl3pPr>
+            <a:lvl4pPr indent="-342900" lvl="3" marL="1828800" algn="l">
+              <a:lnSpc>
+                <a:spcPct val="100000"/>
+              </a:lnSpc>
+              <a:spcBef>
+                <a:spcPts val="360"/>
+              </a:spcBef>
+              <a:spcAft>
+                <a:spcPts val="0"/>
+              </a:spcAft>
+              <a:buSzPts val="1800"/>
+              <a:buChar char="▪"/>
+              <a:defRPr/>
+            </a:lvl4pPr>
+            <a:lvl5pPr indent="-342900" lvl="4" marL="2286000" algn="l">
+              <a:lnSpc>
+                <a:spcPct val="100000"/>
+              </a:lnSpc>
+              <a:spcBef>
+                <a:spcPts val="360"/>
+              </a:spcBef>
+              <a:spcAft>
+                <a:spcPts val="0"/>
+              </a:spcAft>
+              <a:buSzPts val="1800"/>
+              <a:buChar char="▪"/>
+              <a:defRPr/>
+            </a:lvl5pPr>
+            <a:lvl6pPr indent="-342900" lvl="5" marL="2743200" algn="l">
+              <a:lnSpc>
+                <a:spcPct val="100000"/>
+              </a:lnSpc>
+              <a:spcBef>
+                <a:spcPts val="360"/>
+              </a:spcBef>
+              <a:spcAft>
+                <a:spcPts val="0"/>
+              </a:spcAft>
+              <a:buClr>
+                <a:schemeClr val="dk1"/>
+              </a:buClr>
+              <a:buSzPts val="1800"/>
+              <a:buChar char="▪"/>
+              <a:defRPr/>
+            </a:lvl6pPr>
+            <a:lvl7pPr indent="-342900" lvl="6" marL="3200400" algn="l">
+              <a:lnSpc>
+                <a:spcPct val="100000"/>
+              </a:lnSpc>
+              <a:spcBef>
+                <a:spcPts val="360"/>
+              </a:spcBef>
+              <a:spcAft>
+                <a:spcPts val="0"/>
+              </a:spcAft>
+              <a:buClr>
+                <a:schemeClr val="dk1"/>
+              </a:buClr>
+              <a:buSzPts val="1800"/>
+              <a:buChar char="▪"/>
+              <a:defRPr/>
+            </a:lvl7pPr>
+            <a:lvl8pPr indent="-342900" lvl="7" marL="3657600" algn="l">
+              <a:lnSpc>
+                <a:spcPct val="100000"/>
+              </a:lnSpc>
+              <a:spcBef>
+                <a:spcPts val="360"/>
+              </a:spcBef>
+              <a:spcAft>
+                <a:spcPts val="0"/>
+              </a:spcAft>
+              <a:buClr>
+                <a:schemeClr val="dk1"/>
+              </a:buClr>
+              <a:buSzPts val="1800"/>
+              <a:buChar char="▪"/>
+              <a:defRPr/>
+            </a:lvl8pPr>
+            <a:lvl9pPr indent="-342900" lvl="8" marL="4114800" algn="l">
+              <a:lnSpc>
+                <a:spcPct val="100000"/>
+              </a:lnSpc>
+              <a:spcBef>
+                <a:spcPts val="360"/>
+              </a:spcBef>
+              <a:spcAft>
+                <a:spcPts val="0"/>
+              </a:spcAft>
+              <a:buClr>
+                <a:schemeClr val="dk1"/>
+              </a:buClr>
+              <a:buSzPts val="1800"/>
+              <a:buChar char="▪"/>
+              <a:defRPr/>
+            </a:lvl9pPr>
+          </a:lstStyle>
+          <a:p/>
+        </p:txBody>
+      </p:sp>
+    </p:spTree>
+  </p:cSld>
+  <p:clrMapOvr>
+    <a:masterClrMapping/>
+  </p:clrMapOvr>
+</p:sldLayout>
+</file>
+
+<file path=ppt/slideLayouts/slideLayout6.xml><?xml version="1.0" encoding="utf-8"?>
+<p:sldLayout xmlns:a="http://schemas.openxmlformats.org/drawingml/2006/main" xmlns:r="http://schemas.openxmlformats.org/officeDocument/2006/relationships" xmlns:mc="http://schemas.openxmlformats.org/markup-compatibility/2006" xmlns:mv="urn:schemas-microsoft-com:mac:vml" xmlns:p="http://schemas.openxmlformats.org/presentationml/2006/main" xmlns:c="http://schemas.openxmlformats.org/drawingml/2006/chart" xmlns:dgm="http://schemas.openxmlformats.org/drawingml/2006/diagram" xmlns:o="urn:schemas-microsoft-com:office:office" xmlns:v="urn:schemas-microsoft-com:vml" xmlns:pvml="urn:schemas-microsoft-com:office:powerpoint" xmlns:com="http://schemas.openxmlformats.org/drawingml/2006/compatibility" xmlns:p14="http://schemas.microsoft.com/office/powerpoint/2010/main" xmlns:p15="http://schemas.microsoft.com/office/powerpoint/2012/main" xmlns:ahyp="http://schemas.microsoft.com/office/drawing/2018/hyperlinkcolor" matchingName="Titel und Diagramm" type="chart">
+  <p:cSld name="CHART">
+    <p:spTree>
+      <p:nvGrpSpPr>
+        <p:cNvPr id="35" name="Shape 35"/>
+        <p:cNvGrpSpPr/>
+        <p:nvPr/>
+      </p:nvGrpSpPr>
+      <p:grpSpPr>
+        <a:xfrm>
+          <a:off x="0" y="0"/>
+          <a:ext cx="0" cy="0"/>
+          <a:chOff x="0" y="0"/>
+          <a:chExt cx="0" cy="0"/>
+        </a:xfrm>
+      </p:grpSpPr>
+      <p:sp>
+        <p:nvSpPr>
+          <p:cNvPr id="36" name="Google Shape;36;p7"/>
+          <p:cNvSpPr txBox="1"/>
+          <p:nvPr>
+            <p:ph type="title"/>
+          </p:nvPr>
+        </p:nvSpPr>
+        <p:spPr>
+          <a:xfrm>
+            <a:off x="431800" y="83344"/>
+            <a:ext cx="8375700" cy="531000"/>
+          </a:xfrm>
+          <a:prstGeom prst="rect">
+            <a:avLst/>
+          </a:prstGeom>
+          <a:noFill/>
+          <a:ln>
+            <a:noFill/>
+          </a:ln>
+        </p:spPr>
+        <p:txBody>
+          <a:bodyPr anchorCtr="0" anchor="b" bIns="0" lIns="0" spcFirstLastPara="1" rIns="0" wrap="square" tIns="0">
+            <a:noAutofit/>
+          </a:bodyPr>
+          <a:lstStyle>
+            <a:lvl1pPr lvl="0" algn="l">
+              <a:lnSpc>
+                <a:spcPct val="100000"/>
+              </a:lnSpc>
+              <a:spcBef>
+                <a:spcPts val="0"/>
+              </a:spcBef>
+              <a:spcAft>
+                <a:spcPts val="0"/>
+              </a:spcAft>
+              <a:buSzPts val="1400"/>
+              <a:buNone/>
+              <a:defRPr/>
+            </a:lvl1pPr>
+            <a:lvl2pPr lvl="1" algn="l">
+              <a:lnSpc>
+                <a:spcPct val="100000"/>
+              </a:lnSpc>
+              <a:spcBef>
+                <a:spcPts val="0"/>
+              </a:spcBef>
+              <a:spcAft>
+                <a:spcPts val="0"/>
+              </a:spcAft>
+              <a:buSzPts val="1400"/>
+              <a:buNone/>
+              <a:defRPr/>
+            </a:lvl2pPr>
+            <a:lvl3pPr lvl="2" algn="l">
+              <a:lnSpc>
+                <a:spcPct val="100000"/>
+              </a:lnSpc>
+              <a:spcBef>
+                <a:spcPts val="0"/>
+              </a:spcBef>
+              <a:spcAft>
+                <a:spcPts val="0"/>
+              </a:spcAft>
+              <a:buSzPts val="1400"/>
+              <a:buNone/>
+              <a:defRPr/>
+            </a:lvl3pPr>
+            <a:lvl4pPr lvl="3" algn="l">
+              <a:lnSpc>
+                <a:spcPct val="100000"/>
+              </a:lnSpc>
+              <a:spcBef>
+                <a:spcPts val="0"/>
+              </a:spcBef>
+              <a:spcAft>
+                <a:spcPts val="0"/>
+              </a:spcAft>
+              <a:buSzPts val="1400"/>
+              <a:buNone/>
+              <a:defRPr/>
+            </a:lvl4pPr>
+            <a:lvl5pPr lvl="4" algn="l">
+              <a:lnSpc>
+                <a:spcPct val="100000"/>
+              </a:lnSpc>
+              <a:spcBef>
+                <a:spcPts val="0"/>
+              </a:spcBef>
+              <a:spcAft>
+                <a:spcPts val="0"/>
+              </a:spcAft>
+              <a:buSzPts val="1400"/>
+              <a:buNone/>
+              <a:defRPr/>
+            </a:lvl5pPr>
+            <a:lvl6pPr lvl="5" algn="l">
+              <a:lnSpc>
+                <a:spcPct val="100000"/>
+              </a:lnSpc>
+              <a:spcBef>
+                <a:spcPts val="0"/>
+              </a:spcBef>
+              <a:spcAft>
+                <a:spcPts val="0"/>
+              </a:spcAft>
+              <a:buSzPts val="1400"/>
+              <a:buNone/>
+              <a:defRPr/>
+            </a:lvl6pPr>
+            <a:lvl7pPr lvl="6" algn="l">
+              <a:lnSpc>
+                <a:spcPct val="100000"/>
+              </a:lnSpc>
+              <a:spcBef>
+                <a:spcPts val="0"/>
+              </a:spcBef>
+              <a:spcAft>
+                <a:spcPts val="0"/>
+              </a:spcAft>
+              <a:buSzPts val="1400"/>
+              <a:buNone/>
+              <a:defRPr/>
+            </a:lvl7pPr>
+            <a:lvl8pPr lvl="7" algn="l">
+              <a:lnSpc>
+                <a:spcPct val="100000"/>
+              </a:lnSpc>
+              <a:spcBef>
+                <a:spcPts val="0"/>
+              </a:spcBef>
+              <a:spcAft>
+                <a:spcPts val="0"/>
+              </a:spcAft>
+              <a:buSzPts val="1400"/>
+              <a:buNone/>
+              <a:defRPr/>
+            </a:lvl8pPr>
+            <a:lvl9pPr lvl="8" algn="l">
+              <a:lnSpc>
+                <a:spcPct val="100000"/>
+              </a:lnSpc>
+              <a:spcBef>
+                <a:spcPts val="0"/>
+              </a:spcBef>
+              <a:spcAft>
+                <a:spcPts val="0"/>
+              </a:spcAft>
+              <a:buSzPts val="1400"/>
+              <a:buNone/>
+              <a:defRPr/>
+            </a:lvl9pPr>
+          </a:lstStyle>
+          <a:p/>
+        </p:txBody>
+      </p:sp>
+      <p:sp>
+        <p:nvSpPr>
+          <p:cNvPr id="37" name="Google Shape;37;p7"/>
           <p:cNvSpPr/>
           <p:nvPr>
             <p:ph idx="2" type="chart"/>
@@ -6349,12 +7168,12 @@
 </p:sldLayout>
 </file>
 
-<file path=ppt/slideLayouts/slideLayout6.xml><?xml version="1.0" encoding="utf-8"?>
+<file path=ppt/slideLayouts/slideLayout7.xml><?xml version="1.0" encoding="utf-8"?>
 <p:sldLayout xmlns:a="http://schemas.openxmlformats.org/drawingml/2006/main" xmlns:r="http://schemas.openxmlformats.org/officeDocument/2006/relationships" xmlns:mc="http://schemas.openxmlformats.org/markup-compatibility/2006" xmlns:mv="urn:schemas-microsoft-com:mac:vml" xmlns:p="http://schemas.openxmlformats.org/presentationml/2006/main" xmlns:c="http://schemas.openxmlformats.org/drawingml/2006/chart" xmlns:dgm="http://schemas.openxmlformats.org/drawingml/2006/diagram" xmlns:o="urn:schemas-microsoft-com:office:office" xmlns:v="urn:schemas-microsoft-com:vml" xmlns:pvml="urn:schemas-microsoft-com:office:powerpoint" xmlns:com="http://schemas.openxmlformats.org/drawingml/2006/compatibility" xmlns:p14="http://schemas.microsoft.com/office/powerpoint/2010/main" xmlns:p15="http://schemas.microsoft.com/office/powerpoint/2012/main" xmlns:ahyp="http://schemas.microsoft.com/office/drawing/2018/hyperlinkcolor" matchingName="Nur Titel" type="titleOnly">
   <p:cSld name="TITLE_ONLY">
     <p:spTree>
       <p:nvGrpSpPr>
-        <p:cNvPr id="34" name="Shape 34"/>
+        <p:cNvPr id="38" name="Shape 38"/>
         <p:cNvGrpSpPr/>
         <p:nvPr/>
       </p:nvGrpSpPr>
@@ -6368,7 +7187,7 @@
       </p:grpSpPr>
       <p:sp>
         <p:nvSpPr>
-          <p:cNvPr id="35" name="Google Shape;35;p7"/>
+          <p:cNvPr id="39" name="Google Shape;39;p8"/>
           <p:cNvSpPr txBox="1"/>
           <p:nvPr>
             <p:ph type="title"/>
@@ -6530,12 +7349,12 @@
 </p:sldLayout>
 </file>
 
-<file path=ppt/slideLayouts/slideLayout7.xml><?xml version="1.0" encoding="utf-8"?>
+<file path=ppt/slideLayouts/slideLayout8.xml><?xml version="1.0" encoding="utf-8"?>
 <p:sldLayout xmlns:a="http://schemas.openxmlformats.org/drawingml/2006/main" xmlns:r="http://schemas.openxmlformats.org/officeDocument/2006/relationships" xmlns:mc="http://schemas.openxmlformats.org/markup-compatibility/2006" xmlns:mv="urn:schemas-microsoft-com:mac:vml" xmlns:p="http://schemas.openxmlformats.org/presentationml/2006/main" xmlns:c="http://schemas.openxmlformats.org/drawingml/2006/chart" xmlns:dgm="http://schemas.openxmlformats.org/drawingml/2006/diagram" xmlns:o="urn:schemas-microsoft-com:office:office" xmlns:v="urn:schemas-microsoft-com:vml" xmlns:pvml="urn:schemas-microsoft-com:office:powerpoint" xmlns:com="http://schemas.openxmlformats.org/drawingml/2006/compatibility" xmlns:p14="http://schemas.microsoft.com/office/powerpoint/2010/main" xmlns:p15="http://schemas.microsoft.com/office/powerpoint/2012/main" xmlns:ahyp="http://schemas.microsoft.com/office/drawing/2018/hyperlinkcolor" matchingName="3_Titel und Inhalt">
   <p:cSld name="3_Titel und Inhalt">
     <p:spTree>
       <p:nvGrpSpPr>
-        <p:cNvPr id="36" name="Shape 36"/>
+        <p:cNvPr id="40" name="Shape 40"/>
         <p:cNvGrpSpPr/>
         <p:nvPr/>
       </p:nvGrpSpPr>
@@ -6549,7 +7368,7 @@
       </p:grpSpPr>
       <p:sp>
         <p:nvSpPr>
-          <p:cNvPr id="37" name="Google Shape;37;p8"/>
+          <p:cNvPr id="41" name="Google Shape;41;p9"/>
           <p:cNvSpPr/>
           <p:nvPr/>
         </p:nvSpPr>
@@ -6608,7 +7427,7 @@
       </p:sp>
       <p:sp>
         <p:nvSpPr>
-          <p:cNvPr id="38" name="Google Shape;38;p8"/>
+          <p:cNvPr id="42" name="Google Shape;42;p9"/>
           <p:cNvSpPr txBox="1"/>
           <p:nvPr>
             <p:ph type="title"/>
@@ -6764,7 +7583,7 @@
       </p:sp>
       <p:sp>
         <p:nvSpPr>
-          <p:cNvPr id="39" name="Google Shape;39;p8"/>
+          <p:cNvPr id="43" name="Google Shape;43;p9"/>
           <p:cNvSpPr txBox="1"/>
           <p:nvPr>
             <p:ph idx="1" type="body"/>
@@ -6932,7 +7751,7 @@
       </p:sp>
       <p:sp>
         <p:nvSpPr>
-          <p:cNvPr id="40" name="Google Shape;40;p8"/>
+          <p:cNvPr id="44" name="Google Shape;44;p9"/>
           <p:cNvSpPr txBox="1"/>
           <p:nvPr>
             <p:ph idx="2" type="body"/>
@@ -7093,510 +7912,6 @@
               <a:buSzPts val="1800"/>
               <a:buChar char="▪"/>
               <a:defRPr/>
-            </a:lvl9pPr>
-          </a:lstStyle>
-          <a:p/>
-        </p:txBody>
-      </p:sp>
-    </p:spTree>
-  </p:cSld>
-  <p:clrMapOvr>
-    <a:masterClrMapping/>
-  </p:clrMapOvr>
-</p:sldLayout>
-</file>
-
-<file path=ppt/slideLayouts/slideLayout8.xml><?xml version="1.0" encoding="utf-8"?>
-<p:sldLayout xmlns:a="http://schemas.openxmlformats.org/drawingml/2006/main" xmlns:r="http://schemas.openxmlformats.org/officeDocument/2006/relationships" xmlns:mc="http://schemas.openxmlformats.org/markup-compatibility/2006" xmlns:mv="urn:schemas-microsoft-com:mac:vml" xmlns:p="http://schemas.openxmlformats.org/presentationml/2006/main" xmlns:c="http://schemas.openxmlformats.org/drawingml/2006/chart" xmlns:dgm="http://schemas.openxmlformats.org/drawingml/2006/diagram" xmlns:o="urn:schemas-microsoft-com:office:office" xmlns:v="urn:schemas-microsoft-com:vml" xmlns:pvml="urn:schemas-microsoft-com:office:powerpoint" xmlns:com="http://schemas.openxmlformats.org/drawingml/2006/compatibility" xmlns:p14="http://schemas.microsoft.com/office/powerpoint/2010/main" xmlns:p15="http://schemas.microsoft.com/office/powerpoint/2012/main" xmlns:ahyp="http://schemas.microsoft.com/office/drawing/2018/hyperlinkcolor" matchingName="1_Titel und Diagramm">
-  <p:cSld name="1_Titel und Diagramm">
-    <p:spTree>
-      <p:nvGrpSpPr>
-        <p:cNvPr id="41" name="Shape 41"/>
-        <p:cNvGrpSpPr/>
-        <p:nvPr/>
-      </p:nvGrpSpPr>
-      <p:grpSpPr>
-        <a:xfrm>
-          <a:off x="0" y="0"/>
-          <a:ext cx="0" cy="0"/>
-          <a:chOff x="0" y="0"/>
-          <a:chExt cx="0" cy="0"/>
-        </a:xfrm>
-      </p:grpSpPr>
-      <p:sp>
-        <p:nvSpPr>
-          <p:cNvPr id="42" name="Google Shape;42;p9"/>
-          <p:cNvSpPr/>
-          <p:nvPr/>
-        </p:nvSpPr>
-        <p:spPr>
-          <a:xfrm>
-            <a:off x="0" y="0"/>
-            <a:ext cx="9144000" cy="647700"/>
-          </a:xfrm>
-          <a:prstGeom prst="rect">
-            <a:avLst/>
-          </a:prstGeom>
-          <a:solidFill>
-            <a:srgbClr val="DDDDDD"/>
-          </a:solidFill>
-          <a:ln>
-            <a:noFill/>
-          </a:ln>
-        </p:spPr>
-        <p:txBody>
-          <a:bodyPr anchorCtr="0" anchor="ctr" bIns="45700" lIns="91425" spcFirstLastPara="1" rIns="91425" wrap="square" tIns="45700">
-            <a:noAutofit/>
-          </a:bodyPr>
-          <a:lstStyle/>
-          <a:p>
-            <a:pPr indent="0" lvl="0" marL="0" marR="0" rtl="0" algn="ctr">
-              <a:lnSpc>
-                <a:spcPct val="100000"/>
-              </a:lnSpc>
-              <a:spcBef>
-                <a:spcPts val="0"/>
-              </a:spcBef>
-              <a:spcAft>
-                <a:spcPts val="0"/>
-              </a:spcAft>
-              <a:buClr>
-                <a:srgbClr val="000000"/>
-              </a:buClr>
-              <a:buSzPts val="1800"/>
-              <a:buFont typeface="Arial"/>
-              <a:buNone/>
-            </a:pPr>
-            <a:r>
-              <a:t/>
-            </a:r>
-            <a:endParaRPr b="0" i="0" sz="1800" u="none" cap="none" strike="noStrike">
-              <a:solidFill>
-                <a:schemeClr val="accent2"/>
-              </a:solidFill>
-              <a:latin typeface="Arial"/>
-              <a:ea typeface="Arial"/>
-              <a:cs typeface="Arial"/>
-              <a:sym typeface="Arial"/>
-            </a:endParaRPr>
-          </a:p>
-        </p:txBody>
-      </p:sp>
-      <p:sp>
-        <p:nvSpPr>
-          <p:cNvPr id="43" name="Google Shape;43;p9"/>
-          <p:cNvSpPr txBox="1"/>
-          <p:nvPr>
-            <p:ph type="title"/>
-          </p:nvPr>
-        </p:nvSpPr>
-        <p:spPr>
-          <a:xfrm>
-            <a:off x="431800" y="83344"/>
-            <a:ext cx="8375700" cy="531000"/>
-          </a:xfrm>
-          <a:prstGeom prst="rect">
-            <a:avLst/>
-          </a:prstGeom>
-          <a:noFill/>
-          <a:ln>
-            <a:noFill/>
-          </a:ln>
-        </p:spPr>
-        <p:txBody>
-          <a:bodyPr anchorCtr="0" anchor="b" bIns="0" lIns="0" spcFirstLastPara="1" rIns="0" wrap="square" tIns="0">
-            <a:noAutofit/>
-          </a:bodyPr>
-          <a:lstStyle>
-            <a:lvl1pPr lvl="0" algn="l">
-              <a:lnSpc>
-                <a:spcPct val="100000"/>
-              </a:lnSpc>
-              <a:spcBef>
-                <a:spcPts val="0"/>
-              </a:spcBef>
-              <a:spcAft>
-                <a:spcPts val="0"/>
-              </a:spcAft>
-              <a:buSzPts val="1400"/>
-              <a:buNone/>
-              <a:defRPr/>
-            </a:lvl1pPr>
-            <a:lvl2pPr lvl="1" algn="l">
-              <a:lnSpc>
-                <a:spcPct val="100000"/>
-              </a:lnSpc>
-              <a:spcBef>
-                <a:spcPts val="0"/>
-              </a:spcBef>
-              <a:spcAft>
-                <a:spcPts val="0"/>
-              </a:spcAft>
-              <a:buSzPts val="1400"/>
-              <a:buNone/>
-              <a:defRPr/>
-            </a:lvl2pPr>
-            <a:lvl3pPr lvl="2" algn="l">
-              <a:lnSpc>
-                <a:spcPct val="100000"/>
-              </a:lnSpc>
-              <a:spcBef>
-                <a:spcPts val="0"/>
-              </a:spcBef>
-              <a:spcAft>
-                <a:spcPts val="0"/>
-              </a:spcAft>
-              <a:buSzPts val="1400"/>
-              <a:buNone/>
-              <a:defRPr/>
-            </a:lvl3pPr>
-            <a:lvl4pPr lvl="3" algn="l">
-              <a:lnSpc>
-                <a:spcPct val="100000"/>
-              </a:lnSpc>
-              <a:spcBef>
-                <a:spcPts val="0"/>
-              </a:spcBef>
-              <a:spcAft>
-                <a:spcPts val="0"/>
-              </a:spcAft>
-              <a:buSzPts val="1400"/>
-              <a:buNone/>
-              <a:defRPr/>
-            </a:lvl4pPr>
-            <a:lvl5pPr lvl="4" algn="l">
-              <a:lnSpc>
-                <a:spcPct val="100000"/>
-              </a:lnSpc>
-              <a:spcBef>
-                <a:spcPts val="0"/>
-              </a:spcBef>
-              <a:spcAft>
-                <a:spcPts val="0"/>
-              </a:spcAft>
-              <a:buSzPts val="1400"/>
-              <a:buNone/>
-              <a:defRPr/>
-            </a:lvl5pPr>
-            <a:lvl6pPr lvl="5" algn="l">
-              <a:lnSpc>
-                <a:spcPct val="100000"/>
-              </a:lnSpc>
-              <a:spcBef>
-                <a:spcPts val="0"/>
-              </a:spcBef>
-              <a:spcAft>
-                <a:spcPts val="0"/>
-              </a:spcAft>
-              <a:buSzPts val="1400"/>
-              <a:buNone/>
-              <a:defRPr/>
-            </a:lvl6pPr>
-            <a:lvl7pPr lvl="6" algn="l">
-              <a:lnSpc>
-                <a:spcPct val="100000"/>
-              </a:lnSpc>
-              <a:spcBef>
-                <a:spcPts val="0"/>
-              </a:spcBef>
-              <a:spcAft>
-                <a:spcPts val="0"/>
-              </a:spcAft>
-              <a:buSzPts val="1400"/>
-              <a:buNone/>
-              <a:defRPr/>
-            </a:lvl7pPr>
-            <a:lvl8pPr lvl="7" algn="l">
-              <a:lnSpc>
-                <a:spcPct val="100000"/>
-              </a:lnSpc>
-              <a:spcBef>
-                <a:spcPts val="0"/>
-              </a:spcBef>
-              <a:spcAft>
-                <a:spcPts val="0"/>
-              </a:spcAft>
-              <a:buSzPts val="1400"/>
-              <a:buNone/>
-              <a:defRPr/>
-            </a:lvl8pPr>
-            <a:lvl9pPr lvl="8" algn="l">
-              <a:lnSpc>
-                <a:spcPct val="100000"/>
-              </a:lnSpc>
-              <a:spcBef>
-                <a:spcPts val="0"/>
-              </a:spcBef>
-              <a:spcAft>
-                <a:spcPts val="0"/>
-              </a:spcAft>
-              <a:buSzPts val="1400"/>
-              <a:buNone/>
-              <a:defRPr/>
-            </a:lvl9pPr>
-          </a:lstStyle>
-          <a:p/>
-        </p:txBody>
-      </p:sp>
-      <p:sp>
-        <p:nvSpPr>
-          <p:cNvPr id="44" name="Google Shape;44;p9"/>
-          <p:cNvSpPr/>
-          <p:nvPr>
-            <p:ph idx="2" type="chart"/>
-          </p:nvPr>
-        </p:nvSpPr>
-        <p:spPr>
-          <a:xfrm>
-            <a:off x="431800" y="782241"/>
-            <a:ext cx="8375700" cy="3579000"/>
-          </a:xfrm>
-          <a:prstGeom prst="rect">
-            <a:avLst/>
-          </a:prstGeom>
-          <a:noFill/>
-          <a:ln>
-            <a:noFill/>
-          </a:ln>
-        </p:spPr>
-        <p:txBody>
-          <a:bodyPr anchorCtr="0" anchor="t" bIns="0" lIns="0" spcFirstLastPara="1" rIns="0" wrap="square" tIns="0">
-            <a:noAutofit/>
-          </a:bodyPr>
-          <a:lstStyle>
-            <a:lvl1pPr lvl="0" marR="0" rtl="0" algn="l">
-              <a:lnSpc>
-                <a:spcPct val="100000"/>
-              </a:lnSpc>
-              <a:spcBef>
-                <a:spcPts val="320"/>
-              </a:spcBef>
-              <a:spcAft>
-                <a:spcPts val="0"/>
-              </a:spcAft>
-              <a:buClr>
-                <a:srgbClr val="000000"/>
-              </a:buClr>
-              <a:buSzPts val="1400"/>
-              <a:buFont typeface="Arial"/>
-              <a:buNone/>
-              <a:defRPr b="0" i="0" sz="1600" u="none" cap="none" strike="noStrike">
-                <a:solidFill>
-                  <a:schemeClr val="dk1"/>
-                </a:solidFill>
-                <a:latin typeface="Arial"/>
-                <a:ea typeface="Arial"/>
-                <a:cs typeface="Arial"/>
-                <a:sym typeface="Arial"/>
-              </a:defRPr>
-            </a:lvl1pPr>
-            <a:lvl2pPr lvl="1" marR="0" rtl="0" algn="l">
-              <a:lnSpc>
-                <a:spcPct val="100000"/>
-              </a:lnSpc>
-              <a:spcBef>
-                <a:spcPts val="320"/>
-              </a:spcBef>
-              <a:spcAft>
-                <a:spcPts val="0"/>
-              </a:spcAft>
-              <a:buClr>
-                <a:schemeClr val="dk1"/>
-              </a:buClr>
-              <a:buSzPts val="1600"/>
-              <a:buFont typeface="Noto Sans Symbols"/>
-              <a:buChar char="▪"/>
-              <a:defRPr b="0" i="0" sz="1600" u="none" cap="none" strike="noStrike">
-                <a:solidFill>
-                  <a:schemeClr val="dk1"/>
-                </a:solidFill>
-                <a:latin typeface="Arial"/>
-                <a:ea typeface="Arial"/>
-                <a:cs typeface="Arial"/>
-                <a:sym typeface="Arial"/>
-              </a:defRPr>
-            </a:lvl2pPr>
-            <a:lvl3pPr lvl="2" marR="0" rtl="0" algn="l">
-              <a:lnSpc>
-                <a:spcPct val="100000"/>
-              </a:lnSpc>
-              <a:spcBef>
-                <a:spcPts val="320"/>
-              </a:spcBef>
-              <a:spcAft>
-                <a:spcPts val="0"/>
-              </a:spcAft>
-              <a:buClr>
-                <a:schemeClr val="dk1"/>
-              </a:buClr>
-              <a:buSzPts val="1600"/>
-              <a:buFont typeface="Noto Sans Symbols"/>
-              <a:buChar char="▪"/>
-              <a:defRPr b="0" i="0" sz="1600" u="none" cap="none" strike="noStrike">
-                <a:solidFill>
-                  <a:schemeClr val="dk1"/>
-                </a:solidFill>
-                <a:latin typeface="Arial"/>
-                <a:ea typeface="Arial"/>
-                <a:cs typeface="Arial"/>
-                <a:sym typeface="Arial"/>
-              </a:defRPr>
-            </a:lvl3pPr>
-            <a:lvl4pPr lvl="3" marR="0" rtl="0" algn="l">
-              <a:lnSpc>
-                <a:spcPct val="100000"/>
-              </a:lnSpc>
-              <a:spcBef>
-                <a:spcPts val="320"/>
-              </a:spcBef>
-              <a:spcAft>
-                <a:spcPts val="0"/>
-              </a:spcAft>
-              <a:buClr>
-                <a:schemeClr val="dk1"/>
-              </a:buClr>
-              <a:buSzPts val="1600"/>
-              <a:buFont typeface="Noto Sans Symbols"/>
-              <a:buChar char="▪"/>
-              <a:defRPr b="0" i="0" sz="1600" u="none" cap="none" strike="noStrike">
-                <a:solidFill>
-                  <a:schemeClr val="dk1"/>
-                </a:solidFill>
-                <a:latin typeface="Arial"/>
-                <a:ea typeface="Arial"/>
-                <a:cs typeface="Arial"/>
-                <a:sym typeface="Arial"/>
-              </a:defRPr>
-            </a:lvl4pPr>
-            <a:lvl5pPr lvl="4" marR="0" rtl="0" algn="l">
-              <a:lnSpc>
-                <a:spcPct val="100000"/>
-              </a:lnSpc>
-              <a:spcBef>
-                <a:spcPts val="320"/>
-              </a:spcBef>
-              <a:spcAft>
-                <a:spcPts val="0"/>
-              </a:spcAft>
-              <a:buClr>
-                <a:schemeClr val="dk1"/>
-              </a:buClr>
-              <a:buSzPts val="1600"/>
-              <a:buFont typeface="Noto Sans Symbols"/>
-              <a:buChar char="▪"/>
-              <a:defRPr b="0" i="0" sz="1600" u="none" cap="none" strike="noStrike">
-                <a:solidFill>
-                  <a:schemeClr val="dk1"/>
-                </a:solidFill>
-                <a:latin typeface="Arial"/>
-                <a:ea typeface="Arial"/>
-                <a:cs typeface="Arial"/>
-                <a:sym typeface="Arial"/>
-              </a:defRPr>
-            </a:lvl5pPr>
-            <a:lvl6pPr lvl="5" marR="0" rtl="0" algn="l">
-              <a:lnSpc>
-                <a:spcPct val="100000"/>
-              </a:lnSpc>
-              <a:spcBef>
-                <a:spcPts val="320"/>
-              </a:spcBef>
-              <a:spcAft>
-                <a:spcPts val="0"/>
-              </a:spcAft>
-              <a:buClr>
-                <a:schemeClr val="dk1"/>
-              </a:buClr>
-              <a:buSzPts val="1600"/>
-              <a:buFont typeface="Noto Sans Symbols"/>
-              <a:buChar char="▪"/>
-              <a:defRPr b="0" i="0" sz="1600" u="none" cap="none" strike="noStrike">
-                <a:solidFill>
-                  <a:schemeClr val="dk1"/>
-                </a:solidFill>
-                <a:latin typeface="Arial"/>
-                <a:ea typeface="Arial"/>
-                <a:cs typeface="Arial"/>
-                <a:sym typeface="Arial"/>
-              </a:defRPr>
-            </a:lvl6pPr>
-            <a:lvl7pPr lvl="6" marR="0" rtl="0" algn="l">
-              <a:lnSpc>
-                <a:spcPct val="100000"/>
-              </a:lnSpc>
-              <a:spcBef>
-                <a:spcPts val="320"/>
-              </a:spcBef>
-              <a:spcAft>
-                <a:spcPts val="0"/>
-              </a:spcAft>
-              <a:buClr>
-                <a:schemeClr val="dk1"/>
-              </a:buClr>
-              <a:buSzPts val="1600"/>
-              <a:buFont typeface="Noto Sans Symbols"/>
-              <a:buChar char="▪"/>
-              <a:defRPr b="0" i="0" sz="1600" u="none" cap="none" strike="noStrike">
-                <a:solidFill>
-                  <a:schemeClr val="dk1"/>
-                </a:solidFill>
-                <a:latin typeface="Arial"/>
-                <a:ea typeface="Arial"/>
-                <a:cs typeface="Arial"/>
-                <a:sym typeface="Arial"/>
-              </a:defRPr>
-            </a:lvl7pPr>
-            <a:lvl8pPr lvl="7" marR="0" rtl="0" algn="l">
-              <a:lnSpc>
-                <a:spcPct val="100000"/>
-              </a:lnSpc>
-              <a:spcBef>
-                <a:spcPts val="320"/>
-              </a:spcBef>
-              <a:spcAft>
-                <a:spcPts val="0"/>
-              </a:spcAft>
-              <a:buClr>
-                <a:schemeClr val="dk1"/>
-              </a:buClr>
-              <a:buSzPts val="1600"/>
-              <a:buFont typeface="Noto Sans Symbols"/>
-              <a:buChar char="▪"/>
-              <a:defRPr b="0" i="0" sz="1600" u="none" cap="none" strike="noStrike">
-                <a:solidFill>
-                  <a:schemeClr val="dk1"/>
-                </a:solidFill>
-                <a:latin typeface="Arial"/>
-                <a:ea typeface="Arial"/>
-                <a:cs typeface="Arial"/>
-                <a:sym typeface="Arial"/>
-              </a:defRPr>
-            </a:lvl8pPr>
-            <a:lvl9pPr lvl="8" marR="0" rtl="0" algn="l">
-              <a:lnSpc>
-                <a:spcPct val="100000"/>
-              </a:lnSpc>
-              <a:spcBef>
-                <a:spcPts val="320"/>
-              </a:spcBef>
-              <a:spcAft>
-                <a:spcPts val="0"/>
-              </a:spcAft>
-              <a:buClr>
-                <a:schemeClr val="dk1"/>
-              </a:buClr>
-              <a:buSzPts val="1600"/>
-              <a:buFont typeface="Noto Sans Symbols"/>
-              <a:buChar char="▪"/>
-              <a:defRPr b="0" i="0" sz="1600" u="none" cap="none" strike="noStrike">
-                <a:solidFill>
-                  <a:schemeClr val="dk1"/>
-                </a:solidFill>
-                <a:latin typeface="Arial"/>
-                <a:ea typeface="Arial"/>
-                <a:cs typeface="Arial"/>
-                <a:sym typeface="Arial"/>
-              </a:defRPr>
             </a:lvl9pPr>
           </a:lstStyle>
           <a:p/>
@@ -9508,6 +9823,10 @@
           <a:prstGeom prst="rect">
             <a:avLst/>
           </a:prstGeom>
+          <a:noFill/>
+          <a:ln>
+            <a:noFill/>
+          </a:ln>
         </p:spPr>
         <p:txBody>
           <a:bodyPr anchorCtr="0" anchor="b" bIns="0" lIns="0" spcFirstLastPara="1" rIns="0" wrap="square" tIns="0">
@@ -9516,12 +9835,16 @@
           <a:lstStyle/>
           <a:p>
             <a:pPr indent="0" lvl="0" marL="0" rtl="0" algn="l">
-              <a:spcBef>
-                <a:spcPts val="0"/>
-              </a:spcBef>
-              <a:spcAft>
-                <a:spcPts val="0"/>
-              </a:spcAft>
+              <a:lnSpc>
+                <a:spcPct val="100000"/>
+              </a:lnSpc>
+              <a:spcBef>
+                <a:spcPts val="0"/>
+              </a:spcBef>
+              <a:spcAft>
+                <a:spcPts val="0"/>
+              </a:spcAft>
+              <a:buSzPts val="1400"/>
               <a:buNone/>
             </a:pPr>
             <a:r>
@@ -9548,6 +9871,10 @@
           <a:prstGeom prst="rect">
             <a:avLst/>
           </a:prstGeom>
+          <a:noFill/>
+          <a:ln>
+            <a:noFill/>
+          </a:ln>
         </p:spPr>
         <p:txBody>
           <a:bodyPr anchorCtr="0" anchor="t" bIns="0" lIns="0" spcFirstLastPara="1" rIns="0" wrap="square" tIns="0">
@@ -9556,12 +9883,16 @@
           <a:lstStyle/>
           <a:p>
             <a:pPr indent="0" lvl="0" marL="0" rtl="0" algn="l">
+              <a:lnSpc>
+                <a:spcPct val="100000"/>
+              </a:lnSpc>
               <a:spcBef>
                 <a:spcPts val="320"/>
               </a:spcBef>
               <a:spcAft>
                 <a:spcPts val="0"/>
               </a:spcAft>
+              <a:buSzPts val="1600"/>
               <a:buNone/>
             </a:pPr>
             <a:r>
@@ -9613,6 +9944,10 @@
           <a:prstGeom prst="rect">
             <a:avLst/>
           </a:prstGeom>
+          <a:noFill/>
+          <a:ln>
+            <a:noFill/>
+          </a:ln>
         </p:spPr>
         <p:txBody>
           <a:bodyPr anchorCtr="0" anchor="b" bIns="0" lIns="0" spcFirstLastPara="1" rIns="0" wrap="square" tIns="0">
@@ -9621,12 +9956,16 @@
           <a:lstStyle/>
           <a:p>
             <a:pPr indent="0" lvl="0" marL="0" rtl="0" algn="l">
-              <a:spcBef>
-                <a:spcPts val="0"/>
-              </a:spcBef>
-              <a:spcAft>
-                <a:spcPts val="0"/>
-              </a:spcAft>
+              <a:lnSpc>
+                <a:spcPct val="100000"/>
+              </a:lnSpc>
+              <a:spcBef>
+                <a:spcPts val="0"/>
+              </a:spcBef>
+              <a:spcAft>
+                <a:spcPts val="0"/>
+              </a:spcAft>
+              <a:buSzPts val="1400"/>
               <a:buNone/>
             </a:pPr>
             <a:r>
@@ -9653,6 +9992,10 @@
           <a:prstGeom prst="rect">
             <a:avLst/>
           </a:prstGeom>
+          <a:noFill/>
+          <a:ln>
+            <a:noFill/>
+          </a:ln>
         </p:spPr>
         <p:txBody>
           <a:bodyPr anchorCtr="0" anchor="t" bIns="0" lIns="0" spcFirstLastPara="1" rIns="0" wrap="square" tIns="0">
@@ -9660,146 +10003,346 @@
           </a:bodyPr>
           <a:lstStyle/>
           <a:p>
-            <a:pPr indent="0" lvl="0" marL="0" rtl="0" algn="l">
+            <a:pPr indent="0" lvl="0" marL="0" marR="0" rtl="0" algn="l">
+              <a:lnSpc>
+                <a:spcPct val="100000"/>
+              </a:lnSpc>
               <a:spcBef>
                 <a:spcPts val="320"/>
               </a:spcBef>
               <a:spcAft>
                 <a:spcPts val="0"/>
               </a:spcAft>
+              <a:buClr>
+                <a:srgbClr val="000000"/>
+              </a:buClr>
+              <a:buSzPts val="1400"/>
+              <a:buFont typeface="Arial"/>
               <a:buNone/>
             </a:pPr>
             <a:r>
-              <a:rPr lang="de" sz="1500"/>
+              <a:rPr b="0" i="0" lang="de" sz="1500" u="none" cap="none" strike="noStrike">
+                <a:solidFill>
+                  <a:schemeClr val="dk1"/>
+                </a:solidFill>
+                <a:latin typeface="Arial"/>
+                <a:ea typeface="Arial"/>
+                <a:cs typeface="Arial"/>
+                <a:sym typeface="Arial"/>
+              </a:rPr>
               <a:t>Ein weiterer bekannter Anwendungsfall für Rekursion sind die Fibonacci-Zahlen. Fibonacci Zahlen ergeben sich nach der Formel F(n) = F(n-2) + F(n-1), wobei F(0) = 0 und F(1) = 1 gilt.</a:t>
             </a:r>
-            <a:endParaRPr sz="1500"/>
+            <a:endParaRPr b="0" i="0" sz="1500" u="none" cap="none" strike="noStrike">
+              <a:solidFill>
+                <a:schemeClr val="dk1"/>
+              </a:solidFill>
+              <a:latin typeface="Arial"/>
+              <a:ea typeface="Arial"/>
+              <a:cs typeface="Arial"/>
+              <a:sym typeface="Arial"/>
+            </a:endParaRPr>
           </a:p>
           <a:p>
-            <a:pPr indent="0" lvl="0" marL="0" rtl="0" algn="l">
+            <a:pPr indent="0" lvl="0" marL="0" marR="0" rtl="0" algn="l">
+              <a:lnSpc>
+                <a:spcPct val="100000"/>
+              </a:lnSpc>
               <a:spcBef>
                 <a:spcPts val="320"/>
               </a:spcBef>
               <a:spcAft>
                 <a:spcPts val="0"/>
               </a:spcAft>
+              <a:buClr>
+                <a:srgbClr val="000000"/>
+              </a:buClr>
+              <a:buSzPts val="1400"/>
+              <a:buFont typeface="Arial"/>
               <a:buNone/>
             </a:pPr>
             <a:r>
-              <a:rPr lang="de" sz="1500"/>
+              <a:rPr b="0" i="0" lang="de" sz="1500" u="none" cap="none" strike="noStrike">
+                <a:solidFill>
+                  <a:schemeClr val="dk1"/>
+                </a:solidFill>
+                <a:latin typeface="Arial"/>
+                <a:ea typeface="Arial"/>
+                <a:cs typeface="Arial"/>
+                <a:sym typeface="Arial"/>
+              </a:rPr>
               <a:t>F(2) = F(0) + F(1) = 0 + 1 = 1, </a:t>
             </a:r>
-            <a:endParaRPr sz="1500"/>
+            <a:endParaRPr b="0" i="0" sz="1500" u="none" cap="none" strike="noStrike">
+              <a:solidFill>
+                <a:schemeClr val="dk1"/>
+              </a:solidFill>
+              <a:latin typeface="Arial"/>
+              <a:ea typeface="Arial"/>
+              <a:cs typeface="Arial"/>
+              <a:sym typeface="Arial"/>
+            </a:endParaRPr>
           </a:p>
           <a:p>
-            <a:pPr indent="0" lvl="0" marL="0" rtl="0" algn="l">
+            <a:pPr indent="0" lvl="0" marL="0" marR="0" rtl="0" algn="l">
+              <a:lnSpc>
+                <a:spcPct val="100000"/>
+              </a:lnSpc>
               <a:spcBef>
                 <a:spcPts val="320"/>
               </a:spcBef>
               <a:spcAft>
                 <a:spcPts val="0"/>
               </a:spcAft>
+              <a:buClr>
+                <a:srgbClr val="000000"/>
+              </a:buClr>
+              <a:buSzPts val="1400"/>
+              <a:buFont typeface="Arial"/>
               <a:buNone/>
             </a:pPr>
             <a:r>
-              <a:rPr lang="de" sz="1500"/>
+              <a:rPr b="0" i="0" lang="de" sz="1500" u="none" cap="none" strike="noStrike">
+                <a:solidFill>
+                  <a:schemeClr val="dk1"/>
+                </a:solidFill>
+                <a:latin typeface="Arial"/>
+                <a:ea typeface="Arial"/>
+                <a:cs typeface="Arial"/>
+                <a:sym typeface="Arial"/>
+              </a:rPr>
               <a:t>F(3) = F(1) + F(2) = 1 + 1 = 2,</a:t>
             </a:r>
-            <a:endParaRPr sz="1500"/>
+            <a:endParaRPr b="0" i="0" sz="1500" u="none" cap="none" strike="noStrike">
+              <a:solidFill>
+                <a:schemeClr val="dk1"/>
+              </a:solidFill>
+              <a:latin typeface="Arial"/>
+              <a:ea typeface="Arial"/>
+              <a:cs typeface="Arial"/>
+              <a:sym typeface="Arial"/>
+            </a:endParaRPr>
           </a:p>
           <a:p>
-            <a:pPr indent="0" lvl="0" marL="0" rtl="0" algn="l">
+            <a:pPr indent="0" lvl="0" marL="0" marR="0" rtl="0" algn="l">
+              <a:lnSpc>
+                <a:spcPct val="100000"/>
+              </a:lnSpc>
               <a:spcBef>
                 <a:spcPts val="320"/>
               </a:spcBef>
               <a:spcAft>
                 <a:spcPts val="0"/>
               </a:spcAft>
+              <a:buClr>
+                <a:srgbClr val="000000"/>
+              </a:buClr>
+              <a:buSzPts val="1400"/>
+              <a:buFont typeface="Arial"/>
               <a:buNone/>
             </a:pPr>
             <a:r>
-              <a:rPr lang="de" sz="1500"/>
+              <a:rPr b="0" i="0" lang="de" sz="1500" u="none" cap="none" strike="noStrike">
+                <a:solidFill>
+                  <a:schemeClr val="dk1"/>
+                </a:solidFill>
+                <a:latin typeface="Arial"/>
+                <a:ea typeface="Arial"/>
+                <a:cs typeface="Arial"/>
+                <a:sym typeface="Arial"/>
+              </a:rPr>
               <a:t>...</a:t>
             </a:r>
-            <a:endParaRPr sz="1500"/>
+            <a:endParaRPr b="0" i="0" sz="1500" u="none" cap="none" strike="noStrike">
+              <a:solidFill>
+                <a:schemeClr val="dk1"/>
+              </a:solidFill>
+              <a:latin typeface="Arial"/>
+              <a:ea typeface="Arial"/>
+              <a:cs typeface="Arial"/>
+              <a:sym typeface="Arial"/>
+            </a:endParaRPr>
           </a:p>
           <a:p>
-            <a:pPr indent="0" lvl="0" marL="0" rtl="0" algn="l">
+            <a:pPr indent="0" lvl="0" marL="0" marR="0" rtl="0" algn="l">
+              <a:lnSpc>
+                <a:spcPct val="100000"/>
+              </a:lnSpc>
               <a:spcBef>
                 <a:spcPts val="320"/>
               </a:spcBef>
               <a:spcAft>
                 <a:spcPts val="0"/>
               </a:spcAft>
+              <a:buClr>
+                <a:srgbClr val="000000"/>
+              </a:buClr>
+              <a:buSzPts val="1400"/>
+              <a:buFont typeface="Arial"/>
               <a:buNone/>
             </a:pPr>
             <a:r>
               <a:t/>
             </a:r>
-            <a:endParaRPr sz="1500"/>
+            <a:endParaRPr b="0" i="0" sz="1500" u="none" cap="none" strike="noStrike">
+              <a:solidFill>
+                <a:schemeClr val="dk1"/>
+              </a:solidFill>
+              <a:latin typeface="Arial"/>
+              <a:ea typeface="Arial"/>
+              <a:cs typeface="Arial"/>
+              <a:sym typeface="Arial"/>
+            </a:endParaRPr>
           </a:p>
           <a:p>
-            <a:pPr indent="0" lvl="0" marL="0" rtl="0" algn="l">
+            <a:pPr indent="0" lvl="0" marL="0" marR="0" rtl="0" algn="l">
+              <a:lnSpc>
+                <a:spcPct val="100000"/>
+              </a:lnSpc>
               <a:spcBef>
                 <a:spcPts val="320"/>
               </a:spcBef>
               <a:spcAft>
                 <a:spcPts val="0"/>
               </a:spcAft>
+              <a:buClr>
+                <a:srgbClr val="000000"/>
+              </a:buClr>
+              <a:buSzPts val="1400"/>
+              <a:buFont typeface="Arial"/>
               <a:buNone/>
             </a:pPr>
             <a:r>
-              <a:rPr lang="de" sz="1500"/>
+              <a:rPr b="0" i="0" lang="de" sz="1500" u="none" cap="none" strike="noStrike">
+                <a:solidFill>
+                  <a:schemeClr val="dk1"/>
+                </a:solidFill>
+                <a:latin typeface="Arial"/>
+                <a:ea typeface="Arial"/>
+                <a:cs typeface="Arial"/>
+                <a:sym typeface="Arial"/>
+              </a:rPr>
               <a:t>Deine Aufgabe ist es, eine rekursive Funktion zur Berechnung von Fibonacci-Zahlen zu schreiben. Die Funktion nimmt als Parameter den Index der Fibonacci-Zahl, es lässt sich also bspw. die 7. Fibonacci-Zahl berechnen, indem man die Funktion mit dem Parameter 7 aufruft.</a:t>
             </a:r>
-            <a:endParaRPr sz="1500"/>
+            <a:endParaRPr b="0" i="0" sz="1500" u="none" cap="none" strike="noStrike">
+              <a:solidFill>
+                <a:schemeClr val="dk1"/>
+              </a:solidFill>
+              <a:latin typeface="Arial"/>
+              <a:ea typeface="Arial"/>
+              <a:cs typeface="Arial"/>
+              <a:sym typeface="Arial"/>
+            </a:endParaRPr>
           </a:p>
           <a:p>
-            <a:pPr indent="0" lvl="0" marL="0" rtl="0" algn="l">
+            <a:pPr indent="0" lvl="0" marL="0" marR="0" rtl="0" algn="l">
+              <a:lnSpc>
+                <a:spcPct val="100000"/>
+              </a:lnSpc>
               <a:spcBef>
                 <a:spcPts val="320"/>
               </a:spcBef>
               <a:spcAft>
                 <a:spcPts val="0"/>
               </a:spcAft>
+              <a:buClr>
+                <a:srgbClr val="000000"/>
+              </a:buClr>
+              <a:buSzPts val="1400"/>
+              <a:buFont typeface="Arial"/>
               <a:buNone/>
             </a:pPr>
             <a:r>
-              <a:rPr lang="de" sz="1500"/>
+              <a:rPr b="0" i="0" lang="de" sz="1500" u="none" cap="none" strike="noStrike">
+                <a:solidFill>
+                  <a:schemeClr val="dk1"/>
+                </a:solidFill>
+                <a:latin typeface="Arial"/>
+                <a:ea typeface="Arial"/>
+                <a:cs typeface="Arial"/>
+                <a:sym typeface="Arial"/>
+              </a:rPr>
               <a:t>Die Funktion lässt sich (wenn man das Abfangen von negativen Parametern rauslässt) in maximal 4 Zeilen schreiben.</a:t>
             </a:r>
-            <a:endParaRPr sz="1500"/>
+            <a:endParaRPr b="0" i="0" sz="1500" u="none" cap="none" strike="noStrike">
+              <a:solidFill>
+                <a:schemeClr val="dk1"/>
+              </a:solidFill>
+              <a:latin typeface="Arial"/>
+              <a:ea typeface="Arial"/>
+              <a:cs typeface="Arial"/>
+              <a:sym typeface="Arial"/>
+            </a:endParaRPr>
           </a:p>
           <a:p>
-            <a:pPr indent="0" lvl="0" marL="0" rtl="0" algn="l">
+            <a:pPr indent="0" lvl="0" marL="0" marR="0" rtl="0" algn="l">
+              <a:lnSpc>
+                <a:spcPct val="100000"/>
+              </a:lnSpc>
               <a:spcBef>
                 <a:spcPts val="320"/>
               </a:spcBef>
               <a:spcAft>
                 <a:spcPts val="0"/>
               </a:spcAft>
+              <a:buClr>
+                <a:srgbClr val="000000"/>
+              </a:buClr>
+              <a:buSzPts val="1400"/>
+              <a:buFont typeface="Arial"/>
               <a:buNone/>
             </a:pPr>
             <a:r>
               <a:t/>
             </a:r>
-            <a:endParaRPr sz="1500"/>
+            <a:endParaRPr b="0" i="0" sz="1500" u="none" cap="none" strike="noStrike">
+              <a:solidFill>
+                <a:schemeClr val="dk1"/>
+              </a:solidFill>
+              <a:latin typeface="Arial"/>
+              <a:ea typeface="Arial"/>
+              <a:cs typeface="Arial"/>
+              <a:sym typeface="Arial"/>
+            </a:endParaRPr>
           </a:p>
           <a:p>
-            <a:pPr indent="0" lvl="0" marL="0" rtl="0" algn="l">
+            <a:pPr indent="0" lvl="0" marL="0" marR="0" rtl="0" algn="l">
+              <a:lnSpc>
+                <a:spcPct val="100000"/>
+              </a:lnSpc>
               <a:spcBef>
                 <a:spcPts val="320"/>
               </a:spcBef>
               <a:spcAft>
                 <a:spcPts val="0"/>
               </a:spcAft>
+              <a:buClr>
+                <a:srgbClr val="000000"/>
+              </a:buClr>
+              <a:buSzPts val="1400"/>
+              <a:buFont typeface="Arial"/>
               <a:buNone/>
             </a:pPr>
             <a:r>
-              <a:rPr lang="de" sz="1500"/>
+              <a:rPr b="0" i="0" lang="de" sz="1500" u="none" cap="none" strike="noStrike">
+                <a:solidFill>
+                  <a:schemeClr val="dk1"/>
+                </a:solidFill>
+                <a:latin typeface="Arial"/>
+                <a:ea typeface="Arial"/>
+                <a:cs typeface="Arial"/>
+                <a:sym typeface="Arial"/>
+              </a:rPr>
               <a:t>Wenn du damit fertig bist, kannst du die Rekursionsaufrufe analog zu dem Fakultäten-Beispiel, z.B. für den Parameter 5, visualisieren. Eine baumartige Darstellung bietet sich in diesem Kontext an.</a:t>
             </a:r>
-            <a:endParaRPr sz="1500"/>
+            <a:endParaRPr b="0" i="0" sz="1500" u="none" cap="none" strike="noStrike">
+              <a:solidFill>
+                <a:schemeClr val="dk1"/>
+              </a:solidFill>
+              <a:latin typeface="Arial"/>
+              <a:ea typeface="Arial"/>
+              <a:cs typeface="Arial"/>
+              <a:sym typeface="Arial"/>
+            </a:endParaRPr>
           </a:p>
         </p:txBody>
       </p:sp>
@@ -9844,6 +10387,10 @@
           <a:prstGeom prst="rect">
             <a:avLst/>
           </a:prstGeom>
+          <a:noFill/>
+          <a:ln>
+            <a:noFill/>
+          </a:ln>
         </p:spPr>
         <p:txBody>
           <a:bodyPr anchorCtr="0" anchor="b" bIns="0" lIns="0" spcFirstLastPara="1" rIns="0" wrap="square" tIns="0">
@@ -9852,12 +10399,16 @@
           <a:lstStyle/>
           <a:p>
             <a:pPr indent="0" lvl="0" marL="0" rtl="0" algn="l">
-              <a:spcBef>
-                <a:spcPts val="0"/>
-              </a:spcBef>
-              <a:spcAft>
-                <a:spcPts val="0"/>
-              </a:spcAft>
+              <a:lnSpc>
+                <a:spcPct val="100000"/>
+              </a:lnSpc>
+              <a:spcBef>
+                <a:spcPts val="0"/>
+              </a:spcBef>
+              <a:spcAft>
+                <a:spcPts val="0"/>
+              </a:spcAft>
+              <a:buSzPts val="1400"/>
               <a:buNone/>
             </a:pPr>
             <a:r>
@@ -9884,6 +10435,10 @@
           <a:prstGeom prst="rect">
             <a:avLst/>
           </a:prstGeom>
+          <a:noFill/>
+          <a:ln>
+            <a:noFill/>
+          </a:ln>
         </p:spPr>
         <p:txBody>
           <a:bodyPr anchorCtr="0" anchor="t" bIns="0" lIns="0" spcFirstLastPara="1" rIns="0" wrap="square" tIns="0">
@@ -9891,121 +10446,299 @@
           </a:bodyPr>
           <a:lstStyle/>
           <a:p>
-            <a:pPr indent="-330200" lvl="0" marL="457200" rtl="0" algn="l">
+            <a:pPr indent="-330200" lvl="0" marL="457200" marR="0" rtl="0" algn="l">
+              <a:lnSpc>
+                <a:spcPct val="100000"/>
+              </a:lnSpc>
               <a:spcBef>
                 <a:spcPts val="320"/>
               </a:spcBef>
               <a:spcAft>
                 <a:spcPts val="0"/>
               </a:spcAft>
+              <a:buClr>
+                <a:srgbClr val="000000"/>
+              </a:buClr>
               <a:buSzPts val="1600"/>
+              <a:buFont typeface="Arial"/>
               <a:buAutoNum type="arabicPeriod"/>
             </a:pPr>
             <a:r>
-              <a:rPr lang="de"/>
+              <a:rPr b="0" i="0" lang="de" sz="1600" u="none" cap="none" strike="noStrike">
+                <a:solidFill>
+                  <a:schemeClr val="dk1"/>
+                </a:solidFill>
+                <a:latin typeface="Arial"/>
+                <a:ea typeface="Arial"/>
+                <a:cs typeface="Arial"/>
+                <a:sym typeface="Arial"/>
+              </a:rPr>
               <a:t>Was ist Rekursion?</a:t>
             </a:r>
             <a:br>
-              <a:rPr lang="de"/>
+              <a:rPr b="0" i="0" lang="de" sz="1600" u="none" cap="none" strike="noStrike">
+                <a:solidFill>
+                  <a:schemeClr val="dk1"/>
+                </a:solidFill>
+                <a:latin typeface="Arial"/>
+                <a:ea typeface="Arial"/>
+                <a:cs typeface="Arial"/>
+                <a:sym typeface="Arial"/>
+              </a:rPr>
             </a:br>
-            <a:endParaRPr/>
+            <a:endParaRPr b="0" i="0" sz="1600" u="none" cap="none" strike="noStrike">
+              <a:solidFill>
+                <a:schemeClr val="dk1"/>
+              </a:solidFill>
+              <a:latin typeface="Arial"/>
+              <a:ea typeface="Arial"/>
+              <a:cs typeface="Arial"/>
+              <a:sym typeface="Arial"/>
+            </a:endParaRPr>
           </a:p>
           <a:p>
-            <a:pPr indent="-330200" lvl="0" marL="457200" rtl="0" algn="l">
-              <a:spcBef>
-                <a:spcPts val="0"/>
-              </a:spcBef>
-              <a:spcAft>
-                <a:spcPts val="0"/>
-              </a:spcAft>
+            <a:pPr indent="-330200" lvl="0" marL="457200" marR="0" rtl="0" algn="l">
+              <a:lnSpc>
+                <a:spcPct val="100000"/>
+              </a:lnSpc>
+              <a:spcBef>
+                <a:spcPts val="0"/>
+              </a:spcBef>
+              <a:spcAft>
+                <a:spcPts val="0"/>
+              </a:spcAft>
+              <a:buClr>
+                <a:srgbClr val="000000"/>
+              </a:buClr>
               <a:buSzPts val="1600"/>
+              <a:buFont typeface="Arial"/>
               <a:buAutoNum type="arabicPeriod"/>
             </a:pPr>
             <a:r>
-              <a:rPr lang="de"/>
+              <a:rPr b="0" i="0" lang="de" sz="1600" u="none" cap="none" strike="noStrike">
+                <a:solidFill>
+                  <a:schemeClr val="dk1"/>
+                </a:solidFill>
+                <a:latin typeface="Arial"/>
+                <a:ea typeface="Arial"/>
+                <a:cs typeface="Arial"/>
+                <a:sym typeface="Arial"/>
+              </a:rPr>
               <a:t>Die Fakultät als rekursive Funktion</a:t>
             </a:r>
             <a:br>
-              <a:rPr lang="de"/>
+              <a:rPr b="0" i="0" lang="de" sz="1600" u="none" cap="none" strike="noStrike">
+                <a:solidFill>
+                  <a:schemeClr val="dk1"/>
+                </a:solidFill>
+                <a:latin typeface="Arial"/>
+                <a:ea typeface="Arial"/>
+                <a:cs typeface="Arial"/>
+                <a:sym typeface="Arial"/>
+              </a:rPr>
             </a:br>
-            <a:endParaRPr/>
+            <a:endParaRPr b="0" i="0" sz="1600" u="none" cap="none" strike="noStrike">
+              <a:solidFill>
+                <a:schemeClr val="dk1"/>
+              </a:solidFill>
+              <a:latin typeface="Arial"/>
+              <a:ea typeface="Arial"/>
+              <a:cs typeface="Arial"/>
+              <a:sym typeface="Arial"/>
+            </a:endParaRPr>
           </a:p>
           <a:p>
-            <a:pPr indent="-330200" lvl="0" marL="457200" rtl="0" algn="l">
-              <a:spcBef>
-                <a:spcPts val="0"/>
-              </a:spcBef>
-              <a:spcAft>
-                <a:spcPts val="0"/>
-              </a:spcAft>
+            <a:pPr indent="-330200" lvl="0" marL="457200" marR="0" rtl="0" algn="l">
+              <a:lnSpc>
+                <a:spcPct val="100000"/>
+              </a:lnSpc>
+              <a:spcBef>
+                <a:spcPts val="0"/>
+              </a:spcBef>
+              <a:spcAft>
+                <a:spcPts val="0"/>
+              </a:spcAft>
+              <a:buClr>
+                <a:srgbClr val="000000"/>
+              </a:buClr>
               <a:buSzPts val="1600"/>
+              <a:buFont typeface="Arial"/>
               <a:buAutoNum type="arabicPeriod"/>
             </a:pPr>
             <a:r>
-              <a:rPr lang="de"/>
+              <a:rPr b="0" i="0" lang="de" sz="1600" u="none" cap="none" strike="noStrike">
+                <a:solidFill>
+                  <a:schemeClr val="dk1"/>
+                </a:solidFill>
+                <a:latin typeface="Arial"/>
+                <a:ea typeface="Arial"/>
+                <a:cs typeface="Arial"/>
+                <a:sym typeface="Arial"/>
+              </a:rPr>
               <a:t>Rätsel: Was machen diese Funktionen?</a:t>
             </a:r>
             <a:br>
-              <a:rPr lang="de"/>
+              <a:rPr b="0" i="0" lang="de" sz="1600" u="none" cap="none" strike="noStrike">
+                <a:solidFill>
+                  <a:schemeClr val="dk1"/>
+                </a:solidFill>
+                <a:latin typeface="Arial"/>
+                <a:ea typeface="Arial"/>
+                <a:cs typeface="Arial"/>
+                <a:sym typeface="Arial"/>
+              </a:rPr>
             </a:br>
-            <a:endParaRPr/>
+            <a:endParaRPr b="0" i="0" sz="1600" u="none" cap="none" strike="noStrike">
+              <a:solidFill>
+                <a:schemeClr val="dk1"/>
+              </a:solidFill>
+              <a:latin typeface="Arial"/>
+              <a:ea typeface="Arial"/>
+              <a:cs typeface="Arial"/>
+              <a:sym typeface="Arial"/>
+            </a:endParaRPr>
           </a:p>
           <a:p>
-            <a:pPr indent="-330200" lvl="0" marL="457200" rtl="0" algn="l">
-              <a:spcBef>
-                <a:spcPts val="0"/>
-              </a:spcBef>
-              <a:spcAft>
-                <a:spcPts val="0"/>
-              </a:spcAft>
+            <a:pPr indent="-330200" lvl="0" marL="457200" marR="0" rtl="0" algn="l">
+              <a:lnSpc>
+                <a:spcPct val="100000"/>
+              </a:lnSpc>
+              <a:spcBef>
+                <a:spcPts val="0"/>
+              </a:spcBef>
+              <a:spcAft>
+                <a:spcPts val="0"/>
+              </a:spcAft>
+              <a:buClr>
+                <a:srgbClr val="000000"/>
+              </a:buClr>
               <a:buSzPts val="1600"/>
+              <a:buFont typeface="Arial"/>
               <a:buAutoNum type="arabicPeriod"/>
             </a:pPr>
             <a:r>
-              <a:rPr lang="de"/>
+              <a:rPr b="0" i="0" lang="de" sz="1600" u="none" cap="none" strike="noStrike">
+                <a:solidFill>
+                  <a:schemeClr val="dk1"/>
+                </a:solidFill>
+                <a:latin typeface="Arial"/>
+                <a:ea typeface="Arial"/>
+                <a:cs typeface="Arial"/>
+                <a:sym typeface="Arial"/>
+              </a:rPr>
               <a:t>Rekursives Durchsuchen von Dateisystemen</a:t>
             </a:r>
             <a:br>
-              <a:rPr lang="de"/>
+              <a:rPr b="0" i="0" lang="de" sz="1600" u="none" cap="none" strike="noStrike">
+                <a:solidFill>
+                  <a:schemeClr val="dk1"/>
+                </a:solidFill>
+                <a:latin typeface="Arial"/>
+                <a:ea typeface="Arial"/>
+                <a:cs typeface="Arial"/>
+                <a:sym typeface="Arial"/>
+              </a:rPr>
             </a:br>
-            <a:endParaRPr/>
+            <a:endParaRPr b="0" i="0" sz="1600" u="none" cap="none" strike="noStrike">
+              <a:solidFill>
+                <a:schemeClr val="dk1"/>
+              </a:solidFill>
+              <a:latin typeface="Arial"/>
+              <a:ea typeface="Arial"/>
+              <a:cs typeface="Arial"/>
+              <a:sym typeface="Arial"/>
+            </a:endParaRPr>
           </a:p>
           <a:p>
-            <a:pPr indent="-330200" lvl="0" marL="457200" rtl="0" algn="l">
-              <a:spcBef>
-                <a:spcPts val="0"/>
-              </a:spcBef>
-              <a:spcAft>
-                <a:spcPts val="0"/>
-              </a:spcAft>
+            <a:pPr indent="-330200" lvl="0" marL="457200" marR="0" rtl="0" algn="l">
+              <a:lnSpc>
+                <a:spcPct val="100000"/>
+              </a:lnSpc>
+              <a:spcBef>
+                <a:spcPts val="0"/>
+              </a:spcBef>
+              <a:spcAft>
+                <a:spcPts val="0"/>
+              </a:spcAft>
+              <a:buClr>
+                <a:srgbClr val="000000"/>
+              </a:buClr>
               <a:buSzPts val="1600"/>
+              <a:buFont typeface="Arial"/>
               <a:buAutoNum type="arabicPeriod"/>
             </a:pPr>
             <a:r>
-              <a:rPr lang="de"/>
+              <a:rPr b="0" i="0" lang="de" sz="1600" u="none" cap="none" strike="noStrike">
+                <a:solidFill>
+                  <a:schemeClr val="dk1"/>
+                </a:solidFill>
+                <a:latin typeface="Arial"/>
+                <a:ea typeface="Arial"/>
+                <a:cs typeface="Arial"/>
+                <a:sym typeface="Arial"/>
+              </a:rPr>
               <a:t>Fragen</a:t>
             </a:r>
             <a:br>
-              <a:rPr lang="de"/>
+              <a:rPr b="0" i="0" lang="de" sz="1600" u="none" cap="none" strike="noStrike">
+                <a:solidFill>
+                  <a:schemeClr val="dk1"/>
+                </a:solidFill>
+                <a:latin typeface="Arial"/>
+                <a:ea typeface="Arial"/>
+                <a:cs typeface="Arial"/>
+                <a:sym typeface="Arial"/>
+              </a:rPr>
             </a:br>
-            <a:endParaRPr/>
+            <a:endParaRPr b="0" i="0" sz="1600" u="none" cap="none" strike="noStrike">
+              <a:solidFill>
+                <a:schemeClr val="dk1"/>
+              </a:solidFill>
+              <a:latin typeface="Arial"/>
+              <a:ea typeface="Arial"/>
+              <a:cs typeface="Arial"/>
+              <a:sym typeface="Arial"/>
+            </a:endParaRPr>
           </a:p>
           <a:p>
-            <a:pPr indent="-330200" lvl="0" marL="457200" rtl="0" algn="l">
-              <a:spcBef>
-                <a:spcPts val="0"/>
-              </a:spcBef>
-              <a:spcAft>
-                <a:spcPts val="0"/>
-              </a:spcAft>
+            <a:pPr indent="-330200" lvl="0" marL="457200" marR="0" rtl="0" algn="l">
+              <a:lnSpc>
+                <a:spcPct val="100000"/>
+              </a:lnSpc>
+              <a:spcBef>
+                <a:spcPts val="0"/>
+              </a:spcBef>
+              <a:spcAft>
+                <a:spcPts val="0"/>
+              </a:spcAft>
+              <a:buClr>
+                <a:srgbClr val="000000"/>
+              </a:buClr>
               <a:buSzPts val="1600"/>
+              <a:buFont typeface="Arial"/>
               <a:buAutoNum type="arabicPeriod"/>
             </a:pPr>
             <a:r>
-              <a:rPr lang="de"/>
+              <a:rPr b="0" i="0" lang="de" sz="1600" u="none" cap="none" strike="noStrike">
+                <a:solidFill>
+                  <a:schemeClr val="dk1"/>
+                </a:solidFill>
+                <a:latin typeface="Arial"/>
+                <a:ea typeface="Arial"/>
+                <a:cs typeface="Arial"/>
+                <a:sym typeface="Arial"/>
+              </a:rPr>
               <a:t>Übungsaufgabe</a:t>
             </a:r>
-            <a:endParaRPr/>
+            <a:endParaRPr b="0" i="0" sz="1600" u="none" cap="none" strike="noStrike">
+              <a:solidFill>
+                <a:schemeClr val="dk1"/>
+              </a:solidFill>
+              <a:latin typeface="Arial"/>
+              <a:ea typeface="Arial"/>
+              <a:cs typeface="Arial"/>
+              <a:sym typeface="Arial"/>
+            </a:endParaRPr>
           </a:p>
         </p:txBody>
       </p:sp>
@@ -10050,6 +10783,10 @@
           <a:prstGeom prst="rect">
             <a:avLst/>
           </a:prstGeom>
+          <a:noFill/>
+          <a:ln>
+            <a:noFill/>
+          </a:ln>
         </p:spPr>
         <p:txBody>
           <a:bodyPr anchorCtr="0" anchor="b" bIns="0" lIns="0" spcFirstLastPara="1" rIns="0" wrap="square" tIns="0">
@@ -10058,12 +10795,16 @@
           <a:lstStyle/>
           <a:p>
             <a:pPr indent="0" lvl="0" marL="0" rtl="0" algn="l">
-              <a:spcBef>
-                <a:spcPts val="0"/>
-              </a:spcBef>
-              <a:spcAft>
-                <a:spcPts val="0"/>
-              </a:spcAft>
+              <a:lnSpc>
+                <a:spcPct val="100000"/>
+              </a:lnSpc>
+              <a:spcBef>
+                <a:spcPts val="0"/>
+              </a:spcBef>
+              <a:spcAft>
+                <a:spcPts val="0"/>
+              </a:spcAft>
+              <a:buSzPts val="1400"/>
               <a:buNone/>
             </a:pPr>
             <a:r>
@@ -10090,6 +10831,10 @@
           <a:prstGeom prst="rect">
             <a:avLst/>
           </a:prstGeom>
+          <a:noFill/>
+          <a:ln>
+            <a:noFill/>
+          </a:ln>
         </p:spPr>
         <p:txBody>
           <a:bodyPr anchorCtr="0" anchor="t" bIns="0" lIns="0" spcFirstLastPara="1" rIns="0" wrap="square" tIns="0">
@@ -10097,100 +10842,249 @@
           </a:bodyPr>
           <a:lstStyle/>
           <a:p>
-            <a:pPr indent="0" lvl="0" marL="0" rtl="0" algn="l">
+            <a:pPr indent="0" lvl="0" marL="0" marR="0" rtl="0" algn="l">
+              <a:lnSpc>
+                <a:spcPct val="100000"/>
+              </a:lnSpc>
               <a:spcBef>
                 <a:spcPts val="320"/>
               </a:spcBef>
               <a:spcAft>
                 <a:spcPts val="0"/>
               </a:spcAft>
+              <a:buClr>
+                <a:srgbClr val="000000"/>
+              </a:buClr>
+              <a:buSzPts val="1400"/>
+              <a:buFont typeface="Arial"/>
               <a:buNone/>
             </a:pPr>
             <a:r>
-              <a:rPr lang="de"/>
+              <a:rPr b="0" i="0" lang="de" sz="1600" u="none" cap="none" strike="noStrike">
+                <a:solidFill>
+                  <a:schemeClr val="dk1"/>
+                </a:solidFill>
+                <a:latin typeface="Arial"/>
+                <a:ea typeface="Arial"/>
+                <a:cs typeface="Arial"/>
+                <a:sym typeface="Arial"/>
+              </a:rPr>
               <a:t>Rekursion ist ein Vorgang mit folgenden Eigenschaften:</a:t>
             </a:r>
-            <a:endParaRPr/>
+            <a:endParaRPr b="0" i="0" sz="1600" u="none" cap="none" strike="noStrike">
+              <a:solidFill>
+                <a:schemeClr val="dk1"/>
+              </a:solidFill>
+              <a:latin typeface="Arial"/>
+              <a:ea typeface="Arial"/>
+              <a:cs typeface="Arial"/>
+              <a:sym typeface="Arial"/>
+            </a:endParaRPr>
           </a:p>
           <a:p>
-            <a:pPr indent="-317500" lvl="0" marL="457200" rtl="0" algn="l">
+            <a:pPr indent="-317500" lvl="0" marL="457200" marR="0" rtl="0" algn="l">
+              <a:lnSpc>
+                <a:spcPct val="100000"/>
+              </a:lnSpc>
               <a:spcBef>
                 <a:spcPts val="320"/>
               </a:spcBef>
               <a:spcAft>
                 <a:spcPts val="0"/>
               </a:spcAft>
-              <a:buSzPts val="1400"/>
+              <a:buClr>
+                <a:srgbClr val="000000"/>
+              </a:buClr>
+              <a:buSzPts val="1400"/>
+              <a:buFont typeface="Arial"/>
               <a:buChar char="●"/>
             </a:pPr>
             <a:r>
-              <a:rPr lang="de"/>
+              <a:rPr b="0" i="0" lang="de" sz="1600" u="none" cap="none" strike="noStrike">
+                <a:solidFill>
+                  <a:schemeClr val="dk1"/>
+                </a:solidFill>
+                <a:latin typeface="Arial"/>
+                <a:ea typeface="Arial"/>
+                <a:cs typeface="Arial"/>
+                <a:sym typeface="Arial"/>
+              </a:rPr>
               <a:t>selbst-definierend</a:t>
             </a:r>
-            <a:endParaRPr/>
+            <a:endParaRPr b="0" i="0" sz="1600" u="none" cap="none" strike="noStrike">
+              <a:solidFill>
+                <a:schemeClr val="dk1"/>
+              </a:solidFill>
+              <a:latin typeface="Arial"/>
+              <a:ea typeface="Arial"/>
+              <a:cs typeface="Arial"/>
+              <a:sym typeface="Arial"/>
+            </a:endParaRPr>
           </a:p>
           <a:p>
-            <a:pPr indent="-317500" lvl="0" marL="457200" rtl="0" algn="l">
-              <a:spcBef>
-                <a:spcPts val="0"/>
-              </a:spcBef>
-              <a:spcAft>
-                <a:spcPts val="0"/>
-              </a:spcAft>
-              <a:buSzPts val="1400"/>
+            <a:pPr indent="-317500" lvl="0" marL="457200" marR="0" rtl="0" algn="l">
+              <a:lnSpc>
+                <a:spcPct val="100000"/>
+              </a:lnSpc>
+              <a:spcBef>
+                <a:spcPts val="0"/>
+              </a:spcBef>
+              <a:spcAft>
+                <a:spcPts val="0"/>
+              </a:spcAft>
+              <a:buClr>
+                <a:srgbClr val="000000"/>
+              </a:buClr>
+              <a:buSzPts val="1400"/>
+              <a:buFont typeface="Arial"/>
               <a:buChar char="●"/>
             </a:pPr>
             <a:r>
-              <a:rPr lang="de"/>
+              <a:rPr b="0" i="0" lang="de" sz="1600" u="none" cap="none" strike="noStrike">
+                <a:solidFill>
+                  <a:schemeClr val="dk1"/>
+                </a:solidFill>
+                <a:latin typeface="Arial"/>
+                <a:ea typeface="Arial"/>
+                <a:cs typeface="Arial"/>
+                <a:sym typeface="Arial"/>
+              </a:rPr>
               <a:t>sich selber enthaltend</a:t>
             </a:r>
-            <a:endParaRPr/>
+            <a:endParaRPr b="0" i="0" sz="1600" u="none" cap="none" strike="noStrike">
+              <a:solidFill>
+                <a:schemeClr val="dk1"/>
+              </a:solidFill>
+              <a:latin typeface="Arial"/>
+              <a:ea typeface="Arial"/>
+              <a:cs typeface="Arial"/>
+              <a:sym typeface="Arial"/>
+            </a:endParaRPr>
           </a:p>
           <a:p>
-            <a:pPr indent="-317500" lvl="0" marL="457200" rtl="0" algn="l">
-              <a:spcBef>
-                <a:spcPts val="0"/>
-              </a:spcBef>
-              <a:spcAft>
-                <a:spcPts val="0"/>
-              </a:spcAft>
-              <a:buSzPts val="1400"/>
+            <a:pPr indent="-317500" lvl="0" marL="457200" marR="0" rtl="0" algn="l">
+              <a:lnSpc>
+                <a:spcPct val="100000"/>
+              </a:lnSpc>
+              <a:spcBef>
+                <a:spcPts val="0"/>
+              </a:spcBef>
+              <a:spcAft>
+                <a:spcPts val="0"/>
+              </a:spcAft>
+              <a:buClr>
+                <a:srgbClr val="000000"/>
+              </a:buClr>
+              <a:buSzPts val="1400"/>
+              <a:buFont typeface="Arial"/>
               <a:buChar char="●"/>
             </a:pPr>
             <a:r>
-              <a:rPr lang="de"/>
+              <a:rPr b="0" i="0" lang="de" sz="1600" u="none" cap="none" strike="noStrike">
+                <a:solidFill>
+                  <a:schemeClr val="dk1"/>
+                </a:solidFill>
+                <a:latin typeface="Arial"/>
+                <a:ea typeface="Arial"/>
+                <a:cs typeface="Arial"/>
+                <a:sym typeface="Arial"/>
+              </a:rPr>
               <a:t>prinzipiell unendlich</a:t>
             </a:r>
             <a:br>
-              <a:rPr lang="de"/>
+              <a:rPr b="0" i="0" lang="de" sz="1600" u="none" cap="none" strike="noStrike">
+                <a:solidFill>
+                  <a:schemeClr val="dk1"/>
+                </a:solidFill>
+                <a:latin typeface="Arial"/>
+                <a:ea typeface="Arial"/>
+                <a:cs typeface="Arial"/>
+                <a:sym typeface="Arial"/>
+              </a:rPr>
             </a:br>
-            <a:endParaRPr/>
+            <a:endParaRPr b="0" i="0" sz="1600" u="none" cap="none" strike="noStrike">
+              <a:solidFill>
+                <a:schemeClr val="dk1"/>
+              </a:solidFill>
+              <a:latin typeface="Arial"/>
+              <a:ea typeface="Arial"/>
+              <a:cs typeface="Arial"/>
+              <a:sym typeface="Arial"/>
+            </a:endParaRPr>
           </a:p>
           <a:p>
-            <a:pPr indent="0" lvl="0" marL="0" rtl="0" algn="l">
+            <a:pPr indent="0" lvl="0" marL="0" marR="0" rtl="0" algn="l">
+              <a:lnSpc>
+                <a:spcPct val="100000"/>
+              </a:lnSpc>
               <a:spcBef>
                 <a:spcPts val="320"/>
               </a:spcBef>
               <a:spcAft>
                 <a:spcPts val="0"/>
               </a:spcAft>
+              <a:buClr>
+                <a:srgbClr val="000000"/>
+              </a:buClr>
+              <a:buSzPts val="1400"/>
+              <a:buFont typeface="Arial"/>
               <a:buNone/>
             </a:pPr>
             <a:r>
-              <a:rPr lang="de"/>
+              <a:rPr b="0" i="0" lang="de" sz="1600" u="none" cap="none" strike="noStrike">
+                <a:solidFill>
+                  <a:schemeClr val="dk1"/>
+                </a:solidFill>
+                <a:latin typeface="Arial"/>
+                <a:ea typeface="Arial"/>
+                <a:cs typeface="Arial"/>
+                <a:sym typeface="Arial"/>
+              </a:rPr>
               <a:t>In der Programmierung erfreut sich Rekursion hoher Beliebtheit, da viele Algorithmen auf rekursive Weise sehr knapp und dennoch intuitiv beschrieben werden können. Damit der Vorgang aber auch ein Algorithmus ist, muss er endlich sein. Daher haben rekursive Funktionen in der Programmierung in der Regel eine Abbruchbedingung.</a:t>
             </a:r>
             <a:br>
-              <a:rPr lang="de"/>
+              <a:rPr b="0" i="0" lang="de" sz="1600" u="none" cap="none" strike="noStrike">
+                <a:solidFill>
+                  <a:schemeClr val="dk1"/>
+                </a:solidFill>
+                <a:latin typeface="Arial"/>
+                <a:ea typeface="Arial"/>
+                <a:cs typeface="Arial"/>
+                <a:sym typeface="Arial"/>
+              </a:rPr>
             </a:br>
             <a:br>
-              <a:rPr lang="de"/>
+              <a:rPr b="0" i="0" lang="de" sz="1600" u="none" cap="none" strike="noStrike">
+                <a:solidFill>
+                  <a:schemeClr val="dk1"/>
+                </a:solidFill>
+                <a:latin typeface="Arial"/>
+                <a:ea typeface="Arial"/>
+                <a:cs typeface="Arial"/>
+                <a:sym typeface="Arial"/>
+              </a:rPr>
             </a:br>
             <a:r>
-              <a:rPr lang="de"/>
+              <a:rPr b="0" i="0" lang="de" sz="1600" u="none" cap="none" strike="noStrike">
+                <a:solidFill>
+                  <a:schemeClr val="dk1"/>
+                </a:solidFill>
+                <a:latin typeface="Arial"/>
+                <a:ea typeface="Arial"/>
+                <a:cs typeface="Arial"/>
+                <a:sym typeface="Arial"/>
+              </a:rPr>
               <a:t>Im wesentlichen ist Rekursion nichts anderes, als eine sich selber wieder aufrufende Funktion oder Methode. Das sinnvoll zu gestalten ist die Kunst.</a:t>
             </a:r>
-            <a:endParaRPr/>
+            <a:endParaRPr b="0" i="0" sz="1600" u="none" cap="none" strike="noStrike">
+              <a:solidFill>
+                <a:schemeClr val="dk1"/>
+              </a:solidFill>
+              <a:latin typeface="Arial"/>
+              <a:ea typeface="Arial"/>
+              <a:cs typeface="Arial"/>
+              <a:sym typeface="Arial"/>
+            </a:endParaRPr>
           </a:p>
         </p:txBody>
       </p:sp>
@@ -10235,6 +11129,10 @@
           <a:prstGeom prst="rect">
             <a:avLst/>
           </a:prstGeom>
+          <a:noFill/>
+          <a:ln>
+            <a:noFill/>
+          </a:ln>
         </p:spPr>
         <p:txBody>
           <a:bodyPr anchorCtr="0" anchor="b" bIns="0" lIns="0" spcFirstLastPara="1" rIns="0" wrap="square" tIns="0">
@@ -10243,12 +11141,16 @@
           <a:lstStyle/>
           <a:p>
             <a:pPr indent="0" lvl="0" marL="0" rtl="0" algn="l">
-              <a:spcBef>
-                <a:spcPts val="0"/>
-              </a:spcBef>
-              <a:spcAft>
-                <a:spcPts val="0"/>
-              </a:spcAft>
+              <a:lnSpc>
+                <a:spcPct val="100000"/>
+              </a:lnSpc>
+              <a:spcBef>
+                <a:spcPts val="0"/>
+              </a:spcBef>
+              <a:spcAft>
+                <a:spcPts val="0"/>
+              </a:spcAft>
+              <a:buSzPts val="1400"/>
               <a:buNone/>
             </a:pPr>
             <a:r>
@@ -10275,6 +11177,10 @@
           <a:prstGeom prst="rect">
             <a:avLst/>
           </a:prstGeom>
+          <a:noFill/>
+          <a:ln>
+            <a:noFill/>
+          </a:ln>
         </p:spPr>
         <p:txBody>
           <a:bodyPr anchorCtr="0" anchor="t" bIns="0" lIns="0" spcFirstLastPara="1" rIns="0" wrap="square" tIns="0">
@@ -10282,67 +11188,155 @@
           </a:bodyPr>
           <a:lstStyle/>
           <a:p>
-            <a:pPr indent="0" lvl="0" marL="0" rtl="0" algn="l">
+            <a:pPr indent="0" lvl="0" marL="0" marR="0" rtl="0" algn="l">
+              <a:lnSpc>
+                <a:spcPct val="100000"/>
+              </a:lnSpc>
               <a:spcBef>
                 <a:spcPts val="320"/>
               </a:spcBef>
               <a:spcAft>
                 <a:spcPts val="0"/>
               </a:spcAft>
+              <a:buClr>
+                <a:srgbClr val="000000"/>
+              </a:buClr>
+              <a:buSzPts val="1400"/>
+              <a:buFont typeface="Arial"/>
               <a:buNone/>
             </a:pPr>
             <a:r>
-              <a:rPr lang="de"/>
+              <a:rPr b="0" i="0" lang="de" sz="1600" u="none" cap="none" strike="noStrike">
+                <a:solidFill>
+                  <a:schemeClr val="dk1"/>
+                </a:solidFill>
+                <a:latin typeface="Arial"/>
+                <a:ea typeface="Arial"/>
+                <a:cs typeface="Arial"/>
+                <a:sym typeface="Arial"/>
+              </a:rPr>
               <a:t>Die Fakultät einer Zahl ist das Produkt aus dieser Zahl und allen kleineren natürlichen Zahlen:</a:t>
             </a:r>
-            <a:endParaRPr/>
+            <a:endParaRPr b="0" i="0" sz="1600" u="none" cap="none" strike="noStrike">
+              <a:solidFill>
+                <a:schemeClr val="dk1"/>
+              </a:solidFill>
+              <a:latin typeface="Arial"/>
+              <a:ea typeface="Arial"/>
+              <a:cs typeface="Arial"/>
+              <a:sym typeface="Arial"/>
+            </a:endParaRPr>
           </a:p>
           <a:p>
-            <a:pPr indent="0" lvl="0" marL="0" rtl="0" algn="l">
+            <a:pPr indent="0" lvl="0" marL="0" marR="0" rtl="0" algn="l">
+              <a:lnSpc>
+                <a:spcPct val="100000"/>
+              </a:lnSpc>
               <a:spcBef>
                 <a:spcPts val="320"/>
               </a:spcBef>
               <a:spcAft>
                 <a:spcPts val="0"/>
               </a:spcAft>
+              <a:buClr>
+                <a:srgbClr val="000000"/>
+              </a:buClr>
+              <a:buSzPts val="1400"/>
+              <a:buFont typeface="Arial"/>
               <a:buNone/>
             </a:pPr>
             <a:r>
-              <a:rPr lang="de"/>
+              <a:rPr b="0" i="0" lang="de" sz="1600" u="none" cap="none" strike="noStrike">
+                <a:solidFill>
+                  <a:schemeClr val="dk1"/>
+                </a:solidFill>
+                <a:latin typeface="Arial"/>
+                <a:ea typeface="Arial"/>
+                <a:cs typeface="Arial"/>
+                <a:sym typeface="Arial"/>
+              </a:rPr>
               <a:t>			4! = 4 * 3 * 2 * 1 = 24</a:t>
             </a:r>
-            <a:endParaRPr/>
+            <a:endParaRPr b="0" i="0" sz="1600" u="none" cap="none" strike="noStrike">
+              <a:solidFill>
+                <a:schemeClr val="dk1"/>
+              </a:solidFill>
+              <a:latin typeface="Arial"/>
+              <a:ea typeface="Arial"/>
+              <a:cs typeface="Arial"/>
+              <a:sym typeface="Arial"/>
+            </a:endParaRPr>
           </a:p>
           <a:p>
-            <a:pPr indent="0" lvl="0" marL="0" rtl="0" algn="l">
+            <a:pPr indent="0" lvl="0" marL="0" marR="0" rtl="0" algn="l">
+              <a:lnSpc>
+                <a:spcPct val="100000"/>
+              </a:lnSpc>
               <a:spcBef>
                 <a:spcPts val="320"/>
               </a:spcBef>
               <a:spcAft>
                 <a:spcPts val="0"/>
               </a:spcAft>
+              <a:buClr>
+                <a:srgbClr val="000000"/>
+              </a:buClr>
+              <a:buSzPts val="1400"/>
+              <a:buFont typeface="Arial"/>
               <a:buNone/>
             </a:pPr>
             <a:r>
               <a:t/>
             </a:r>
-            <a:endParaRPr/>
+            <a:endParaRPr b="0" i="0" sz="1600" u="none" cap="none" strike="noStrike">
+              <a:solidFill>
+                <a:schemeClr val="dk1"/>
+              </a:solidFill>
+              <a:latin typeface="Arial"/>
+              <a:ea typeface="Arial"/>
+              <a:cs typeface="Arial"/>
+              <a:sym typeface="Arial"/>
+            </a:endParaRPr>
           </a:p>
           <a:p>
-            <a:pPr indent="0" lvl="0" marL="0" rtl="0" algn="l">
+            <a:pPr indent="0" lvl="0" marL="0" marR="0" rtl="0" algn="l">
+              <a:lnSpc>
+                <a:spcPct val="100000"/>
+              </a:lnSpc>
               <a:spcBef>
                 <a:spcPts val="320"/>
               </a:spcBef>
               <a:spcAft>
                 <a:spcPts val="0"/>
               </a:spcAft>
+              <a:buClr>
+                <a:srgbClr val="000000"/>
+              </a:buClr>
+              <a:buSzPts val="1400"/>
+              <a:buFont typeface="Arial"/>
               <a:buNone/>
             </a:pPr>
             <a:r>
-              <a:rPr lang="de"/>
+              <a:rPr b="0" i="0" lang="de" sz="1600" u="none" cap="none" strike="noStrike">
+                <a:solidFill>
+                  <a:schemeClr val="dk1"/>
+                </a:solidFill>
+                <a:latin typeface="Arial"/>
+                <a:ea typeface="Arial"/>
+                <a:cs typeface="Arial"/>
+                <a:sym typeface="Arial"/>
+              </a:rPr>
               <a:t>Wir schauen uns mal an, wie man das iterativ lösen könnte:</a:t>
             </a:r>
-            <a:endParaRPr/>
+            <a:endParaRPr b="0" i="0" sz="1600" u="none" cap="none" strike="noStrike">
+              <a:solidFill>
+                <a:schemeClr val="dk1"/>
+              </a:solidFill>
+              <a:latin typeface="Arial"/>
+              <a:ea typeface="Arial"/>
+              <a:cs typeface="Arial"/>
+              <a:sym typeface="Arial"/>
+            </a:endParaRPr>
           </a:p>
         </p:txBody>
       </p:sp>
@@ -10352,13 +11346,12 @@
           <p:cNvPicPr preferRelativeResize="0"/>
           <p:nvPr/>
         </p:nvPicPr>
-        <p:blipFill>
+        <p:blipFill rotWithShape="1">
           <a:blip r:embed="rId3">
             <a:alphaModFix/>
           </a:blip>
-          <a:stretch>
-            <a:fillRect/>
-          </a:stretch>
+          <a:srcRect b="0" l="0" r="0" t="0"/>
+          <a:stretch/>
         </p:blipFill>
         <p:spPr>
           <a:xfrm>
@@ -10415,6 +11408,10 @@
           <a:prstGeom prst="rect">
             <a:avLst/>
           </a:prstGeom>
+          <a:noFill/>
+          <a:ln>
+            <a:noFill/>
+          </a:ln>
         </p:spPr>
         <p:txBody>
           <a:bodyPr anchorCtr="0" anchor="b" bIns="0" lIns="0" spcFirstLastPara="1" rIns="0" wrap="square" tIns="0">
@@ -10423,12 +11420,16 @@
           <a:lstStyle/>
           <a:p>
             <a:pPr indent="0" lvl="0" marL="0" rtl="0" algn="l">
-              <a:spcBef>
-                <a:spcPts val="0"/>
-              </a:spcBef>
-              <a:spcAft>
-                <a:spcPts val="0"/>
-              </a:spcAft>
+              <a:lnSpc>
+                <a:spcPct val="100000"/>
+              </a:lnSpc>
+              <a:spcBef>
+                <a:spcPts val="0"/>
+              </a:spcBef>
+              <a:spcAft>
+                <a:spcPts val="0"/>
+              </a:spcAft>
+              <a:buSzPts val="1400"/>
               <a:buNone/>
             </a:pPr>
             <a:r>
@@ -10455,6 +11456,10 @@
           <a:prstGeom prst="rect">
             <a:avLst/>
           </a:prstGeom>
+          <a:noFill/>
+          <a:ln>
+            <a:noFill/>
+          </a:ln>
         </p:spPr>
         <p:txBody>
           <a:bodyPr anchorCtr="0" anchor="t" bIns="0" lIns="0" spcFirstLastPara="1" rIns="0" wrap="square" tIns="0">
@@ -10462,67 +11467,155 @@
           </a:bodyPr>
           <a:lstStyle/>
           <a:p>
-            <a:pPr indent="0" lvl="0" marL="0" rtl="0" algn="l">
+            <a:pPr indent="0" lvl="0" marL="0" marR="0" rtl="0" algn="l">
+              <a:lnSpc>
+                <a:spcPct val="100000"/>
+              </a:lnSpc>
               <a:spcBef>
                 <a:spcPts val="320"/>
               </a:spcBef>
               <a:spcAft>
                 <a:spcPts val="0"/>
               </a:spcAft>
+              <a:buClr>
+                <a:srgbClr val="000000"/>
+              </a:buClr>
+              <a:buSzPts val="1400"/>
+              <a:buFont typeface="Arial"/>
               <a:buNone/>
             </a:pPr>
             <a:r>
-              <a:rPr lang="de"/>
+              <a:rPr b="0" i="0" lang="de" sz="1600" u="none" cap="none" strike="noStrike">
+                <a:solidFill>
+                  <a:schemeClr val="dk1"/>
+                </a:solidFill>
+                <a:latin typeface="Arial"/>
+                <a:ea typeface="Arial"/>
+                <a:cs typeface="Arial"/>
+                <a:sym typeface="Arial"/>
+              </a:rPr>
               <a:t>Der iterative Ansatz funktioniert zwar, ist aber nicht der eleganteste. </a:t>
             </a:r>
-            <a:endParaRPr/>
+            <a:endParaRPr b="0" i="0" sz="1600" u="none" cap="none" strike="noStrike">
+              <a:solidFill>
+                <a:schemeClr val="dk1"/>
+              </a:solidFill>
+              <a:latin typeface="Arial"/>
+              <a:ea typeface="Arial"/>
+              <a:cs typeface="Arial"/>
+              <a:sym typeface="Arial"/>
+            </a:endParaRPr>
           </a:p>
           <a:p>
-            <a:pPr indent="0" lvl="0" marL="0" rtl="0" algn="l">
+            <a:pPr indent="0" lvl="0" marL="0" marR="0" rtl="0" algn="l">
+              <a:lnSpc>
+                <a:spcPct val="100000"/>
+              </a:lnSpc>
               <a:spcBef>
                 <a:spcPts val="320"/>
               </a:spcBef>
               <a:spcAft>
                 <a:spcPts val="0"/>
               </a:spcAft>
+              <a:buClr>
+                <a:srgbClr val="000000"/>
+              </a:buClr>
+              <a:buSzPts val="1400"/>
+              <a:buFont typeface="Arial"/>
               <a:buNone/>
             </a:pPr>
             <a:r>
-              <a:rPr lang="de"/>
+              <a:rPr b="0" i="0" lang="de" sz="1600" u="none" cap="none" strike="noStrike">
+                <a:solidFill>
+                  <a:schemeClr val="dk1"/>
+                </a:solidFill>
+                <a:latin typeface="Arial"/>
+                <a:ea typeface="Arial"/>
+                <a:cs typeface="Arial"/>
+                <a:sym typeface="Arial"/>
+              </a:rPr>
               <a:t>Die Idee hinter dem rekursiven Algorithmus ist folgende:</a:t>
             </a:r>
-            <a:endParaRPr/>
+            <a:endParaRPr b="0" i="0" sz="1600" u="none" cap="none" strike="noStrike">
+              <a:solidFill>
+                <a:schemeClr val="dk1"/>
+              </a:solidFill>
+              <a:latin typeface="Arial"/>
+              <a:ea typeface="Arial"/>
+              <a:cs typeface="Arial"/>
+              <a:sym typeface="Arial"/>
+            </a:endParaRPr>
           </a:p>
           <a:p>
-            <a:pPr indent="0" lvl="0" marL="0" rtl="0" algn="l">
+            <a:pPr indent="0" lvl="0" marL="0" marR="0" rtl="0" algn="l">
+              <a:lnSpc>
+                <a:spcPct val="100000"/>
+              </a:lnSpc>
               <a:spcBef>
                 <a:spcPts val="320"/>
               </a:spcBef>
               <a:spcAft>
                 <a:spcPts val="0"/>
               </a:spcAft>
+              <a:buClr>
+                <a:srgbClr val="000000"/>
+              </a:buClr>
+              <a:buSzPts val="1400"/>
+              <a:buFont typeface="Arial"/>
               <a:buNone/>
             </a:pPr>
             <a:r>
               <a:t/>
             </a:r>
-            <a:endParaRPr/>
+            <a:endParaRPr b="0" i="0" sz="1600" u="none" cap="none" strike="noStrike">
+              <a:solidFill>
+                <a:schemeClr val="dk1"/>
+              </a:solidFill>
+              <a:latin typeface="Arial"/>
+              <a:ea typeface="Arial"/>
+              <a:cs typeface="Arial"/>
+              <a:sym typeface="Arial"/>
+            </a:endParaRPr>
           </a:p>
           <a:p>
-            <a:pPr indent="0" lvl="0" marL="0" rtl="0" algn="l">
+            <a:pPr indent="0" lvl="0" marL="0" marR="0" rtl="0" algn="l">
+              <a:lnSpc>
+                <a:spcPct val="100000"/>
+              </a:lnSpc>
               <a:spcBef>
                 <a:spcPts val="320"/>
               </a:spcBef>
               <a:spcAft>
                 <a:spcPts val="0"/>
               </a:spcAft>
+              <a:buClr>
+                <a:srgbClr val="000000"/>
+              </a:buClr>
+              <a:buSzPts val="1400"/>
+              <a:buFont typeface="Arial"/>
               <a:buNone/>
             </a:pPr>
             <a:r>
-              <a:rPr lang="de"/>
+              <a:rPr b="0" i="0" lang="de" sz="1600" u="none" cap="none" strike="noStrike">
+                <a:solidFill>
+                  <a:schemeClr val="dk1"/>
+                </a:solidFill>
+                <a:latin typeface="Arial"/>
+                <a:ea typeface="Arial"/>
+                <a:cs typeface="Arial"/>
+                <a:sym typeface="Arial"/>
+              </a:rPr>
               <a:t>	n! = n * (n-1) * ... * 1 	⇔	n! = n * (n-1)! 	(Die Fakultät ist also selbst-definierend) </a:t>
             </a:r>
-            <a:endParaRPr/>
+            <a:endParaRPr b="0" i="0" sz="1600" u="none" cap="none" strike="noStrike">
+              <a:solidFill>
+                <a:schemeClr val="dk1"/>
+              </a:solidFill>
+              <a:latin typeface="Arial"/>
+              <a:ea typeface="Arial"/>
+              <a:cs typeface="Arial"/>
+              <a:sym typeface="Arial"/>
+            </a:endParaRPr>
           </a:p>
         </p:txBody>
       </p:sp>
@@ -10532,13 +11625,12 @@
           <p:cNvPicPr preferRelativeResize="0"/>
           <p:nvPr/>
         </p:nvPicPr>
-        <p:blipFill>
+        <p:blipFill rotWithShape="1">
           <a:blip r:embed="rId3">
             <a:alphaModFix/>
           </a:blip>
-          <a:stretch>
-            <a:fillRect/>
-          </a:stretch>
+          <a:srcRect b="0" l="0" r="0" t="0"/>
+          <a:stretch/>
         </p:blipFill>
         <p:spPr>
           <a:xfrm>
@@ -10595,6 +11687,10 @@
           <a:prstGeom prst="rect">
             <a:avLst/>
           </a:prstGeom>
+          <a:noFill/>
+          <a:ln>
+            <a:noFill/>
+          </a:ln>
         </p:spPr>
         <p:txBody>
           <a:bodyPr anchorCtr="0" anchor="b" bIns="0" lIns="0" spcFirstLastPara="1" rIns="0" wrap="square" tIns="0">
@@ -10603,12 +11699,16 @@
           <a:lstStyle/>
           <a:p>
             <a:pPr indent="0" lvl="0" marL="0" rtl="0" algn="l">
-              <a:spcBef>
-                <a:spcPts val="0"/>
-              </a:spcBef>
-              <a:spcAft>
-                <a:spcPts val="0"/>
-              </a:spcAft>
+              <a:lnSpc>
+                <a:spcPct val="100000"/>
+              </a:lnSpc>
+              <a:spcBef>
+                <a:spcPts val="0"/>
+              </a:spcBef>
+              <a:spcAft>
+                <a:spcPts val="0"/>
+              </a:spcAft>
+              <a:buSzPts val="1400"/>
               <a:buNone/>
             </a:pPr>
             <a:r>
@@ -10635,6 +11735,10 @@
           <a:prstGeom prst="rect">
             <a:avLst/>
           </a:prstGeom>
+          <a:noFill/>
+          <a:ln>
+            <a:noFill/>
+          </a:ln>
         </p:spPr>
         <p:txBody>
           <a:bodyPr anchorCtr="0" anchor="t" bIns="0" lIns="0" spcFirstLastPara="1" rIns="0" wrap="square" tIns="0">
@@ -10642,146 +11746,346 @@
           </a:bodyPr>
           <a:lstStyle/>
           <a:p>
-            <a:pPr indent="0" lvl="0" marL="0" rtl="0" algn="l">
+            <a:pPr indent="0" lvl="0" marL="0" marR="0" rtl="0" algn="l">
+              <a:lnSpc>
+                <a:spcPct val="100000"/>
+              </a:lnSpc>
               <a:spcBef>
                 <a:spcPts val="320"/>
               </a:spcBef>
               <a:spcAft>
                 <a:spcPts val="0"/>
               </a:spcAft>
+              <a:buClr>
+                <a:srgbClr val="000000"/>
+              </a:buClr>
+              <a:buSzPts val="1400"/>
+              <a:buFont typeface="Arial"/>
               <a:buNone/>
             </a:pPr>
             <a:r>
-              <a:rPr lang="de"/>
+              <a:rPr b="0" i="0" lang="de" sz="1600" u="none" cap="none" strike="noStrike">
+                <a:solidFill>
+                  <a:schemeClr val="dk1"/>
+                </a:solidFill>
+                <a:latin typeface="Arial"/>
+                <a:ea typeface="Arial"/>
+                <a:cs typeface="Arial"/>
+                <a:sym typeface="Arial"/>
+              </a:rPr>
               <a:t>Die Rekursion kann man wie folgt darstellen:</a:t>
             </a:r>
-            <a:endParaRPr/>
+            <a:endParaRPr b="0" i="0" sz="1600" u="none" cap="none" strike="noStrike">
+              <a:solidFill>
+                <a:schemeClr val="dk1"/>
+              </a:solidFill>
+              <a:latin typeface="Arial"/>
+              <a:ea typeface="Arial"/>
+              <a:cs typeface="Arial"/>
+              <a:sym typeface="Arial"/>
+            </a:endParaRPr>
           </a:p>
           <a:p>
-            <a:pPr indent="0" lvl="0" marL="0" rtl="0" algn="l">
+            <a:pPr indent="0" lvl="0" marL="0" marR="0" rtl="0" algn="l">
+              <a:lnSpc>
+                <a:spcPct val="100000"/>
+              </a:lnSpc>
               <a:spcBef>
                 <a:spcPts val="320"/>
               </a:spcBef>
               <a:spcAft>
                 <a:spcPts val="0"/>
               </a:spcAft>
+              <a:buClr>
+                <a:srgbClr val="000000"/>
+              </a:buClr>
+              <a:buSzPts val="1400"/>
+              <a:buFont typeface="Arial"/>
               <a:buNone/>
             </a:pPr>
             <a:r>
               <a:t/>
             </a:r>
-            <a:endParaRPr/>
+            <a:endParaRPr b="0" i="0" sz="1600" u="none" cap="none" strike="noStrike">
+              <a:solidFill>
+                <a:schemeClr val="dk1"/>
+              </a:solidFill>
+              <a:latin typeface="Arial"/>
+              <a:ea typeface="Arial"/>
+              <a:cs typeface="Arial"/>
+              <a:sym typeface="Arial"/>
+            </a:endParaRPr>
           </a:p>
           <a:p>
-            <a:pPr indent="0" lvl="0" marL="0" rtl="0" algn="l">
+            <a:pPr indent="0" lvl="0" marL="0" marR="0" rtl="0" algn="l">
+              <a:lnSpc>
+                <a:spcPct val="100000"/>
+              </a:lnSpc>
               <a:spcBef>
                 <a:spcPts val="320"/>
               </a:spcBef>
               <a:spcAft>
                 <a:spcPts val="0"/>
               </a:spcAft>
+              <a:buClr>
+                <a:srgbClr val="000000"/>
+              </a:buClr>
+              <a:buSzPts val="1400"/>
+              <a:buFont typeface="Arial"/>
               <a:buNone/>
             </a:pPr>
             <a:r>
               <a:t/>
             </a:r>
-            <a:endParaRPr/>
+            <a:endParaRPr b="0" i="0" sz="1600" u="none" cap="none" strike="noStrike">
+              <a:solidFill>
+                <a:schemeClr val="dk1"/>
+              </a:solidFill>
+              <a:latin typeface="Arial"/>
+              <a:ea typeface="Arial"/>
+              <a:cs typeface="Arial"/>
+              <a:sym typeface="Arial"/>
+            </a:endParaRPr>
           </a:p>
           <a:p>
-            <a:pPr indent="0" lvl="0" marL="0" rtl="0" algn="l">
+            <a:pPr indent="0" lvl="0" marL="0" marR="0" rtl="0" algn="l">
+              <a:lnSpc>
+                <a:spcPct val="100000"/>
+              </a:lnSpc>
               <a:spcBef>
                 <a:spcPts val="320"/>
               </a:spcBef>
               <a:spcAft>
                 <a:spcPts val="0"/>
               </a:spcAft>
+              <a:buClr>
+                <a:srgbClr val="000000"/>
+              </a:buClr>
+              <a:buSzPts val="1400"/>
+              <a:buFont typeface="Arial"/>
               <a:buNone/>
             </a:pPr>
             <a:r>
-              <a:rPr lang="de"/>
+              <a:rPr b="0" i="0" lang="de" sz="1600" u="none" cap="none" strike="noStrike">
+                <a:solidFill>
+                  <a:schemeClr val="dk1"/>
+                </a:solidFill>
+                <a:latin typeface="Arial"/>
+                <a:ea typeface="Arial"/>
+                <a:cs typeface="Arial"/>
+                <a:sym typeface="Arial"/>
+              </a:rPr>
               <a:t>factorial(5)</a:t>
             </a:r>
-            <a:endParaRPr/>
+            <a:endParaRPr b="0" i="0" sz="1600" u="none" cap="none" strike="noStrike">
+              <a:solidFill>
+                <a:schemeClr val="dk1"/>
+              </a:solidFill>
+              <a:latin typeface="Arial"/>
+              <a:ea typeface="Arial"/>
+              <a:cs typeface="Arial"/>
+              <a:sym typeface="Arial"/>
+            </a:endParaRPr>
           </a:p>
           <a:p>
-            <a:pPr indent="0" lvl="0" marL="0" rtl="0" algn="l">
+            <a:pPr indent="0" lvl="0" marL="0" marR="0" rtl="0" algn="l">
+              <a:lnSpc>
+                <a:spcPct val="100000"/>
+              </a:lnSpc>
               <a:spcBef>
                 <a:spcPts val="320"/>
               </a:spcBef>
               <a:spcAft>
                 <a:spcPts val="0"/>
               </a:spcAft>
+              <a:buClr>
+                <a:srgbClr val="000000"/>
+              </a:buClr>
+              <a:buSzPts val="1400"/>
+              <a:buFont typeface="Arial"/>
               <a:buNone/>
             </a:pPr>
             <a:r>
-              <a:rPr lang="de"/>
+              <a:rPr b="0" i="0" lang="de" sz="1600" u="none" cap="none" strike="noStrike">
+                <a:solidFill>
+                  <a:schemeClr val="dk1"/>
+                </a:solidFill>
+                <a:latin typeface="Arial"/>
+                <a:ea typeface="Arial"/>
+                <a:cs typeface="Arial"/>
+                <a:sym typeface="Arial"/>
+              </a:rPr>
               <a:t>	factorial(4)</a:t>
             </a:r>
-            <a:endParaRPr/>
+            <a:endParaRPr b="0" i="0" sz="1600" u="none" cap="none" strike="noStrike">
+              <a:solidFill>
+                <a:schemeClr val="dk1"/>
+              </a:solidFill>
+              <a:latin typeface="Arial"/>
+              <a:ea typeface="Arial"/>
+              <a:cs typeface="Arial"/>
+              <a:sym typeface="Arial"/>
+            </a:endParaRPr>
           </a:p>
           <a:p>
-            <a:pPr indent="0" lvl="0" marL="0" rtl="0" algn="l">
+            <a:pPr indent="0" lvl="0" marL="0" marR="0" rtl="0" algn="l">
+              <a:lnSpc>
+                <a:spcPct val="100000"/>
+              </a:lnSpc>
               <a:spcBef>
                 <a:spcPts val="320"/>
               </a:spcBef>
               <a:spcAft>
                 <a:spcPts val="0"/>
               </a:spcAft>
+              <a:buClr>
+                <a:srgbClr val="000000"/>
+              </a:buClr>
+              <a:buSzPts val="1400"/>
+              <a:buFont typeface="Arial"/>
               <a:buNone/>
             </a:pPr>
             <a:r>
-              <a:rPr lang="de"/>
+              <a:rPr b="0" i="0" lang="de" sz="1600" u="none" cap="none" strike="noStrike">
+                <a:solidFill>
+                  <a:schemeClr val="dk1"/>
+                </a:solidFill>
+                <a:latin typeface="Arial"/>
+                <a:ea typeface="Arial"/>
+                <a:cs typeface="Arial"/>
+                <a:sym typeface="Arial"/>
+              </a:rPr>
               <a:t>		factorial(3)</a:t>
             </a:r>
-            <a:endParaRPr/>
+            <a:endParaRPr b="0" i="0" sz="1600" u="none" cap="none" strike="noStrike">
+              <a:solidFill>
+                <a:schemeClr val="dk1"/>
+              </a:solidFill>
+              <a:latin typeface="Arial"/>
+              <a:ea typeface="Arial"/>
+              <a:cs typeface="Arial"/>
+              <a:sym typeface="Arial"/>
+            </a:endParaRPr>
           </a:p>
           <a:p>
-            <a:pPr indent="0" lvl="0" marL="0" rtl="0" algn="l">
+            <a:pPr indent="0" lvl="0" marL="0" marR="0" rtl="0" algn="l">
+              <a:lnSpc>
+                <a:spcPct val="100000"/>
+              </a:lnSpc>
               <a:spcBef>
                 <a:spcPts val="320"/>
               </a:spcBef>
               <a:spcAft>
                 <a:spcPts val="0"/>
               </a:spcAft>
+              <a:buClr>
+                <a:srgbClr val="000000"/>
+              </a:buClr>
+              <a:buSzPts val="1400"/>
+              <a:buFont typeface="Arial"/>
               <a:buNone/>
             </a:pPr>
             <a:r>
-              <a:rPr lang="de"/>
+              <a:rPr b="0" i="0" lang="de" sz="1600" u="none" cap="none" strike="noStrike">
+                <a:solidFill>
+                  <a:schemeClr val="dk1"/>
+                </a:solidFill>
+                <a:latin typeface="Arial"/>
+                <a:ea typeface="Arial"/>
+                <a:cs typeface="Arial"/>
+                <a:sym typeface="Arial"/>
+              </a:rPr>
               <a:t>			factorial(2)</a:t>
             </a:r>
-            <a:endParaRPr/>
+            <a:endParaRPr b="0" i="0" sz="1600" u="none" cap="none" strike="noStrike">
+              <a:solidFill>
+                <a:schemeClr val="dk1"/>
+              </a:solidFill>
+              <a:latin typeface="Arial"/>
+              <a:ea typeface="Arial"/>
+              <a:cs typeface="Arial"/>
+              <a:sym typeface="Arial"/>
+            </a:endParaRPr>
           </a:p>
           <a:p>
-            <a:pPr indent="0" lvl="0" marL="0" rtl="0" algn="l">
+            <a:pPr indent="0" lvl="0" marL="0" marR="0" rtl="0" algn="l">
+              <a:lnSpc>
+                <a:spcPct val="100000"/>
+              </a:lnSpc>
               <a:spcBef>
                 <a:spcPts val="320"/>
               </a:spcBef>
               <a:spcAft>
                 <a:spcPts val="0"/>
               </a:spcAft>
+              <a:buClr>
+                <a:srgbClr val="000000"/>
+              </a:buClr>
+              <a:buSzPts val="1400"/>
+              <a:buFont typeface="Arial"/>
               <a:buNone/>
             </a:pPr>
             <a:r>
-              <a:rPr lang="de"/>
+              <a:rPr b="0" i="0" lang="de" sz="1600" u="none" cap="none" strike="noStrike">
+                <a:solidFill>
+                  <a:schemeClr val="dk1"/>
+                </a:solidFill>
+                <a:latin typeface="Arial"/>
+                <a:ea typeface="Arial"/>
+                <a:cs typeface="Arial"/>
+                <a:sym typeface="Arial"/>
+              </a:rPr>
               <a:t>				factorial(1)</a:t>
             </a:r>
-            <a:endParaRPr/>
+            <a:endParaRPr b="0" i="0" sz="1600" u="none" cap="none" strike="noStrike">
+              <a:solidFill>
+                <a:schemeClr val="dk1"/>
+              </a:solidFill>
+              <a:latin typeface="Arial"/>
+              <a:ea typeface="Arial"/>
+              <a:cs typeface="Arial"/>
+              <a:sym typeface="Arial"/>
+            </a:endParaRPr>
           </a:p>
           <a:p>
-            <a:pPr indent="0" lvl="0" marL="0" rtl="0" algn="l">
+            <a:pPr indent="0" lvl="0" marL="0" marR="0" rtl="0" algn="l">
+              <a:lnSpc>
+                <a:spcPct val="100000"/>
+              </a:lnSpc>
               <a:spcBef>
                 <a:spcPts val="320"/>
               </a:spcBef>
               <a:spcAft>
                 <a:spcPts val="0"/>
               </a:spcAft>
+              <a:buClr>
+                <a:srgbClr val="000000"/>
+              </a:buClr>
+              <a:buSzPts val="1400"/>
+              <a:buFont typeface="Arial"/>
               <a:buNone/>
             </a:pPr>
             <a:r>
-              <a:rPr lang="de"/>
+              <a:rPr b="0" i="0" lang="de" sz="1600" u="none" cap="none" strike="noStrike">
+                <a:solidFill>
+                  <a:schemeClr val="dk1"/>
+                </a:solidFill>
+                <a:latin typeface="Arial"/>
+                <a:ea typeface="Arial"/>
+                <a:cs typeface="Arial"/>
+                <a:sym typeface="Arial"/>
+              </a:rPr>
               <a:t>					factorial(0)</a:t>
             </a:r>
-            <a:endParaRPr/>
+            <a:endParaRPr b="0" i="0" sz="1600" u="none" cap="none" strike="noStrike">
+              <a:solidFill>
+                <a:schemeClr val="dk1"/>
+              </a:solidFill>
+              <a:latin typeface="Arial"/>
+              <a:ea typeface="Arial"/>
+              <a:cs typeface="Arial"/>
+              <a:sym typeface="Arial"/>
+            </a:endParaRPr>
           </a:p>
         </p:txBody>
       </p:sp>
@@ -10791,13 +12095,12 @@
           <p:cNvPicPr preferRelativeResize="0"/>
           <p:nvPr/>
         </p:nvPicPr>
-        <p:blipFill>
+        <p:blipFill rotWithShape="1">
           <a:blip r:embed="rId3">
             <a:alphaModFix/>
           </a:blip>
-          <a:stretch>
-            <a:fillRect/>
-          </a:stretch>
+          <a:srcRect b="0" l="0" r="0" t="0"/>
+          <a:stretch/>
         </p:blipFill>
         <p:spPr>
           <a:xfrm>
@@ -10851,10 +12154,31 @@
             </a:solidFill>
             <a:prstDash val="solid"/>
             <a:round/>
-            <a:headEnd len="med" w="med" type="none"/>
-            <a:tailEnd len="med" w="med" type="triangle"/>
+            <a:headEnd len="sm" w="sm" type="none"/>
+            <a:tailEnd len="sm" w="sm" type="none"/>
           </a:ln>
         </p:spPr>
+        <p:txBody>
+          <a:bodyPr anchorCtr="0" anchor="ctr" bIns="91425" lIns="91425" spcFirstLastPara="1" rIns="91425" wrap="square" tIns="91425">
+            <a:noAutofit/>
+          </a:bodyPr>
+          <a:lstStyle/>
+          <a:p>
+            <a:pPr indent="0" lvl="0" marL="0" rtl="0" algn="l">
+              <a:spcBef>
+                <a:spcPts val="0"/>
+              </a:spcBef>
+              <a:spcAft>
+                <a:spcPts val="0"/>
+              </a:spcAft>
+              <a:buNone/>
+            </a:pPr>
+            <a:r>
+              <a:t/>
+            </a:r>
+            <a:endParaRPr/>
+          </a:p>
+        </p:txBody>
       </p:sp>
       <p:sp>
         <p:nvSpPr>
@@ -10894,10 +12218,31 @@
             </a:solidFill>
             <a:prstDash val="solid"/>
             <a:round/>
-            <a:headEnd len="med" w="med" type="none"/>
-            <a:tailEnd len="med" w="med" type="triangle"/>
+            <a:headEnd len="sm" w="sm" type="none"/>
+            <a:tailEnd len="sm" w="sm" type="none"/>
           </a:ln>
         </p:spPr>
+        <p:txBody>
+          <a:bodyPr anchorCtr="0" anchor="ctr" bIns="91425" lIns="91425" spcFirstLastPara="1" rIns="91425" wrap="square" tIns="91425">
+            <a:noAutofit/>
+          </a:bodyPr>
+          <a:lstStyle/>
+          <a:p>
+            <a:pPr indent="0" lvl="0" marL="0" rtl="0" algn="l">
+              <a:spcBef>
+                <a:spcPts val="0"/>
+              </a:spcBef>
+              <a:spcAft>
+                <a:spcPts val="0"/>
+              </a:spcAft>
+              <a:buNone/>
+            </a:pPr>
+            <a:r>
+              <a:t/>
+            </a:r>
+            <a:endParaRPr/>
+          </a:p>
+        </p:txBody>
       </p:sp>
       <p:sp>
         <p:nvSpPr>
@@ -10937,10 +12282,31 @@
             </a:solidFill>
             <a:prstDash val="solid"/>
             <a:round/>
-            <a:headEnd len="med" w="med" type="none"/>
-            <a:tailEnd len="med" w="med" type="triangle"/>
+            <a:headEnd len="sm" w="sm" type="none"/>
+            <a:tailEnd len="sm" w="sm" type="none"/>
           </a:ln>
         </p:spPr>
+        <p:txBody>
+          <a:bodyPr anchorCtr="0" anchor="ctr" bIns="91425" lIns="91425" spcFirstLastPara="1" rIns="91425" wrap="square" tIns="91425">
+            <a:noAutofit/>
+          </a:bodyPr>
+          <a:lstStyle/>
+          <a:p>
+            <a:pPr indent="0" lvl="0" marL="0" rtl="0" algn="l">
+              <a:spcBef>
+                <a:spcPts val="0"/>
+              </a:spcBef>
+              <a:spcAft>
+                <a:spcPts val="0"/>
+              </a:spcAft>
+              <a:buNone/>
+            </a:pPr>
+            <a:r>
+              <a:t/>
+            </a:r>
+            <a:endParaRPr/>
+          </a:p>
+        </p:txBody>
       </p:sp>
       <p:sp>
         <p:nvSpPr>
@@ -10980,10 +12346,31 @@
             </a:solidFill>
             <a:prstDash val="solid"/>
             <a:round/>
-            <a:headEnd len="med" w="med" type="none"/>
-            <a:tailEnd len="med" w="med" type="triangle"/>
+            <a:headEnd len="sm" w="sm" type="none"/>
+            <a:tailEnd len="sm" w="sm" type="none"/>
           </a:ln>
         </p:spPr>
+        <p:txBody>
+          <a:bodyPr anchorCtr="0" anchor="ctr" bIns="91425" lIns="91425" spcFirstLastPara="1" rIns="91425" wrap="square" tIns="91425">
+            <a:noAutofit/>
+          </a:bodyPr>
+          <a:lstStyle/>
+          <a:p>
+            <a:pPr indent="0" lvl="0" marL="0" rtl="0" algn="l">
+              <a:spcBef>
+                <a:spcPts val="0"/>
+              </a:spcBef>
+              <a:spcAft>
+                <a:spcPts val="0"/>
+              </a:spcAft>
+              <a:buNone/>
+            </a:pPr>
+            <a:r>
+              <a:t/>
+            </a:r>
+            <a:endParaRPr/>
+          </a:p>
+        </p:txBody>
       </p:sp>
       <p:sp>
         <p:nvSpPr>
@@ -11023,10 +12410,31 @@
             </a:solidFill>
             <a:prstDash val="solid"/>
             <a:round/>
-            <a:headEnd len="med" w="med" type="none"/>
-            <a:tailEnd len="med" w="med" type="triangle"/>
+            <a:headEnd len="sm" w="sm" type="none"/>
+            <a:tailEnd len="sm" w="sm" type="none"/>
           </a:ln>
         </p:spPr>
+        <p:txBody>
+          <a:bodyPr anchorCtr="0" anchor="ctr" bIns="91425" lIns="91425" spcFirstLastPara="1" rIns="91425" wrap="square" tIns="91425">
+            <a:noAutofit/>
+          </a:bodyPr>
+          <a:lstStyle/>
+          <a:p>
+            <a:pPr indent="0" lvl="0" marL="0" rtl="0" algn="l">
+              <a:spcBef>
+                <a:spcPts val="0"/>
+              </a:spcBef>
+              <a:spcAft>
+                <a:spcPts val="0"/>
+              </a:spcAft>
+              <a:buNone/>
+            </a:pPr>
+            <a:r>
+              <a:t/>
+            </a:r>
+            <a:endParaRPr/>
+          </a:p>
+        </p:txBody>
       </p:sp>
       <p:sp>
         <p:nvSpPr>
@@ -11066,10 +12474,31 @@
             </a:solidFill>
             <a:prstDash val="solid"/>
             <a:round/>
-            <a:headEnd len="med" w="med" type="none"/>
-            <a:tailEnd len="med" w="med" type="triangle"/>
+            <a:headEnd len="sm" w="sm" type="none"/>
+            <a:tailEnd len="sm" w="sm" type="none"/>
           </a:ln>
         </p:spPr>
+        <p:txBody>
+          <a:bodyPr anchorCtr="0" anchor="ctr" bIns="91425" lIns="91425" spcFirstLastPara="1" rIns="91425" wrap="square" tIns="91425">
+            <a:noAutofit/>
+          </a:bodyPr>
+          <a:lstStyle/>
+          <a:p>
+            <a:pPr indent="0" lvl="0" marL="0" rtl="0" algn="l">
+              <a:spcBef>
+                <a:spcPts val="0"/>
+              </a:spcBef>
+              <a:spcAft>
+                <a:spcPts val="0"/>
+              </a:spcAft>
+              <a:buNone/>
+            </a:pPr>
+            <a:r>
+              <a:t/>
+            </a:r>
+            <a:endParaRPr/>
+          </a:p>
+        </p:txBody>
       </p:sp>
       <p:sp>
         <p:nvSpPr>
@@ -11096,24 +12525,44 @@
           </a:bodyPr>
           <a:lstStyle/>
           <a:p>
-            <a:pPr indent="0" lvl="0" marL="0" rtl="0" algn="l">
-              <a:spcBef>
-                <a:spcPts val="0"/>
-              </a:spcBef>
-              <a:spcAft>
-                <a:spcPts val="0"/>
-              </a:spcAft>
+            <a:pPr indent="0" lvl="0" marL="0" marR="0" rtl="0" algn="l">
+              <a:lnSpc>
+                <a:spcPct val="100000"/>
+              </a:lnSpc>
+              <a:spcBef>
+                <a:spcPts val="0"/>
+              </a:spcBef>
+              <a:spcAft>
+                <a:spcPts val="0"/>
+              </a:spcAft>
+              <a:buClr>
+                <a:srgbClr val="000000"/>
+              </a:buClr>
+              <a:buSzPts val="1000"/>
+              <a:buFont typeface="Arial"/>
               <a:buNone/>
             </a:pPr>
             <a:r>
-              <a:rPr lang="de" sz="1000"/>
-              <a:t>2</a:t>
+              <a:rPr b="0" i="0" lang="de" sz="1000" u="none" cap="none" strike="noStrike">
+                <a:solidFill>
+                  <a:srgbClr val="000000"/>
+                </a:solidFill>
+                <a:latin typeface="Arial"/>
+                <a:ea typeface="Arial"/>
+                <a:cs typeface="Arial"/>
+                <a:sym typeface="Arial"/>
+              </a:rPr>
+              <a:t>2.</a:t>
             </a:r>
-            <a:r>
-              <a:rPr lang="de" sz="1000"/>
-              <a:t>.</a:t>
-            </a:r>
-            <a:endParaRPr sz="1000"/>
+            <a:endParaRPr b="0" i="0" sz="1000" u="none" cap="none" strike="noStrike">
+              <a:solidFill>
+                <a:srgbClr val="000000"/>
+              </a:solidFill>
+              <a:latin typeface="Arial"/>
+              <a:ea typeface="Arial"/>
+              <a:cs typeface="Arial"/>
+              <a:sym typeface="Arial"/>
+            </a:endParaRPr>
           </a:p>
         </p:txBody>
       </p:sp>
@@ -11142,20 +12591,44 @@
           </a:bodyPr>
           <a:lstStyle/>
           <a:p>
-            <a:pPr indent="0" lvl="0" marL="0" rtl="0" algn="l">
-              <a:spcBef>
-                <a:spcPts val="0"/>
-              </a:spcBef>
-              <a:spcAft>
-                <a:spcPts val="0"/>
-              </a:spcAft>
+            <a:pPr indent="0" lvl="0" marL="0" marR="0" rtl="0" algn="l">
+              <a:lnSpc>
+                <a:spcPct val="100000"/>
+              </a:lnSpc>
+              <a:spcBef>
+                <a:spcPts val="0"/>
+              </a:spcBef>
+              <a:spcAft>
+                <a:spcPts val="0"/>
+              </a:spcAft>
+              <a:buClr>
+                <a:srgbClr val="000000"/>
+              </a:buClr>
+              <a:buSzPts val="1000"/>
+              <a:buFont typeface="Arial"/>
               <a:buNone/>
             </a:pPr>
             <a:r>
-              <a:rPr lang="de" sz="1000"/>
+              <a:rPr b="0" i="0" lang="de" sz="1000" u="none" cap="none" strike="noStrike">
+                <a:solidFill>
+                  <a:srgbClr val="000000"/>
+                </a:solidFill>
+                <a:latin typeface="Arial"/>
+                <a:ea typeface="Arial"/>
+                <a:cs typeface="Arial"/>
+                <a:sym typeface="Arial"/>
+              </a:rPr>
               <a:t>3.</a:t>
             </a:r>
-            <a:endParaRPr sz="1000"/>
+            <a:endParaRPr b="0" i="0" sz="1000" u="none" cap="none" strike="noStrike">
+              <a:solidFill>
+                <a:srgbClr val="000000"/>
+              </a:solidFill>
+              <a:latin typeface="Arial"/>
+              <a:ea typeface="Arial"/>
+              <a:cs typeface="Arial"/>
+              <a:sym typeface="Arial"/>
+            </a:endParaRPr>
           </a:p>
         </p:txBody>
       </p:sp>
@@ -11184,20 +12657,44 @@
           </a:bodyPr>
           <a:lstStyle/>
           <a:p>
-            <a:pPr indent="0" lvl="0" marL="0" rtl="0" algn="l">
-              <a:spcBef>
-                <a:spcPts val="0"/>
-              </a:spcBef>
-              <a:spcAft>
-                <a:spcPts val="0"/>
-              </a:spcAft>
+            <a:pPr indent="0" lvl="0" marL="0" marR="0" rtl="0" algn="l">
+              <a:lnSpc>
+                <a:spcPct val="100000"/>
+              </a:lnSpc>
+              <a:spcBef>
+                <a:spcPts val="0"/>
+              </a:spcBef>
+              <a:spcAft>
+                <a:spcPts val="0"/>
+              </a:spcAft>
+              <a:buClr>
+                <a:srgbClr val="000000"/>
+              </a:buClr>
+              <a:buSzPts val="1000"/>
+              <a:buFont typeface="Arial"/>
               <a:buNone/>
             </a:pPr>
             <a:r>
-              <a:rPr lang="de" sz="1000"/>
+              <a:rPr b="0" i="0" lang="de" sz="1000" u="none" cap="none" strike="noStrike">
+                <a:solidFill>
+                  <a:srgbClr val="000000"/>
+                </a:solidFill>
+                <a:latin typeface="Arial"/>
+                <a:ea typeface="Arial"/>
+                <a:cs typeface="Arial"/>
+                <a:sym typeface="Arial"/>
+              </a:rPr>
               <a:t>4.</a:t>
             </a:r>
-            <a:endParaRPr sz="1000"/>
+            <a:endParaRPr b="0" i="0" sz="1000" u="none" cap="none" strike="noStrike">
+              <a:solidFill>
+                <a:srgbClr val="000000"/>
+              </a:solidFill>
+              <a:latin typeface="Arial"/>
+              <a:ea typeface="Arial"/>
+              <a:cs typeface="Arial"/>
+              <a:sym typeface="Arial"/>
+            </a:endParaRPr>
           </a:p>
         </p:txBody>
       </p:sp>
@@ -11226,20 +12723,44 @@
           </a:bodyPr>
           <a:lstStyle/>
           <a:p>
-            <a:pPr indent="0" lvl="0" marL="0" rtl="0" algn="l">
-              <a:spcBef>
-                <a:spcPts val="0"/>
-              </a:spcBef>
-              <a:spcAft>
-                <a:spcPts val="0"/>
-              </a:spcAft>
+            <a:pPr indent="0" lvl="0" marL="0" marR="0" rtl="0" algn="l">
+              <a:lnSpc>
+                <a:spcPct val="100000"/>
+              </a:lnSpc>
+              <a:spcBef>
+                <a:spcPts val="0"/>
+              </a:spcBef>
+              <a:spcAft>
+                <a:spcPts val="0"/>
+              </a:spcAft>
+              <a:buClr>
+                <a:srgbClr val="000000"/>
+              </a:buClr>
+              <a:buSzPts val="1000"/>
+              <a:buFont typeface="Arial"/>
               <a:buNone/>
             </a:pPr>
             <a:r>
-              <a:rPr lang="de" sz="1000"/>
+              <a:rPr b="0" i="0" lang="de" sz="1000" u="none" cap="none" strike="noStrike">
+                <a:solidFill>
+                  <a:srgbClr val="000000"/>
+                </a:solidFill>
+                <a:latin typeface="Arial"/>
+                <a:ea typeface="Arial"/>
+                <a:cs typeface="Arial"/>
+                <a:sym typeface="Arial"/>
+              </a:rPr>
               <a:t>5.</a:t>
             </a:r>
-            <a:endParaRPr sz="1000"/>
+            <a:endParaRPr b="0" i="0" sz="1000" u="none" cap="none" strike="noStrike">
+              <a:solidFill>
+                <a:srgbClr val="000000"/>
+              </a:solidFill>
+              <a:latin typeface="Arial"/>
+              <a:ea typeface="Arial"/>
+              <a:cs typeface="Arial"/>
+              <a:sym typeface="Arial"/>
+            </a:endParaRPr>
           </a:p>
         </p:txBody>
       </p:sp>
@@ -11268,24 +12789,44 @@
           </a:bodyPr>
           <a:lstStyle/>
           <a:p>
-            <a:pPr indent="0" lvl="0" marL="0" rtl="0" algn="l">
-              <a:spcBef>
-                <a:spcPts val="0"/>
-              </a:spcBef>
-              <a:spcAft>
-                <a:spcPts val="0"/>
-              </a:spcAft>
+            <a:pPr indent="0" lvl="0" marL="0" marR="0" rtl="0" algn="l">
+              <a:lnSpc>
+                <a:spcPct val="100000"/>
+              </a:lnSpc>
+              <a:spcBef>
+                <a:spcPts val="0"/>
+              </a:spcBef>
+              <a:spcAft>
+                <a:spcPts val="0"/>
+              </a:spcAft>
+              <a:buClr>
+                <a:srgbClr val="000000"/>
+              </a:buClr>
+              <a:buSzPts val="1000"/>
+              <a:buFont typeface="Arial"/>
               <a:buNone/>
             </a:pPr>
             <a:r>
-              <a:rPr lang="de" sz="1000"/>
-              <a:t>6.</a:t>
+              <a:rPr b="0" i="0" lang="de" sz="1000" u="none" cap="none" strike="noStrike">
+                <a:solidFill>
+                  <a:srgbClr val="000000"/>
+                </a:solidFill>
+                <a:latin typeface="Arial"/>
+                <a:ea typeface="Arial"/>
+                <a:cs typeface="Arial"/>
+                <a:sym typeface="Arial"/>
+              </a:rPr>
+              <a:t>6..</a:t>
             </a:r>
-            <a:r>
-              <a:rPr lang="de" sz="1000"/>
-              <a:t>.</a:t>
-            </a:r>
-            <a:endParaRPr sz="1000"/>
+            <a:endParaRPr b="0" i="0" sz="1000" u="none" cap="none" strike="noStrike">
+              <a:solidFill>
+                <a:srgbClr val="000000"/>
+              </a:solidFill>
+              <a:latin typeface="Arial"/>
+              <a:ea typeface="Arial"/>
+              <a:cs typeface="Arial"/>
+              <a:sym typeface="Arial"/>
+            </a:endParaRPr>
           </a:p>
         </p:txBody>
       </p:sp>
@@ -11327,10 +12868,31 @@
             </a:solidFill>
             <a:prstDash val="solid"/>
             <a:round/>
-            <a:headEnd len="med" w="med" type="none"/>
-            <a:tailEnd len="med" w="med" type="triangle"/>
+            <a:headEnd len="sm" w="sm" type="none"/>
+            <a:tailEnd len="sm" w="sm" type="none"/>
           </a:ln>
         </p:spPr>
+        <p:txBody>
+          <a:bodyPr anchorCtr="0" anchor="ctr" bIns="91425" lIns="91425" spcFirstLastPara="1" rIns="91425" wrap="square" tIns="91425">
+            <a:noAutofit/>
+          </a:bodyPr>
+          <a:lstStyle/>
+          <a:p>
+            <a:pPr indent="0" lvl="0" marL="0" rtl="0" algn="l">
+              <a:spcBef>
+                <a:spcPts val="0"/>
+              </a:spcBef>
+              <a:spcAft>
+                <a:spcPts val="0"/>
+              </a:spcAft>
+              <a:buNone/>
+            </a:pPr>
+            <a:r>
+              <a:t/>
+            </a:r>
+            <a:endParaRPr/>
+          </a:p>
+        </p:txBody>
       </p:sp>
       <p:sp>
         <p:nvSpPr>
@@ -11370,10 +12932,31 @@
             </a:solidFill>
             <a:prstDash val="solid"/>
             <a:round/>
-            <a:headEnd len="med" w="med" type="none"/>
-            <a:tailEnd len="med" w="med" type="triangle"/>
+            <a:headEnd len="sm" w="sm" type="none"/>
+            <a:tailEnd len="sm" w="sm" type="none"/>
           </a:ln>
         </p:spPr>
+        <p:txBody>
+          <a:bodyPr anchorCtr="0" anchor="ctr" bIns="91425" lIns="91425" spcFirstLastPara="1" rIns="91425" wrap="square" tIns="91425">
+            <a:noAutofit/>
+          </a:bodyPr>
+          <a:lstStyle/>
+          <a:p>
+            <a:pPr indent="0" lvl="0" marL="0" rtl="0" algn="l">
+              <a:spcBef>
+                <a:spcPts val="0"/>
+              </a:spcBef>
+              <a:spcAft>
+                <a:spcPts val="0"/>
+              </a:spcAft>
+              <a:buNone/>
+            </a:pPr>
+            <a:r>
+              <a:t/>
+            </a:r>
+            <a:endParaRPr/>
+          </a:p>
+        </p:txBody>
       </p:sp>
       <p:sp>
         <p:nvSpPr>
@@ -11400,24 +12983,44 @@
           </a:bodyPr>
           <a:lstStyle/>
           <a:p>
-            <a:pPr indent="0" lvl="0" marL="0" rtl="0" algn="l">
-              <a:spcBef>
-                <a:spcPts val="0"/>
-              </a:spcBef>
-              <a:spcAft>
-                <a:spcPts val="0"/>
-              </a:spcAft>
+            <a:pPr indent="0" lvl="0" marL="0" marR="0" rtl="0" algn="l">
+              <a:lnSpc>
+                <a:spcPct val="100000"/>
+              </a:lnSpc>
+              <a:spcBef>
+                <a:spcPts val="0"/>
+              </a:spcBef>
+              <a:spcAft>
+                <a:spcPts val="0"/>
+              </a:spcAft>
+              <a:buClr>
+                <a:srgbClr val="000000"/>
+              </a:buClr>
+              <a:buSzPts val="1000"/>
+              <a:buFont typeface="Arial"/>
               <a:buNone/>
             </a:pPr>
             <a:r>
-              <a:rPr lang="de" sz="1000"/>
-              <a:t>1</a:t>
+              <a:rPr b="0" i="0" lang="de" sz="1000" u="none" cap="none" strike="noStrike">
+                <a:solidFill>
+                  <a:srgbClr val="000000"/>
+                </a:solidFill>
+                <a:latin typeface="Arial"/>
+                <a:ea typeface="Arial"/>
+                <a:cs typeface="Arial"/>
+                <a:sym typeface="Arial"/>
+              </a:rPr>
+              <a:t>1.</a:t>
             </a:r>
-            <a:r>
-              <a:rPr lang="de" sz="1000"/>
-              <a:t>.</a:t>
-            </a:r>
-            <a:endParaRPr sz="1000"/>
+            <a:endParaRPr b="0" i="0" sz="1000" u="none" cap="none" strike="noStrike">
+              <a:solidFill>
+                <a:srgbClr val="000000"/>
+              </a:solidFill>
+              <a:latin typeface="Arial"/>
+              <a:ea typeface="Arial"/>
+              <a:cs typeface="Arial"/>
+              <a:sym typeface="Arial"/>
+            </a:endParaRPr>
           </a:p>
         </p:txBody>
       </p:sp>
@@ -11446,20 +13049,44 @@
           </a:bodyPr>
           <a:lstStyle/>
           <a:p>
-            <a:pPr indent="0" lvl="0" marL="0" rtl="0" algn="l">
-              <a:spcBef>
-                <a:spcPts val="0"/>
-              </a:spcBef>
-              <a:spcAft>
-                <a:spcPts val="0"/>
-              </a:spcAft>
+            <a:pPr indent="0" lvl="0" marL="0" marR="0" rtl="0" algn="l">
+              <a:lnSpc>
+                <a:spcPct val="100000"/>
+              </a:lnSpc>
+              <a:spcBef>
+                <a:spcPts val="0"/>
+              </a:spcBef>
+              <a:spcAft>
+                <a:spcPts val="0"/>
+              </a:spcAft>
+              <a:buClr>
+                <a:srgbClr val="000000"/>
+              </a:buClr>
+              <a:buSzPts val="1000"/>
+              <a:buFont typeface="Arial"/>
               <a:buNone/>
             </a:pPr>
             <a:r>
-              <a:rPr lang="de" sz="1000"/>
+              <a:rPr b="0" i="0" lang="de" sz="1000" u="none" cap="none" strike="noStrike">
+                <a:solidFill>
+                  <a:srgbClr val="000000"/>
+                </a:solidFill>
+                <a:latin typeface="Arial"/>
+                <a:ea typeface="Arial"/>
+                <a:cs typeface="Arial"/>
+                <a:sym typeface="Arial"/>
+              </a:rPr>
               <a:t>return 1 </a:t>
             </a:r>
-            <a:endParaRPr sz="1000"/>
+            <a:endParaRPr b="0" i="0" sz="1000" u="none" cap="none" strike="noStrike">
+              <a:solidFill>
+                <a:srgbClr val="000000"/>
+              </a:solidFill>
+              <a:latin typeface="Arial"/>
+              <a:ea typeface="Arial"/>
+              <a:cs typeface="Arial"/>
+              <a:sym typeface="Arial"/>
+            </a:endParaRPr>
           </a:p>
         </p:txBody>
       </p:sp>
@@ -11501,10 +13128,31 @@
             </a:solidFill>
             <a:prstDash val="solid"/>
             <a:round/>
-            <a:headEnd len="med" w="med" type="none"/>
-            <a:tailEnd len="med" w="med" type="triangle"/>
+            <a:headEnd len="sm" w="sm" type="none"/>
+            <a:tailEnd len="sm" w="sm" type="none"/>
           </a:ln>
         </p:spPr>
+        <p:txBody>
+          <a:bodyPr anchorCtr="0" anchor="ctr" bIns="91425" lIns="91425" spcFirstLastPara="1" rIns="91425" wrap="square" tIns="91425">
+            <a:noAutofit/>
+          </a:bodyPr>
+          <a:lstStyle/>
+          <a:p>
+            <a:pPr indent="0" lvl="0" marL="0" rtl="0" algn="l">
+              <a:spcBef>
+                <a:spcPts val="0"/>
+              </a:spcBef>
+              <a:spcAft>
+                <a:spcPts val="0"/>
+              </a:spcAft>
+              <a:buNone/>
+            </a:pPr>
+            <a:r>
+              <a:t/>
+            </a:r>
+            <a:endParaRPr/>
+          </a:p>
+        </p:txBody>
       </p:sp>
       <p:sp>
         <p:nvSpPr>
@@ -11531,20 +13179,44 @@
           </a:bodyPr>
           <a:lstStyle/>
           <a:p>
-            <a:pPr indent="0" lvl="0" marL="0" rtl="0" algn="l">
-              <a:spcBef>
-                <a:spcPts val="0"/>
-              </a:spcBef>
-              <a:spcAft>
-                <a:spcPts val="0"/>
-              </a:spcAft>
+            <a:pPr indent="0" lvl="0" marL="0" marR="0" rtl="0" algn="l">
+              <a:lnSpc>
+                <a:spcPct val="100000"/>
+              </a:lnSpc>
+              <a:spcBef>
+                <a:spcPts val="0"/>
+              </a:spcBef>
+              <a:spcAft>
+                <a:spcPts val="0"/>
+              </a:spcAft>
+              <a:buClr>
+                <a:srgbClr val="000000"/>
+              </a:buClr>
+              <a:buSzPts val="1000"/>
+              <a:buFont typeface="Arial"/>
               <a:buNone/>
             </a:pPr>
             <a:r>
-              <a:rPr lang="de" sz="1000"/>
+              <a:rPr b="0" i="0" lang="de" sz="1000" u="none" cap="none" strike="noStrike">
+                <a:solidFill>
+                  <a:srgbClr val="000000"/>
+                </a:solidFill>
+                <a:latin typeface="Arial"/>
+                <a:ea typeface="Arial"/>
+                <a:cs typeface="Arial"/>
+                <a:sym typeface="Arial"/>
+              </a:rPr>
               <a:t>return 1 * 1 = 1 </a:t>
             </a:r>
-            <a:endParaRPr sz="1000"/>
+            <a:endParaRPr b="0" i="0" sz="1000" u="none" cap="none" strike="noStrike">
+              <a:solidFill>
+                <a:srgbClr val="000000"/>
+              </a:solidFill>
+              <a:latin typeface="Arial"/>
+              <a:ea typeface="Arial"/>
+              <a:cs typeface="Arial"/>
+              <a:sym typeface="Arial"/>
+            </a:endParaRPr>
           </a:p>
         </p:txBody>
       </p:sp>
@@ -11586,10 +13258,31 @@
             </a:solidFill>
             <a:prstDash val="solid"/>
             <a:round/>
-            <a:headEnd len="med" w="med" type="none"/>
-            <a:tailEnd len="med" w="med" type="triangle"/>
+            <a:headEnd len="sm" w="sm" type="none"/>
+            <a:tailEnd len="sm" w="sm" type="none"/>
           </a:ln>
         </p:spPr>
+        <p:txBody>
+          <a:bodyPr anchorCtr="0" anchor="ctr" bIns="91425" lIns="91425" spcFirstLastPara="1" rIns="91425" wrap="square" tIns="91425">
+            <a:noAutofit/>
+          </a:bodyPr>
+          <a:lstStyle/>
+          <a:p>
+            <a:pPr indent="0" lvl="0" marL="0" rtl="0" algn="l">
+              <a:spcBef>
+                <a:spcPts val="0"/>
+              </a:spcBef>
+              <a:spcAft>
+                <a:spcPts val="0"/>
+              </a:spcAft>
+              <a:buNone/>
+            </a:pPr>
+            <a:r>
+              <a:t/>
+            </a:r>
+            <a:endParaRPr/>
+          </a:p>
+        </p:txBody>
       </p:sp>
       <p:sp>
         <p:nvSpPr>
@@ -11616,20 +13309,44 @@
           </a:bodyPr>
           <a:lstStyle/>
           <a:p>
-            <a:pPr indent="0" lvl="0" marL="0" rtl="0" algn="l">
-              <a:spcBef>
-                <a:spcPts val="0"/>
-              </a:spcBef>
-              <a:spcAft>
-                <a:spcPts val="0"/>
-              </a:spcAft>
+            <a:pPr indent="0" lvl="0" marL="0" marR="0" rtl="0" algn="l">
+              <a:lnSpc>
+                <a:spcPct val="100000"/>
+              </a:lnSpc>
+              <a:spcBef>
+                <a:spcPts val="0"/>
+              </a:spcBef>
+              <a:spcAft>
+                <a:spcPts val="0"/>
+              </a:spcAft>
+              <a:buClr>
+                <a:srgbClr val="000000"/>
+              </a:buClr>
+              <a:buSzPts val="1000"/>
+              <a:buFont typeface="Arial"/>
               <a:buNone/>
             </a:pPr>
             <a:r>
-              <a:rPr lang="de" sz="1000"/>
+              <a:rPr b="0" i="0" lang="de" sz="1000" u="none" cap="none" strike="noStrike">
+                <a:solidFill>
+                  <a:srgbClr val="000000"/>
+                </a:solidFill>
+                <a:latin typeface="Arial"/>
+                <a:ea typeface="Arial"/>
+                <a:cs typeface="Arial"/>
+                <a:sym typeface="Arial"/>
+              </a:rPr>
               <a:t>return 2 * 1 = 2 </a:t>
             </a:r>
-            <a:endParaRPr sz="1000"/>
+            <a:endParaRPr b="0" i="0" sz="1000" u="none" cap="none" strike="noStrike">
+              <a:solidFill>
+                <a:srgbClr val="000000"/>
+              </a:solidFill>
+              <a:latin typeface="Arial"/>
+              <a:ea typeface="Arial"/>
+              <a:cs typeface="Arial"/>
+              <a:sym typeface="Arial"/>
+            </a:endParaRPr>
           </a:p>
         </p:txBody>
       </p:sp>
@@ -11671,10 +13388,31 @@
             </a:solidFill>
             <a:prstDash val="solid"/>
             <a:round/>
-            <a:headEnd len="med" w="med" type="none"/>
-            <a:tailEnd len="med" w="med" type="triangle"/>
+            <a:headEnd len="sm" w="sm" type="none"/>
+            <a:tailEnd len="sm" w="sm" type="none"/>
           </a:ln>
         </p:spPr>
+        <p:txBody>
+          <a:bodyPr anchorCtr="0" anchor="ctr" bIns="91425" lIns="91425" spcFirstLastPara="1" rIns="91425" wrap="square" tIns="91425">
+            <a:noAutofit/>
+          </a:bodyPr>
+          <a:lstStyle/>
+          <a:p>
+            <a:pPr indent="0" lvl="0" marL="0" rtl="0" algn="l">
+              <a:spcBef>
+                <a:spcPts val="0"/>
+              </a:spcBef>
+              <a:spcAft>
+                <a:spcPts val="0"/>
+              </a:spcAft>
+              <a:buNone/>
+            </a:pPr>
+            <a:r>
+              <a:t/>
+            </a:r>
+            <a:endParaRPr/>
+          </a:p>
+        </p:txBody>
       </p:sp>
       <p:sp>
         <p:nvSpPr>
@@ -11701,20 +13439,44 @@
           </a:bodyPr>
           <a:lstStyle/>
           <a:p>
-            <a:pPr indent="0" lvl="0" marL="0" rtl="0" algn="l">
-              <a:spcBef>
-                <a:spcPts val="0"/>
-              </a:spcBef>
-              <a:spcAft>
-                <a:spcPts val="0"/>
-              </a:spcAft>
+            <a:pPr indent="0" lvl="0" marL="0" marR="0" rtl="0" algn="l">
+              <a:lnSpc>
+                <a:spcPct val="100000"/>
+              </a:lnSpc>
+              <a:spcBef>
+                <a:spcPts val="0"/>
+              </a:spcBef>
+              <a:spcAft>
+                <a:spcPts val="0"/>
+              </a:spcAft>
+              <a:buClr>
+                <a:srgbClr val="000000"/>
+              </a:buClr>
+              <a:buSzPts val="1000"/>
+              <a:buFont typeface="Arial"/>
               <a:buNone/>
             </a:pPr>
             <a:r>
-              <a:rPr lang="de" sz="1000"/>
+              <a:rPr b="0" i="0" lang="de" sz="1000" u="none" cap="none" strike="noStrike">
+                <a:solidFill>
+                  <a:srgbClr val="000000"/>
+                </a:solidFill>
+                <a:latin typeface="Arial"/>
+                <a:ea typeface="Arial"/>
+                <a:cs typeface="Arial"/>
+                <a:sym typeface="Arial"/>
+              </a:rPr>
               <a:t>return 3 * 2 = 6 </a:t>
             </a:r>
-            <a:endParaRPr sz="1000"/>
+            <a:endParaRPr b="0" i="0" sz="1000" u="none" cap="none" strike="noStrike">
+              <a:solidFill>
+                <a:srgbClr val="000000"/>
+              </a:solidFill>
+              <a:latin typeface="Arial"/>
+              <a:ea typeface="Arial"/>
+              <a:cs typeface="Arial"/>
+              <a:sym typeface="Arial"/>
+            </a:endParaRPr>
           </a:p>
         </p:txBody>
       </p:sp>
@@ -11756,10 +13518,31 @@
             </a:solidFill>
             <a:prstDash val="solid"/>
             <a:round/>
-            <a:headEnd len="med" w="med" type="none"/>
-            <a:tailEnd len="med" w="med" type="triangle"/>
+            <a:headEnd len="sm" w="sm" type="none"/>
+            <a:tailEnd len="sm" w="sm" type="none"/>
           </a:ln>
         </p:spPr>
+        <p:txBody>
+          <a:bodyPr anchorCtr="0" anchor="ctr" bIns="91425" lIns="91425" spcFirstLastPara="1" rIns="91425" wrap="square" tIns="91425">
+            <a:noAutofit/>
+          </a:bodyPr>
+          <a:lstStyle/>
+          <a:p>
+            <a:pPr indent="0" lvl="0" marL="0" rtl="0" algn="l">
+              <a:spcBef>
+                <a:spcPts val="0"/>
+              </a:spcBef>
+              <a:spcAft>
+                <a:spcPts val="0"/>
+              </a:spcAft>
+              <a:buNone/>
+            </a:pPr>
+            <a:r>
+              <a:t/>
+            </a:r>
+            <a:endParaRPr/>
+          </a:p>
+        </p:txBody>
       </p:sp>
       <p:sp>
         <p:nvSpPr>
@@ -11786,20 +13569,44 @@
           </a:bodyPr>
           <a:lstStyle/>
           <a:p>
-            <a:pPr indent="0" lvl="0" marL="0" rtl="0" algn="l">
-              <a:spcBef>
-                <a:spcPts val="0"/>
-              </a:spcBef>
-              <a:spcAft>
-                <a:spcPts val="0"/>
-              </a:spcAft>
+            <a:pPr indent="0" lvl="0" marL="0" marR="0" rtl="0" algn="l">
+              <a:lnSpc>
+                <a:spcPct val="100000"/>
+              </a:lnSpc>
+              <a:spcBef>
+                <a:spcPts val="0"/>
+              </a:spcBef>
+              <a:spcAft>
+                <a:spcPts val="0"/>
+              </a:spcAft>
+              <a:buClr>
+                <a:srgbClr val="000000"/>
+              </a:buClr>
+              <a:buSzPts val="1000"/>
+              <a:buFont typeface="Arial"/>
               <a:buNone/>
             </a:pPr>
             <a:r>
-              <a:rPr lang="de" sz="1000"/>
+              <a:rPr b="0" i="0" lang="de" sz="1000" u="none" cap="none" strike="noStrike">
+                <a:solidFill>
+                  <a:srgbClr val="000000"/>
+                </a:solidFill>
+                <a:latin typeface="Arial"/>
+                <a:ea typeface="Arial"/>
+                <a:cs typeface="Arial"/>
+                <a:sym typeface="Arial"/>
+              </a:rPr>
               <a:t>return 4 * 6 = 24</a:t>
             </a:r>
-            <a:endParaRPr sz="1000"/>
+            <a:endParaRPr b="0" i="0" sz="1000" u="none" cap="none" strike="noStrike">
+              <a:solidFill>
+                <a:srgbClr val="000000"/>
+              </a:solidFill>
+              <a:latin typeface="Arial"/>
+              <a:ea typeface="Arial"/>
+              <a:cs typeface="Arial"/>
+              <a:sym typeface="Arial"/>
+            </a:endParaRPr>
           </a:p>
         </p:txBody>
       </p:sp>
@@ -11828,20 +13635,44 @@
           </a:bodyPr>
           <a:lstStyle/>
           <a:p>
-            <a:pPr indent="0" lvl="0" marL="0" rtl="0" algn="l">
-              <a:spcBef>
-                <a:spcPts val="0"/>
-              </a:spcBef>
-              <a:spcAft>
-                <a:spcPts val="0"/>
-              </a:spcAft>
+            <a:pPr indent="0" lvl="0" marL="0" marR="0" rtl="0" algn="l">
+              <a:lnSpc>
+                <a:spcPct val="100000"/>
+              </a:lnSpc>
+              <a:spcBef>
+                <a:spcPts val="0"/>
+              </a:spcBef>
+              <a:spcAft>
+                <a:spcPts val="0"/>
+              </a:spcAft>
+              <a:buClr>
+                <a:srgbClr val="000000"/>
+              </a:buClr>
+              <a:buSzPts val="1000"/>
+              <a:buFont typeface="Arial"/>
               <a:buNone/>
             </a:pPr>
             <a:r>
-              <a:rPr lang="de" sz="1000"/>
+              <a:rPr b="0" i="0" lang="de" sz="1000" u="none" cap="none" strike="noStrike">
+                <a:solidFill>
+                  <a:srgbClr val="000000"/>
+                </a:solidFill>
+                <a:latin typeface="Arial"/>
+                <a:ea typeface="Arial"/>
+                <a:cs typeface="Arial"/>
+                <a:sym typeface="Arial"/>
+              </a:rPr>
               <a:t>return 5 * 24 = 120</a:t>
             </a:r>
-            <a:endParaRPr sz="1000"/>
+            <a:endParaRPr b="0" i="0" sz="1000" u="none" cap="none" strike="noStrike">
+              <a:solidFill>
+                <a:srgbClr val="000000"/>
+              </a:solidFill>
+              <a:latin typeface="Arial"/>
+              <a:ea typeface="Arial"/>
+              <a:cs typeface="Arial"/>
+              <a:sym typeface="Arial"/>
+            </a:endParaRPr>
           </a:p>
         </p:txBody>
       </p:sp>
@@ -11886,6 +13717,10 @@
           <a:prstGeom prst="rect">
             <a:avLst/>
           </a:prstGeom>
+          <a:noFill/>
+          <a:ln>
+            <a:noFill/>
+          </a:ln>
         </p:spPr>
         <p:txBody>
           <a:bodyPr anchorCtr="0" anchor="b" bIns="0" lIns="0" spcFirstLastPara="1" rIns="0" wrap="square" tIns="0">
@@ -11894,12 +13729,16 @@
           <a:lstStyle/>
           <a:p>
             <a:pPr indent="0" lvl="0" marL="0" rtl="0" algn="l">
-              <a:spcBef>
-                <a:spcPts val="0"/>
-              </a:spcBef>
-              <a:spcAft>
-                <a:spcPts val="0"/>
-              </a:spcAft>
+              <a:lnSpc>
+                <a:spcPct val="100000"/>
+              </a:lnSpc>
+              <a:spcBef>
+                <a:spcPts val="0"/>
+              </a:spcBef>
+              <a:spcAft>
+                <a:spcPts val="0"/>
+              </a:spcAft>
+              <a:buSzPts val="1400"/>
               <a:buNone/>
             </a:pPr>
             <a:r>
@@ -11926,6 +13765,10 @@
           <a:prstGeom prst="rect">
             <a:avLst/>
           </a:prstGeom>
+          <a:noFill/>
+          <a:ln>
+            <a:noFill/>
+          </a:ln>
         </p:spPr>
         <p:txBody>
           <a:bodyPr anchorCtr="0" anchor="t" bIns="0" lIns="0" spcFirstLastPara="1" rIns="0" wrap="square" tIns="0">
@@ -11933,36 +13776,84 @@
           </a:bodyPr>
           <a:lstStyle/>
           <a:p>
-            <a:pPr indent="0" lvl="0" marL="0" rtl="0" algn="l">
+            <a:pPr indent="0" lvl="0" marL="0" marR="0" rtl="0" algn="l">
+              <a:lnSpc>
+                <a:spcPct val="100000"/>
+              </a:lnSpc>
               <a:spcBef>
                 <a:spcPts val="320"/>
               </a:spcBef>
               <a:spcAft>
                 <a:spcPts val="0"/>
               </a:spcAft>
+              <a:buClr>
+                <a:srgbClr val="000000"/>
+              </a:buClr>
+              <a:buSzPts val="1400"/>
+              <a:buFont typeface="Arial"/>
               <a:buNone/>
             </a:pPr>
             <a:r>
-              <a:rPr lang="de"/>
+              <a:rPr b="0" i="0" lang="de" sz="1600" u="none" cap="none" strike="noStrike">
+                <a:solidFill>
+                  <a:schemeClr val="dk1"/>
+                </a:solidFill>
+                <a:latin typeface="Arial"/>
+                <a:ea typeface="Arial"/>
+                <a:cs typeface="Arial"/>
+                <a:sym typeface="Arial"/>
+              </a:rPr>
               <a:t>Was machen diese beiden Funktionen? </a:t>
             </a:r>
-            <a:endParaRPr/>
+            <a:endParaRPr b="0" i="0" sz="1600" u="none" cap="none" strike="noStrike">
+              <a:solidFill>
+                <a:schemeClr val="dk1"/>
+              </a:solidFill>
+              <a:latin typeface="Arial"/>
+              <a:ea typeface="Arial"/>
+              <a:cs typeface="Arial"/>
+              <a:sym typeface="Arial"/>
+            </a:endParaRPr>
           </a:p>
           <a:p>
-            <a:pPr indent="0" lvl="0" marL="0" rtl="0" algn="l">
+            <a:pPr indent="0" lvl="0" marL="0" marR="0" rtl="0" algn="l">
+              <a:lnSpc>
+                <a:spcPct val="100000"/>
+              </a:lnSpc>
               <a:spcBef>
                 <a:spcPts val="320"/>
               </a:spcBef>
               <a:spcAft>
                 <a:spcPts val="0"/>
               </a:spcAft>
+              <a:buClr>
+                <a:srgbClr val="000000"/>
+              </a:buClr>
+              <a:buSzPts val="1400"/>
+              <a:buFont typeface="Arial"/>
               <a:buNone/>
             </a:pPr>
             <a:r>
-              <a:rPr lang="de"/>
+              <a:rPr b="0" i="0" lang="de" sz="1600" u="none" cap="none" strike="noStrike">
+                <a:solidFill>
+                  <a:schemeClr val="dk1"/>
+                </a:solidFill>
+                <a:latin typeface="Arial"/>
+                <a:ea typeface="Arial"/>
+                <a:cs typeface="Arial"/>
+                <a:sym typeface="Arial"/>
+              </a:rPr>
               <a:t>Was unterscheidet sie?</a:t>
             </a:r>
-            <a:endParaRPr/>
+            <a:endParaRPr b="0" i="0" sz="1600" u="none" cap="none" strike="noStrike">
+              <a:solidFill>
+                <a:schemeClr val="dk1"/>
+              </a:solidFill>
+              <a:latin typeface="Arial"/>
+              <a:ea typeface="Arial"/>
+              <a:cs typeface="Arial"/>
+              <a:sym typeface="Arial"/>
+            </a:endParaRPr>
           </a:p>
         </p:txBody>
       </p:sp>
@@ -11972,13 +13863,12 @@
           <p:cNvPicPr preferRelativeResize="0"/>
           <p:nvPr/>
         </p:nvPicPr>
-        <p:blipFill>
+        <p:blipFill rotWithShape="1">
           <a:blip r:embed="rId3">
             <a:alphaModFix/>
           </a:blip>
-          <a:stretch>
-            <a:fillRect/>
-          </a:stretch>
+          <a:srcRect b="0" l="0" r="0" t="0"/>
+          <a:stretch/>
         </p:blipFill>
         <p:spPr>
           <a:xfrm>
@@ -12000,13 +13890,12 @@
           <p:cNvPicPr preferRelativeResize="0"/>
           <p:nvPr/>
         </p:nvPicPr>
-        <p:blipFill>
+        <p:blipFill rotWithShape="1">
           <a:blip r:embed="rId4">
             <a:alphaModFix/>
           </a:blip>
-          <a:stretch>
-            <a:fillRect/>
-          </a:stretch>
+          <a:srcRect b="0" l="0" r="0" t="0"/>
+          <a:stretch/>
         </p:blipFill>
         <p:spPr>
           <a:xfrm>
@@ -12063,6 +13952,10 @@
           <a:prstGeom prst="rect">
             <a:avLst/>
           </a:prstGeom>
+          <a:noFill/>
+          <a:ln>
+            <a:noFill/>
+          </a:ln>
         </p:spPr>
         <p:txBody>
           <a:bodyPr anchorCtr="0" anchor="b" bIns="0" lIns="0" spcFirstLastPara="1" rIns="0" wrap="square" tIns="0">
@@ -12071,12 +13964,16 @@
           <a:lstStyle/>
           <a:p>
             <a:pPr indent="0" lvl="0" marL="0" rtl="0" algn="l">
-              <a:spcBef>
-                <a:spcPts val="0"/>
-              </a:spcBef>
-              <a:spcAft>
-                <a:spcPts val="0"/>
-              </a:spcAft>
+              <a:lnSpc>
+                <a:spcPct val="100000"/>
+              </a:lnSpc>
+              <a:spcBef>
+                <a:spcPts val="0"/>
+              </a:spcBef>
+              <a:spcAft>
+                <a:spcPts val="0"/>
+              </a:spcAft>
+              <a:buSzPts val="1400"/>
               <a:buNone/>
             </a:pPr>
             <a:r>
@@ -12103,6 +14000,10 @@
           <a:prstGeom prst="rect">
             <a:avLst/>
           </a:prstGeom>
+          <a:noFill/>
+          <a:ln>
+            <a:noFill/>
+          </a:ln>
         </p:spPr>
         <p:txBody>
           <a:bodyPr anchorCtr="0" anchor="t" bIns="0" lIns="0" spcFirstLastPara="1" rIns="0" wrap="square" tIns="0">
@@ -12110,195 +14011,475 @@
           </a:bodyPr>
           <a:lstStyle/>
           <a:p>
-            <a:pPr indent="0" lvl="0" marL="0" rtl="0" algn="l">
+            <a:pPr indent="0" lvl="0" marL="0" marR="0" rtl="0" algn="l">
+              <a:lnSpc>
+                <a:spcPct val="100000"/>
+              </a:lnSpc>
               <a:spcBef>
                 <a:spcPts val="320"/>
               </a:spcBef>
               <a:spcAft>
                 <a:spcPts val="0"/>
               </a:spcAft>
+              <a:buClr>
+                <a:srgbClr val="000000"/>
+              </a:buClr>
+              <a:buSzPts val="1400"/>
+              <a:buFont typeface="Arial"/>
               <a:buNone/>
             </a:pPr>
             <a:r>
-              <a:rPr lang="de"/>
+              <a:rPr b="0" i="0" lang="de" sz="1600" u="none" cap="none" strike="noStrike">
+                <a:solidFill>
+                  <a:schemeClr val="dk1"/>
+                </a:solidFill>
+                <a:latin typeface="Arial"/>
+                <a:ea typeface="Arial"/>
+                <a:cs typeface="Arial"/>
+                <a:sym typeface="Arial"/>
+              </a:rPr>
               <a:t>Da die Umsetzung hiervon in Java mehr “drumherum” benötigt, hier eine rekursive Funktion als Pseudocode:</a:t>
             </a:r>
-            <a:endParaRPr/>
+            <a:endParaRPr b="0" i="0" sz="1600" u="none" cap="none" strike="noStrike">
+              <a:solidFill>
+                <a:schemeClr val="dk1"/>
+              </a:solidFill>
+              <a:latin typeface="Arial"/>
+              <a:ea typeface="Arial"/>
+              <a:cs typeface="Arial"/>
+              <a:sym typeface="Arial"/>
+            </a:endParaRPr>
           </a:p>
           <a:p>
-            <a:pPr indent="0" lvl="0" marL="0" rtl="0" algn="l">
+            <a:pPr indent="0" lvl="0" marL="0" marR="0" rtl="0" algn="l">
+              <a:lnSpc>
+                <a:spcPct val="100000"/>
+              </a:lnSpc>
               <a:spcBef>
                 <a:spcPts val="320"/>
               </a:spcBef>
               <a:spcAft>
                 <a:spcPts val="0"/>
               </a:spcAft>
+              <a:buClr>
+                <a:srgbClr val="000000"/>
+              </a:buClr>
+              <a:buSzPts val="1400"/>
+              <a:buFont typeface="Arial"/>
               <a:buNone/>
             </a:pPr>
             <a:r>
               <a:t/>
             </a:r>
-            <a:endParaRPr/>
+            <a:endParaRPr b="0" i="0" sz="1600" u="none" cap="none" strike="noStrike">
+              <a:solidFill>
+                <a:schemeClr val="dk1"/>
+              </a:solidFill>
+              <a:latin typeface="Arial"/>
+              <a:ea typeface="Arial"/>
+              <a:cs typeface="Arial"/>
+              <a:sym typeface="Arial"/>
+            </a:endParaRPr>
           </a:p>
           <a:p>
-            <a:pPr indent="0" lvl="0" marL="0" rtl="0" algn="l">
+            <a:pPr indent="0" lvl="0" marL="0" marR="0" rtl="0" algn="l">
+              <a:lnSpc>
+                <a:spcPct val="100000"/>
+              </a:lnSpc>
               <a:spcBef>
                 <a:spcPts val="320"/>
               </a:spcBef>
               <a:spcAft>
                 <a:spcPts val="0"/>
               </a:spcAft>
+              <a:buClr>
+                <a:srgbClr val="000000"/>
+              </a:buClr>
+              <a:buSzPts val="1400"/>
+              <a:buFont typeface="Arial"/>
               <a:buNone/>
             </a:pPr>
             <a:r>
-              <a:rPr lang="de"/>
+              <a:rPr b="0" i="0" lang="de" sz="1600" u="none" cap="none" strike="noStrike">
+                <a:solidFill>
+                  <a:schemeClr val="dk1"/>
+                </a:solidFill>
+                <a:latin typeface="Arial"/>
+                <a:ea typeface="Arial"/>
+                <a:cs typeface="Arial"/>
+                <a:sym typeface="Arial"/>
+              </a:rPr>
               <a:t>function READ_DIRECTORY(directory)</a:t>
             </a:r>
-            <a:endParaRPr/>
+            <a:endParaRPr b="0" i="0" sz="1600" u="none" cap="none" strike="noStrike">
+              <a:solidFill>
+                <a:schemeClr val="dk1"/>
+              </a:solidFill>
+              <a:latin typeface="Arial"/>
+              <a:ea typeface="Arial"/>
+              <a:cs typeface="Arial"/>
+              <a:sym typeface="Arial"/>
+            </a:endParaRPr>
           </a:p>
           <a:p>
-            <a:pPr indent="0" lvl="0" marL="0" rtl="0" algn="l">
+            <a:pPr indent="0" lvl="0" marL="0" marR="0" rtl="0" algn="l">
+              <a:lnSpc>
+                <a:spcPct val="100000"/>
+              </a:lnSpc>
               <a:spcBef>
                 <a:spcPts val="320"/>
               </a:spcBef>
               <a:spcAft>
                 <a:spcPts val="0"/>
               </a:spcAft>
+              <a:buClr>
+                <a:srgbClr val="000000"/>
+              </a:buClr>
+              <a:buSzPts val="1400"/>
+              <a:buFont typeface="Arial"/>
               <a:buNone/>
             </a:pPr>
             <a:r>
-              <a:rPr lang="de"/>
+              <a:rPr b="0" i="0" lang="de" sz="1600" u="none" cap="none" strike="noStrike">
+                <a:solidFill>
+                  <a:schemeClr val="dk1"/>
+                </a:solidFill>
+                <a:latin typeface="Arial"/>
+                <a:ea typeface="Arial"/>
+                <a:cs typeface="Arial"/>
+                <a:sym typeface="Arial"/>
+              </a:rPr>
               <a:t>	for element in directory</a:t>
             </a:r>
-            <a:endParaRPr/>
+            <a:endParaRPr b="0" i="0" sz="1600" u="none" cap="none" strike="noStrike">
+              <a:solidFill>
+                <a:schemeClr val="dk1"/>
+              </a:solidFill>
+              <a:latin typeface="Arial"/>
+              <a:ea typeface="Arial"/>
+              <a:cs typeface="Arial"/>
+              <a:sym typeface="Arial"/>
+            </a:endParaRPr>
           </a:p>
           <a:p>
-            <a:pPr indent="0" lvl="0" marL="0" rtl="0" algn="l">
+            <a:pPr indent="0" lvl="0" marL="0" marR="0" rtl="0" algn="l">
+              <a:lnSpc>
+                <a:spcPct val="100000"/>
+              </a:lnSpc>
               <a:spcBef>
                 <a:spcPts val="320"/>
               </a:spcBef>
               <a:spcAft>
                 <a:spcPts val="0"/>
               </a:spcAft>
+              <a:buClr>
+                <a:srgbClr val="000000"/>
+              </a:buClr>
+              <a:buSzPts val="1400"/>
+              <a:buFont typeface="Arial"/>
               <a:buNone/>
             </a:pPr>
             <a:r>
-              <a:rPr lang="de"/>
+              <a:rPr b="0" i="0" lang="de" sz="1600" u="none" cap="none" strike="noStrike">
+                <a:solidFill>
+                  <a:schemeClr val="dk1"/>
+                </a:solidFill>
+                <a:latin typeface="Arial"/>
+                <a:ea typeface="Arial"/>
+                <a:cs typeface="Arial"/>
+                <a:sym typeface="Arial"/>
+              </a:rPr>
               <a:t>		if element is directory</a:t>
             </a:r>
-            <a:endParaRPr/>
+            <a:endParaRPr b="0" i="0" sz="1600" u="none" cap="none" strike="noStrike">
+              <a:solidFill>
+                <a:schemeClr val="dk1"/>
+              </a:solidFill>
+              <a:latin typeface="Arial"/>
+              <a:ea typeface="Arial"/>
+              <a:cs typeface="Arial"/>
+              <a:sym typeface="Arial"/>
+            </a:endParaRPr>
           </a:p>
           <a:p>
-            <a:pPr indent="0" lvl="0" marL="0" rtl="0" algn="l">
+            <a:pPr indent="0" lvl="0" marL="0" marR="0" rtl="0" algn="l">
+              <a:lnSpc>
+                <a:spcPct val="100000"/>
+              </a:lnSpc>
               <a:spcBef>
                 <a:spcPts val="320"/>
               </a:spcBef>
               <a:spcAft>
                 <a:spcPts val="0"/>
               </a:spcAft>
+              <a:buClr>
+                <a:srgbClr val="000000"/>
+              </a:buClr>
+              <a:buSzPts val="1400"/>
+              <a:buFont typeface="Arial"/>
               <a:buNone/>
             </a:pPr>
             <a:r>
-              <a:rPr lang="de"/>
+              <a:rPr b="0" i="0" lang="de" sz="1600" u="none" cap="none" strike="noStrike">
+                <a:solidFill>
+                  <a:schemeClr val="dk1"/>
+                </a:solidFill>
+                <a:latin typeface="Arial"/>
+                <a:ea typeface="Arial"/>
+                <a:cs typeface="Arial"/>
+                <a:sym typeface="Arial"/>
+              </a:rPr>
               <a:t>			READ_DIRECTORY(element)</a:t>
             </a:r>
-            <a:endParaRPr/>
+            <a:endParaRPr b="0" i="0" sz="1600" u="none" cap="none" strike="noStrike">
+              <a:solidFill>
+                <a:schemeClr val="dk1"/>
+              </a:solidFill>
+              <a:latin typeface="Arial"/>
+              <a:ea typeface="Arial"/>
+              <a:cs typeface="Arial"/>
+              <a:sym typeface="Arial"/>
+            </a:endParaRPr>
           </a:p>
           <a:p>
-            <a:pPr indent="0" lvl="0" marL="0" rtl="0" algn="l">
+            <a:pPr indent="0" lvl="0" marL="0" marR="0" rtl="0" algn="l">
+              <a:lnSpc>
+                <a:spcPct val="100000"/>
+              </a:lnSpc>
               <a:spcBef>
                 <a:spcPts val="320"/>
               </a:spcBef>
               <a:spcAft>
                 <a:spcPts val="0"/>
               </a:spcAft>
+              <a:buClr>
+                <a:srgbClr val="000000"/>
+              </a:buClr>
+              <a:buSzPts val="1400"/>
+              <a:buFont typeface="Arial"/>
               <a:buNone/>
             </a:pPr>
             <a:r>
-              <a:rPr lang="de"/>
+              <a:rPr b="0" i="0" lang="de" sz="1600" u="none" cap="none" strike="noStrike">
+                <a:solidFill>
+                  <a:schemeClr val="dk1"/>
+                </a:solidFill>
+                <a:latin typeface="Arial"/>
+                <a:ea typeface="Arial"/>
+                <a:cs typeface="Arial"/>
+                <a:sym typeface="Arial"/>
+              </a:rPr>
               <a:t>		else</a:t>
             </a:r>
-            <a:endParaRPr/>
+            <a:endParaRPr b="0" i="0" sz="1600" u="none" cap="none" strike="noStrike">
+              <a:solidFill>
+                <a:schemeClr val="dk1"/>
+              </a:solidFill>
+              <a:latin typeface="Arial"/>
+              <a:ea typeface="Arial"/>
+              <a:cs typeface="Arial"/>
+              <a:sym typeface="Arial"/>
+            </a:endParaRPr>
           </a:p>
           <a:p>
-            <a:pPr indent="0" lvl="0" marL="0" rtl="0" algn="l">
+            <a:pPr indent="0" lvl="0" marL="0" marR="0" rtl="0" algn="l">
+              <a:lnSpc>
+                <a:spcPct val="100000"/>
+              </a:lnSpc>
               <a:spcBef>
                 <a:spcPts val="320"/>
               </a:spcBef>
               <a:spcAft>
                 <a:spcPts val="0"/>
               </a:spcAft>
+              <a:buClr>
+                <a:srgbClr val="000000"/>
+              </a:buClr>
+              <a:buSzPts val="1400"/>
+              <a:buFont typeface="Arial"/>
               <a:buNone/>
             </a:pPr>
             <a:r>
-              <a:rPr lang="de"/>
+              <a:rPr b="0" i="0" lang="de" sz="1600" u="none" cap="none" strike="noStrike">
+                <a:solidFill>
+                  <a:schemeClr val="dk1"/>
+                </a:solidFill>
+                <a:latin typeface="Arial"/>
+                <a:ea typeface="Arial"/>
+                <a:cs typeface="Arial"/>
+                <a:sym typeface="Arial"/>
+              </a:rPr>
               <a:t>			read file</a:t>
             </a:r>
-            <a:endParaRPr/>
+            <a:endParaRPr b="0" i="0" sz="1600" u="none" cap="none" strike="noStrike">
+              <a:solidFill>
+                <a:schemeClr val="dk1"/>
+              </a:solidFill>
+              <a:latin typeface="Arial"/>
+              <a:ea typeface="Arial"/>
+              <a:cs typeface="Arial"/>
+              <a:sym typeface="Arial"/>
+            </a:endParaRPr>
           </a:p>
           <a:p>
-            <a:pPr indent="0" lvl="0" marL="0" rtl="0" algn="l">
+            <a:pPr indent="0" lvl="0" marL="0" marR="0" rtl="0" algn="l">
+              <a:lnSpc>
+                <a:spcPct val="100000"/>
+              </a:lnSpc>
               <a:spcBef>
                 <a:spcPts val="320"/>
               </a:spcBef>
               <a:spcAft>
                 <a:spcPts val="0"/>
               </a:spcAft>
+              <a:buClr>
+                <a:srgbClr val="000000"/>
+              </a:buClr>
+              <a:buSzPts val="1400"/>
+              <a:buFont typeface="Arial"/>
               <a:buNone/>
             </a:pPr>
             <a:r>
-              <a:rPr lang="de"/>
+              <a:rPr b="0" i="0" lang="de" sz="1600" u="none" cap="none" strike="noStrike">
+                <a:solidFill>
+                  <a:schemeClr val="dk1"/>
+                </a:solidFill>
+                <a:latin typeface="Arial"/>
+                <a:ea typeface="Arial"/>
+                <a:cs typeface="Arial"/>
+                <a:sym typeface="Arial"/>
+              </a:rPr>
               <a:t>		end if</a:t>
             </a:r>
-            <a:endParaRPr/>
+            <a:endParaRPr b="0" i="0" sz="1600" u="none" cap="none" strike="noStrike">
+              <a:solidFill>
+                <a:schemeClr val="dk1"/>
+              </a:solidFill>
+              <a:latin typeface="Arial"/>
+              <a:ea typeface="Arial"/>
+              <a:cs typeface="Arial"/>
+              <a:sym typeface="Arial"/>
+            </a:endParaRPr>
           </a:p>
           <a:p>
-            <a:pPr indent="0" lvl="0" marL="0" rtl="0" algn="l">
+            <a:pPr indent="0" lvl="0" marL="0" marR="0" rtl="0" algn="l">
+              <a:lnSpc>
+                <a:spcPct val="100000"/>
+              </a:lnSpc>
               <a:spcBef>
                 <a:spcPts val="320"/>
               </a:spcBef>
               <a:spcAft>
                 <a:spcPts val="0"/>
               </a:spcAft>
+              <a:buClr>
+                <a:srgbClr val="000000"/>
+              </a:buClr>
+              <a:buSzPts val="1400"/>
+              <a:buFont typeface="Arial"/>
               <a:buNone/>
             </a:pPr>
             <a:r>
-              <a:rPr lang="de"/>
+              <a:rPr b="0" i="0" lang="de" sz="1600" u="none" cap="none" strike="noStrike">
+                <a:solidFill>
+                  <a:schemeClr val="dk1"/>
+                </a:solidFill>
+                <a:latin typeface="Arial"/>
+                <a:ea typeface="Arial"/>
+                <a:cs typeface="Arial"/>
+                <a:sym typeface="Arial"/>
+              </a:rPr>
               <a:t>	end for</a:t>
             </a:r>
-            <a:endParaRPr/>
+            <a:endParaRPr b="0" i="0" sz="1600" u="none" cap="none" strike="noStrike">
+              <a:solidFill>
+                <a:schemeClr val="dk1"/>
+              </a:solidFill>
+              <a:latin typeface="Arial"/>
+              <a:ea typeface="Arial"/>
+              <a:cs typeface="Arial"/>
+              <a:sym typeface="Arial"/>
+            </a:endParaRPr>
           </a:p>
           <a:p>
-            <a:pPr indent="0" lvl="0" marL="0" rtl="0" algn="l">
+            <a:pPr indent="0" lvl="0" marL="0" marR="0" rtl="0" algn="l">
+              <a:lnSpc>
+                <a:spcPct val="100000"/>
+              </a:lnSpc>
               <a:spcBef>
                 <a:spcPts val="320"/>
               </a:spcBef>
               <a:spcAft>
                 <a:spcPts val="0"/>
               </a:spcAft>
+              <a:buClr>
+                <a:srgbClr val="000000"/>
+              </a:buClr>
+              <a:buSzPts val="1400"/>
+              <a:buFont typeface="Arial"/>
               <a:buNone/>
             </a:pPr>
             <a:r>
-              <a:rPr lang="de"/>
+              <a:rPr b="0" i="0" lang="de" sz="1600" u="none" cap="none" strike="noStrike">
+                <a:solidFill>
+                  <a:schemeClr val="dk1"/>
+                </a:solidFill>
+                <a:latin typeface="Arial"/>
+                <a:ea typeface="Arial"/>
+                <a:cs typeface="Arial"/>
+                <a:sym typeface="Arial"/>
+              </a:rPr>
               <a:t>end function</a:t>
             </a:r>
-            <a:endParaRPr/>
+            <a:endParaRPr b="0" i="0" sz="1600" u="none" cap="none" strike="noStrike">
+              <a:solidFill>
+                <a:schemeClr val="dk1"/>
+              </a:solidFill>
+              <a:latin typeface="Arial"/>
+              <a:ea typeface="Arial"/>
+              <a:cs typeface="Arial"/>
+              <a:sym typeface="Arial"/>
+            </a:endParaRPr>
           </a:p>
           <a:p>
-            <a:pPr indent="0" lvl="0" marL="0" rtl="0" algn="l">
+            <a:pPr indent="0" lvl="0" marL="0" marR="0" rtl="0" algn="l">
+              <a:lnSpc>
+                <a:spcPct val="100000"/>
+              </a:lnSpc>
               <a:spcBef>
                 <a:spcPts val="320"/>
               </a:spcBef>
               <a:spcAft>
                 <a:spcPts val="0"/>
               </a:spcAft>
+              <a:buClr>
+                <a:srgbClr val="000000"/>
+              </a:buClr>
+              <a:buSzPts val="1400"/>
+              <a:buFont typeface="Arial"/>
               <a:buNone/>
             </a:pPr>
             <a:r>
-              <a:rPr lang="de"/>
+              <a:rPr b="0" i="0" lang="de" sz="1600" u="none" cap="none" strike="noStrike">
+                <a:solidFill>
+                  <a:schemeClr val="dk1"/>
+                </a:solidFill>
+                <a:latin typeface="Arial"/>
+                <a:ea typeface="Arial"/>
+                <a:cs typeface="Arial"/>
+                <a:sym typeface="Arial"/>
+              </a:rPr>
               <a:t>	</a:t>
             </a:r>
-            <a:endParaRPr/>
+            <a:endParaRPr b="0" i="0" sz="1600" u="none" cap="none" strike="noStrike">
+              <a:solidFill>
+                <a:schemeClr val="dk1"/>
+              </a:solidFill>
+              <a:latin typeface="Arial"/>
+              <a:ea typeface="Arial"/>
+              <a:cs typeface="Arial"/>
+              <a:sym typeface="Arial"/>
+            </a:endParaRPr>
           </a:p>
         </p:txBody>
       </p:sp>
@@ -12343,6 +14524,10 @@
           <a:prstGeom prst="rect">
             <a:avLst/>
           </a:prstGeom>
+          <a:noFill/>
+          <a:ln>
+            <a:noFill/>
+          </a:ln>
         </p:spPr>
         <p:txBody>
           <a:bodyPr anchorCtr="0" anchor="b" bIns="0" lIns="0" spcFirstLastPara="1" rIns="0" wrap="square" tIns="0">
@@ -12351,12 +14536,16 @@
           <a:lstStyle/>
           <a:p>
             <a:pPr indent="0" lvl="0" marL="0" rtl="0" algn="l">
-              <a:spcBef>
-                <a:spcPts val="0"/>
-              </a:spcBef>
-              <a:spcAft>
-                <a:spcPts val="0"/>
-              </a:spcAft>
+              <a:lnSpc>
+                <a:spcPct val="100000"/>
+              </a:lnSpc>
+              <a:spcBef>
+                <a:spcPts val="0"/>
+              </a:spcBef>
+              <a:spcAft>
+                <a:spcPts val="0"/>
+              </a:spcAft>
+              <a:buSzPts val="1400"/>
               <a:buNone/>
             </a:pPr>
             <a:r>
@@ -12383,6 +14572,10 @@
           <a:prstGeom prst="rect">
             <a:avLst/>
           </a:prstGeom>
+          <a:noFill/>
+          <a:ln>
+            <a:noFill/>
+          </a:ln>
         </p:spPr>
         <p:txBody>
           <a:bodyPr anchorCtr="0" anchor="t" bIns="0" lIns="0" spcFirstLastPara="1" rIns="0" wrap="square" tIns="0">
@@ -12390,7 +14583,10 @@
           </a:bodyPr>
           <a:lstStyle/>
           <a:p>
-            <a:pPr indent="0" lvl="0" marL="0" rtl="0" algn="ctr">
+            <a:pPr indent="0" lvl="0" marL="0" marR="0" rtl="0" algn="ctr">
+              <a:lnSpc>
+                <a:spcPct val="100000"/>
+              </a:lnSpc>
               <a:spcBef>
                 <a:spcPts val="320"/>
               </a:spcBef>
@@ -12407,10 +14603,21 @@
             <a:r>
               <a:t/>
             </a:r>
-            <a:endParaRPr/>
+            <a:endParaRPr b="0" i="0" sz="1600" u="none" cap="none" strike="noStrike">
+              <a:solidFill>
+                <a:schemeClr val="dk1"/>
+              </a:solidFill>
+              <a:latin typeface="Arial"/>
+              <a:ea typeface="Arial"/>
+              <a:cs typeface="Arial"/>
+              <a:sym typeface="Arial"/>
+            </a:endParaRPr>
           </a:p>
           <a:p>
-            <a:pPr indent="0" lvl="0" marL="0" rtl="0" algn="ctr">
+            <a:pPr indent="0" lvl="0" marL="0" marR="0" rtl="0" algn="ctr">
+              <a:lnSpc>
+                <a:spcPct val="100000"/>
+              </a:lnSpc>
               <a:spcBef>
                 <a:spcPts val="320"/>
               </a:spcBef>
@@ -12427,10 +14634,21 @@
             <a:r>
               <a:t/>
             </a:r>
-            <a:endParaRPr/>
+            <a:endParaRPr b="0" i="0" sz="1600" u="none" cap="none" strike="noStrike">
+              <a:solidFill>
+                <a:schemeClr val="dk1"/>
+              </a:solidFill>
+              <a:latin typeface="Arial"/>
+              <a:ea typeface="Arial"/>
+              <a:cs typeface="Arial"/>
+              <a:sym typeface="Arial"/>
+            </a:endParaRPr>
           </a:p>
           <a:p>
-            <a:pPr indent="0" lvl="0" marL="0" rtl="0" algn="ctr">
+            <a:pPr indent="0" lvl="0" marL="0" marR="0" rtl="0" algn="ctr">
+              <a:lnSpc>
+                <a:spcPct val="100000"/>
+              </a:lnSpc>
               <a:spcBef>
                 <a:spcPts val="320"/>
               </a:spcBef>
@@ -12447,10 +14665,21 @@
             <a:r>
               <a:t/>
             </a:r>
-            <a:endParaRPr/>
+            <a:endParaRPr b="0" i="0" sz="1600" u="none" cap="none" strike="noStrike">
+              <a:solidFill>
+                <a:schemeClr val="dk1"/>
+              </a:solidFill>
+              <a:latin typeface="Arial"/>
+              <a:ea typeface="Arial"/>
+              <a:cs typeface="Arial"/>
+              <a:sym typeface="Arial"/>
+            </a:endParaRPr>
           </a:p>
           <a:p>
-            <a:pPr indent="0" lvl="0" marL="0" rtl="0" algn="ctr">
+            <a:pPr indent="0" lvl="0" marL="0" marR="0" rtl="0" algn="ctr">
+              <a:lnSpc>
+                <a:spcPct val="100000"/>
+              </a:lnSpc>
               <a:spcBef>
                 <a:spcPts val="320"/>
               </a:spcBef>
@@ -12467,10 +14696,21 @@
             <a:r>
               <a:t/>
             </a:r>
-            <a:endParaRPr/>
+            <a:endParaRPr b="0" i="0" sz="1600" u="none" cap="none" strike="noStrike">
+              <a:solidFill>
+                <a:schemeClr val="dk1"/>
+              </a:solidFill>
+              <a:latin typeface="Arial"/>
+              <a:ea typeface="Arial"/>
+              <a:cs typeface="Arial"/>
+              <a:sym typeface="Arial"/>
+            </a:endParaRPr>
           </a:p>
           <a:p>
-            <a:pPr indent="0" lvl="0" marL="0" rtl="0" algn="ctr">
+            <a:pPr indent="0" lvl="0" marL="0" marR="0" rtl="0" algn="ctr">
+              <a:lnSpc>
+                <a:spcPct val="100000"/>
+              </a:lnSpc>
               <a:spcBef>
                 <a:spcPts val="320"/>
               </a:spcBef>
@@ -12487,10 +14727,21 @@
             <a:r>
               <a:t/>
             </a:r>
-            <a:endParaRPr/>
+            <a:endParaRPr b="0" i="0" sz="1600" u="none" cap="none" strike="noStrike">
+              <a:solidFill>
+                <a:schemeClr val="dk1"/>
+              </a:solidFill>
+              <a:latin typeface="Arial"/>
+              <a:ea typeface="Arial"/>
+              <a:cs typeface="Arial"/>
+              <a:sym typeface="Arial"/>
+            </a:endParaRPr>
           </a:p>
           <a:p>
-            <a:pPr indent="0" lvl="0" marL="0" rtl="0" algn="ctr">
+            <a:pPr indent="0" lvl="0" marL="0" marR="0" rtl="0" algn="ctr">
+              <a:lnSpc>
+                <a:spcPct val="100000"/>
+              </a:lnSpc>
               <a:spcBef>
                 <a:spcPts val="320"/>
               </a:spcBef>
@@ -12507,23 +14758,55 @@
             <a:r>
               <a:t/>
             </a:r>
-            <a:endParaRPr/>
+            <a:endParaRPr b="0" i="0" sz="1600" u="none" cap="none" strike="noStrike">
+              <a:solidFill>
+                <a:schemeClr val="dk1"/>
+              </a:solidFill>
+              <a:latin typeface="Arial"/>
+              <a:ea typeface="Arial"/>
+              <a:cs typeface="Arial"/>
+              <a:sym typeface="Arial"/>
+            </a:endParaRPr>
           </a:p>
           <a:p>
-            <a:pPr indent="0" lvl="0" marL="0" rtl="0" algn="ctr">
+            <a:pPr indent="0" lvl="0" marL="0" marR="0" rtl="0" algn="ctr">
+              <a:lnSpc>
+                <a:spcPct val="100000"/>
+              </a:lnSpc>
               <a:spcBef>
                 <a:spcPts val="320"/>
               </a:spcBef>
               <a:spcAft>
                 <a:spcPts val="0"/>
               </a:spcAft>
+              <a:buClr>
+                <a:srgbClr val="000000"/>
+              </a:buClr>
+              <a:buSzPts val="1400"/>
+              <a:buFont typeface="Arial"/>
               <a:buNone/>
             </a:pPr>
             <a:r>
-              <a:rPr lang="de" sz="3600"/>
+              <a:rPr b="0" i="0" lang="de" sz="3600" u="none" cap="none" strike="noStrike">
+                <a:solidFill>
+                  <a:schemeClr val="dk1"/>
+                </a:solidFill>
+                <a:latin typeface="Arial"/>
+                <a:ea typeface="Arial"/>
+                <a:cs typeface="Arial"/>
+                <a:sym typeface="Arial"/>
+              </a:rPr>
               <a:t>Fragen</a:t>
             </a:r>
-            <a:endParaRPr/>
+            <a:endParaRPr b="0" i="0" sz="1600" u="none" cap="none" strike="noStrike">
+              <a:solidFill>
+                <a:schemeClr val="dk1"/>
+              </a:solidFill>
+              <a:latin typeface="Arial"/>
+              <a:ea typeface="Arial"/>
+              <a:cs typeface="Arial"/>
+              <a:sym typeface="Arial"/>
+            </a:endParaRPr>
           </a:p>
         </p:txBody>
       </p:sp>
@@ -12536,6 +14819,285 @@
 </file>
 
 <file path=ppt/theme/theme1.xml><?xml version="1.0" encoding="utf-8"?>
+<a:theme xmlns:a="http://schemas.openxmlformats.org/drawingml/2006/main" xmlns:r="http://schemas.openxmlformats.org/officeDocument/2006/relationships" name="TUBraunschweig_PPT2007_Folienpool_pptx">
+  <a:themeElements>
+    <a:clrScheme name="TU Braunschweig">
+      <a:dk1>
+        <a:srgbClr val="000000"/>
+      </a:dk1>
+      <a:lt1>
+        <a:srgbClr val="FFFFFF"/>
+      </a:lt1>
+      <a:dk2>
+        <a:srgbClr val="000000"/>
+      </a:dk2>
+      <a:lt2>
+        <a:srgbClr val="DDDDDD"/>
+      </a:lt2>
+      <a:accent1>
+        <a:srgbClr val="BE1E3C"/>
+      </a:accent1>
+      <a:accent2>
+        <a:srgbClr val="4DA6CB"/>
+      </a:accent2>
+      <a:accent3>
+        <a:srgbClr val="ADBF4D"/>
+      </a:accent3>
+      <a:accent4>
+        <a:srgbClr val="FA6E00"/>
+      </a:accent4>
+      <a:accent5>
+        <a:srgbClr val="407E97"/>
+      </a:accent5>
+      <a:accent6>
+        <a:srgbClr val="984098"/>
+      </a:accent6>
+      <a:hlink>
+        <a:srgbClr val="BE1E3C"/>
+      </a:hlink>
+      <a:folHlink>
+        <a:srgbClr val="760054"/>
+      </a:folHlink>
+    </a:clrScheme>
+    <a:fontScheme name="Office">
+      <a:majorFont>
+        <a:latin typeface="Arial"/>
+        <a:ea typeface=""/>
+        <a:cs typeface=""/>
+        <a:font script="Jpan" typeface="ＭＳ Ｐゴシック"/>
+        <a:font script="Hang" typeface="맑은 고딕"/>
+        <a:font script="Hans" typeface="宋体"/>
+        <a:font script="Hant" typeface="新細明體"/>
+        <a:font script="Arab" typeface="Times New Roman"/>
+        <a:font script="Hebr" typeface="Times New Roman"/>
+        <a:font script="Thai" typeface="Angsana New"/>
+        <a:font script="Ethi" typeface="Nyala"/>
+        <a:font script="Beng" typeface="Vrinda"/>
+        <a:font script="Gujr" typeface="Shruti"/>
+        <a:font script="Khmr" typeface="MoolBoran"/>
+        <a:font script="Knda" typeface="Tunga"/>
+        <a:font script="Guru" typeface="Raavi"/>
+        <a:font script="Cans" typeface="Euphemia"/>
+        <a:font script="Cher" typeface="Plantagenet Cherokee"/>
+        <a:font script="Yiii" typeface="Microsoft Yi Baiti"/>
+        <a:font script="Tibt" typeface="Microsoft Himalaya"/>
+        <a:font script="Thaa" typeface="MV Boli"/>
+        <a:font script="Deva" typeface="Mangal"/>
+        <a:font script="Telu" typeface="Gautami"/>
+        <a:font script="Taml" typeface="Latha"/>
+        <a:font script="Syrc" typeface="Estrangelo Edessa"/>
+        <a:font script="Orya" typeface="Kalinga"/>
+        <a:font script="Mlym" typeface="Kartika"/>
+        <a:font script="Laoo" typeface="DokChampa"/>
+        <a:font script="Sinh" typeface="Iskoola Pota"/>
+        <a:font script="Mong" typeface="Mongolian Baiti"/>
+        <a:font script="Viet" typeface="Times New Roman"/>
+        <a:font script="Uigh" typeface="Microsoft Uighur"/>
+        <a:font script="Geor" typeface="Sylfaen"/>
+      </a:majorFont>
+      <a:minorFont>
+        <a:latin typeface="Arial"/>
+        <a:ea typeface=""/>
+        <a:cs typeface=""/>
+        <a:font script="Jpan" typeface="ＭＳ Ｐゴシック"/>
+        <a:font script="Hang" typeface="맑은 고딕"/>
+        <a:font script="Hans" typeface="宋体"/>
+        <a:font script="Hant" typeface="新細明體"/>
+        <a:font script="Arab" typeface="Arial"/>
+        <a:font script="Hebr" typeface="Arial"/>
+        <a:font script="Thai" typeface="Cordia New"/>
+        <a:font script="Ethi" typeface="Nyala"/>
+        <a:font script="Beng" typeface="Vrinda"/>
+        <a:font script="Gujr" typeface="Shruti"/>
+        <a:font script="Khmr" typeface="DaunPenh"/>
+        <a:font script="Knda" typeface="Tunga"/>
+        <a:font script="Guru" typeface="Raavi"/>
+        <a:font script="Cans" typeface="Euphemia"/>
+        <a:font script="Cher" typeface="Plantagenet Cherokee"/>
+        <a:font script="Yiii" typeface="Microsoft Yi Baiti"/>
+        <a:font script="Tibt" typeface="Microsoft Himalaya"/>
+        <a:font script="Thaa" typeface="MV Boli"/>
+        <a:font script="Deva" typeface="Mangal"/>
+        <a:font script="Telu" typeface="Gautami"/>
+        <a:font script="Taml" typeface="Latha"/>
+        <a:font script="Syrc" typeface="Estrangelo Edessa"/>
+        <a:font script="Orya" typeface="Kalinga"/>
+        <a:font script="Mlym" typeface="Kartika"/>
+        <a:font script="Laoo" typeface="DokChampa"/>
+        <a:font script="Sinh" typeface="Iskoola Pota"/>
+        <a:font script="Mong" typeface="Mongolian Baiti"/>
+        <a:font script="Viet" typeface="Arial"/>
+        <a:font script="Uigh" typeface="Microsoft Uighur"/>
+        <a:font script="Geor" typeface="Sylfaen"/>
+      </a:minorFont>
+    </a:fontScheme>
+    <a:fmtScheme name="Office">
+      <a:fillStyleLst>
+        <a:solidFill>
+          <a:schemeClr val="phClr"/>
+        </a:solidFill>
+        <a:gradFill rotWithShape="1">
+          <a:gsLst>
+            <a:gs pos="0">
+              <a:schemeClr val="phClr">
+                <a:tint val="50000"/>
+                <a:satMod val="300000"/>
+              </a:schemeClr>
+            </a:gs>
+            <a:gs pos="35000">
+              <a:schemeClr val="phClr">
+                <a:tint val="37000"/>
+                <a:satMod val="300000"/>
+              </a:schemeClr>
+            </a:gs>
+            <a:gs pos="100000">
+              <a:schemeClr val="phClr">
+                <a:tint val="15000"/>
+                <a:satMod val="350000"/>
+              </a:schemeClr>
+            </a:gs>
+          </a:gsLst>
+          <a:lin ang="16200000" scaled="1"/>
+        </a:gradFill>
+        <a:gradFill rotWithShape="1">
+          <a:gsLst>
+            <a:gs pos="0">
+              <a:schemeClr val="phClr">
+                <a:tint val="100000"/>
+                <a:shade val="100000"/>
+                <a:satMod val="130000"/>
+              </a:schemeClr>
+            </a:gs>
+            <a:gs pos="100000">
+              <a:schemeClr val="phClr">
+                <a:tint val="50000"/>
+                <a:shade val="100000"/>
+                <a:satMod val="350000"/>
+              </a:schemeClr>
+            </a:gs>
+          </a:gsLst>
+          <a:lin ang="16200000" scaled="0"/>
+        </a:gradFill>
+      </a:fillStyleLst>
+      <a:lnStyleLst>
+        <a:ln w="9525" cap="flat" cmpd="sng" algn="ctr">
+          <a:solidFill>
+            <a:schemeClr val="phClr">
+              <a:shade val="95000"/>
+              <a:satMod val="105000"/>
+            </a:schemeClr>
+          </a:solidFill>
+          <a:prstDash val="solid"/>
+        </a:ln>
+        <a:ln w="25400" cap="flat" cmpd="sng" algn="ctr">
+          <a:solidFill>
+            <a:schemeClr val="phClr"/>
+          </a:solidFill>
+          <a:prstDash val="solid"/>
+        </a:ln>
+        <a:ln w="38100" cap="flat" cmpd="sng" algn="ctr">
+          <a:solidFill>
+            <a:schemeClr val="phClr"/>
+          </a:solidFill>
+          <a:prstDash val="solid"/>
+        </a:ln>
+      </a:lnStyleLst>
+      <a:effectStyleLst>
+        <a:effectStyle>
+          <a:effectLst>
+            <a:outerShdw blurRad="40000" dist="20000" dir="5400000" rotWithShape="0">
+              <a:srgbClr val="000000">
+                <a:alpha val="38000"/>
+              </a:srgbClr>
+            </a:outerShdw>
+          </a:effectLst>
+        </a:effectStyle>
+        <a:effectStyle>
+          <a:effectLst>
+            <a:outerShdw blurRad="40000" dist="23000" dir="5400000" rotWithShape="0">
+              <a:srgbClr val="000000">
+                <a:alpha val="35000"/>
+              </a:srgbClr>
+            </a:outerShdw>
+          </a:effectLst>
+        </a:effectStyle>
+        <a:effectStyle>
+          <a:effectLst>
+            <a:outerShdw blurRad="40000" dist="23000" dir="5400000" rotWithShape="0">
+              <a:srgbClr val="000000">
+                <a:alpha val="35000"/>
+              </a:srgbClr>
+            </a:outerShdw>
+          </a:effectLst>
+          <a:scene3d>
+            <a:camera prst="orthographicFront">
+              <a:rot lat="0" lon="0" rev="0"/>
+            </a:camera>
+            <a:lightRig rig="threePt" dir="t">
+              <a:rot lat="0" lon="0" rev="1200000"/>
+            </a:lightRig>
+          </a:scene3d>
+          <a:sp3d>
+            <a:bevelT w="63500" h="25400"/>
+          </a:sp3d>
+        </a:effectStyle>
+      </a:effectStyleLst>
+      <a:bgFillStyleLst>
+        <a:solidFill>
+          <a:schemeClr val="phClr"/>
+        </a:solidFill>
+        <a:gradFill rotWithShape="1">
+          <a:gsLst>
+            <a:gs pos="0">
+              <a:schemeClr val="phClr">
+                <a:tint val="40000"/>
+                <a:satMod val="350000"/>
+              </a:schemeClr>
+            </a:gs>
+            <a:gs pos="40000">
+              <a:schemeClr val="phClr">
+                <a:tint val="45000"/>
+                <a:shade val="99000"/>
+                <a:satMod val="350000"/>
+              </a:schemeClr>
+            </a:gs>
+            <a:gs pos="100000">
+              <a:schemeClr val="phClr">
+                <a:shade val="20000"/>
+                <a:satMod val="255000"/>
+              </a:schemeClr>
+            </a:gs>
+          </a:gsLst>
+          <a:path path="circle">
+            <a:fillToRect l="50000" t="-80000" r="50000" b="180000"/>
+          </a:path>
+        </a:gradFill>
+        <a:gradFill rotWithShape="1">
+          <a:gsLst>
+            <a:gs pos="0">
+              <a:schemeClr val="phClr">
+                <a:tint val="80000"/>
+                <a:satMod val="300000"/>
+              </a:schemeClr>
+            </a:gs>
+            <a:gs pos="100000">
+              <a:schemeClr val="phClr">
+                <a:shade val="30000"/>
+                <a:satMod val="200000"/>
+              </a:schemeClr>
+            </a:gs>
+          </a:gsLst>
+          <a:path path="circle">
+            <a:fillToRect l="50000" t="50000" r="50000" b="50000"/>
+          </a:path>
+        </a:gradFill>
+      </a:bgFillStyleLst>
+    </a:fmtScheme>
+  </a:themeElements>
+</a:theme>
+</file>
+
+<file path=ppt/theme/theme2.xml><?xml version="1.0" encoding="utf-8"?>
 <a:theme xmlns:a="http://schemas.openxmlformats.org/drawingml/2006/main" xmlns:r="http://schemas.openxmlformats.org/officeDocument/2006/relationships">
   <a:themeElements>
     <a:clrScheme name="Default">
@@ -12812,283 +15374,4 @@
     </a:fmtScheme>
   </a:themeElements>
 </a:theme>
-</file>
-
-<file path=ppt/theme/theme2.xml><?xml version="1.0" encoding="utf-8"?>
-<a:theme xmlns:a="http://schemas.openxmlformats.org/drawingml/2006/main" xmlns:r="http://schemas.openxmlformats.org/officeDocument/2006/relationships" name="TUBraunschweig_PPT2007_Folienpool_pptx">
-  <a:themeElements>
-    <a:clrScheme name="TU Braunschweig">
-      <a:dk1>
-        <a:srgbClr val="000000"/>
-      </a:dk1>
-      <a:lt1>
-        <a:srgbClr val="FFFFFF"/>
-      </a:lt1>
-      <a:dk2>
-        <a:srgbClr val="000000"/>
-      </a:dk2>
-      <a:lt2>
-        <a:srgbClr val="DDDDDD"/>
-      </a:lt2>
-      <a:accent1>
-        <a:srgbClr val="BE1E3C"/>
-      </a:accent1>
-      <a:accent2>
-        <a:srgbClr val="4DA6CB"/>
-      </a:accent2>
-      <a:accent3>
-        <a:srgbClr val="ADBF4D"/>
-      </a:accent3>
-      <a:accent4>
-        <a:srgbClr val="FA6E00"/>
-      </a:accent4>
-      <a:accent5>
-        <a:srgbClr val="407E97"/>
-      </a:accent5>
-      <a:accent6>
-        <a:srgbClr val="984098"/>
-      </a:accent6>
-      <a:hlink>
-        <a:srgbClr val="BE1E3C"/>
-      </a:hlink>
-      <a:folHlink>
-        <a:srgbClr val="760054"/>
-      </a:folHlink>
-    </a:clrScheme>
-    <a:fontScheme name="Office">
-      <a:majorFont>
-        <a:latin typeface="Arial"/>
-        <a:ea typeface=""/>
-        <a:cs typeface=""/>
-        <a:font script="Jpan" typeface="ＭＳ Ｐゴシック"/>
-        <a:font script="Hang" typeface="맑은 고딕"/>
-        <a:font script="Hans" typeface="宋体"/>
-        <a:font script="Hant" typeface="新細明體"/>
-        <a:font script="Arab" typeface="Times New Roman"/>
-        <a:font script="Hebr" typeface="Times New Roman"/>
-        <a:font script="Thai" typeface="Angsana New"/>
-        <a:font script="Ethi" typeface="Nyala"/>
-        <a:font script="Beng" typeface="Vrinda"/>
-        <a:font script="Gujr" typeface="Shruti"/>
-        <a:font script="Khmr" typeface="MoolBoran"/>
-        <a:font script="Knda" typeface="Tunga"/>
-        <a:font script="Guru" typeface="Raavi"/>
-        <a:font script="Cans" typeface="Euphemia"/>
-        <a:font script="Cher" typeface="Plantagenet Cherokee"/>
-        <a:font script="Yiii" typeface="Microsoft Yi Baiti"/>
-        <a:font script="Tibt" typeface="Microsoft Himalaya"/>
-        <a:font script="Thaa" typeface="MV Boli"/>
-        <a:font script="Deva" typeface="Mangal"/>
-        <a:font script="Telu" typeface="Gautami"/>
-        <a:font script="Taml" typeface="Latha"/>
-        <a:font script="Syrc" typeface="Estrangelo Edessa"/>
-        <a:font script="Orya" typeface="Kalinga"/>
-        <a:font script="Mlym" typeface="Kartika"/>
-        <a:font script="Laoo" typeface="DokChampa"/>
-        <a:font script="Sinh" typeface="Iskoola Pota"/>
-        <a:font script="Mong" typeface="Mongolian Baiti"/>
-        <a:font script="Viet" typeface="Times New Roman"/>
-        <a:font script="Uigh" typeface="Microsoft Uighur"/>
-        <a:font script="Geor" typeface="Sylfaen"/>
-      </a:majorFont>
-      <a:minorFont>
-        <a:latin typeface="Arial"/>
-        <a:ea typeface=""/>
-        <a:cs typeface=""/>
-        <a:font script="Jpan" typeface="ＭＳ Ｐゴシック"/>
-        <a:font script="Hang" typeface="맑은 고딕"/>
-        <a:font script="Hans" typeface="宋体"/>
-        <a:font script="Hant" typeface="新細明體"/>
-        <a:font script="Arab" typeface="Arial"/>
-        <a:font script="Hebr" typeface="Arial"/>
-        <a:font script="Thai" typeface="Cordia New"/>
-        <a:font script="Ethi" typeface="Nyala"/>
-        <a:font script="Beng" typeface="Vrinda"/>
-        <a:font script="Gujr" typeface="Shruti"/>
-        <a:font script="Khmr" typeface="DaunPenh"/>
-        <a:font script="Knda" typeface="Tunga"/>
-        <a:font script="Guru" typeface="Raavi"/>
-        <a:font script="Cans" typeface="Euphemia"/>
-        <a:font script="Cher" typeface="Plantagenet Cherokee"/>
-        <a:font script="Yiii" typeface="Microsoft Yi Baiti"/>
-        <a:font script="Tibt" typeface="Microsoft Himalaya"/>
-        <a:font script="Thaa" typeface="MV Boli"/>
-        <a:font script="Deva" typeface="Mangal"/>
-        <a:font script="Telu" typeface="Gautami"/>
-        <a:font script="Taml" typeface="Latha"/>
-        <a:font script="Syrc" typeface="Estrangelo Edessa"/>
-        <a:font script="Orya" typeface="Kalinga"/>
-        <a:font script="Mlym" typeface="Kartika"/>
-        <a:font script="Laoo" typeface="DokChampa"/>
-        <a:font script="Sinh" typeface="Iskoola Pota"/>
-        <a:font script="Mong" typeface="Mongolian Baiti"/>
-        <a:font script="Viet" typeface="Arial"/>
-        <a:font script="Uigh" typeface="Microsoft Uighur"/>
-        <a:font script="Geor" typeface="Sylfaen"/>
-      </a:minorFont>
-    </a:fontScheme>
-    <a:fmtScheme name="Office">
-      <a:fillStyleLst>
-        <a:solidFill>
-          <a:schemeClr val="phClr"/>
-        </a:solidFill>
-        <a:gradFill rotWithShape="1">
-          <a:gsLst>
-            <a:gs pos="0">
-              <a:schemeClr val="phClr">
-                <a:tint val="50000"/>
-                <a:satMod val="300000"/>
-              </a:schemeClr>
-            </a:gs>
-            <a:gs pos="35000">
-              <a:schemeClr val="phClr">
-                <a:tint val="37000"/>
-                <a:satMod val="300000"/>
-              </a:schemeClr>
-            </a:gs>
-            <a:gs pos="100000">
-              <a:schemeClr val="phClr">
-                <a:tint val="15000"/>
-                <a:satMod val="350000"/>
-              </a:schemeClr>
-            </a:gs>
-          </a:gsLst>
-          <a:lin ang="16200000" scaled="1"/>
-        </a:gradFill>
-        <a:gradFill rotWithShape="1">
-          <a:gsLst>
-            <a:gs pos="0">
-              <a:schemeClr val="phClr">
-                <a:tint val="100000"/>
-                <a:shade val="100000"/>
-                <a:satMod val="130000"/>
-              </a:schemeClr>
-            </a:gs>
-            <a:gs pos="100000">
-              <a:schemeClr val="phClr">
-                <a:tint val="50000"/>
-                <a:shade val="100000"/>
-                <a:satMod val="350000"/>
-              </a:schemeClr>
-            </a:gs>
-          </a:gsLst>
-          <a:lin ang="16200000" scaled="0"/>
-        </a:gradFill>
-      </a:fillStyleLst>
-      <a:lnStyleLst>
-        <a:ln w="9525" cap="flat" cmpd="sng" algn="ctr">
-          <a:solidFill>
-            <a:schemeClr val="phClr">
-              <a:shade val="95000"/>
-              <a:satMod val="105000"/>
-            </a:schemeClr>
-          </a:solidFill>
-          <a:prstDash val="solid"/>
-        </a:ln>
-        <a:ln w="25400" cap="flat" cmpd="sng" algn="ctr">
-          <a:solidFill>
-            <a:schemeClr val="phClr"/>
-          </a:solidFill>
-          <a:prstDash val="solid"/>
-        </a:ln>
-        <a:ln w="38100" cap="flat" cmpd="sng" algn="ctr">
-          <a:solidFill>
-            <a:schemeClr val="phClr"/>
-          </a:solidFill>
-          <a:prstDash val="solid"/>
-        </a:ln>
-      </a:lnStyleLst>
-      <a:effectStyleLst>
-        <a:effectStyle>
-          <a:effectLst>
-            <a:outerShdw blurRad="40000" dist="20000" dir="5400000" rotWithShape="0">
-              <a:srgbClr val="000000">
-                <a:alpha val="38000"/>
-              </a:srgbClr>
-            </a:outerShdw>
-          </a:effectLst>
-        </a:effectStyle>
-        <a:effectStyle>
-          <a:effectLst>
-            <a:outerShdw blurRad="40000" dist="23000" dir="5400000" rotWithShape="0">
-              <a:srgbClr val="000000">
-                <a:alpha val="35000"/>
-              </a:srgbClr>
-            </a:outerShdw>
-          </a:effectLst>
-        </a:effectStyle>
-        <a:effectStyle>
-          <a:effectLst>
-            <a:outerShdw blurRad="40000" dist="23000" dir="5400000" rotWithShape="0">
-              <a:srgbClr val="000000">
-                <a:alpha val="35000"/>
-              </a:srgbClr>
-            </a:outerShdw>
-          </a:effectLst>
-          <a:scene3d>
-            <a:camera prst="orthographicFront">
-              <a:rot lat="0" lon="0" rev="0"/>
-            </a:camera>
-            <a:lightRig rig="threePt" dir="t">
-              <a:rot lat="0" lon="0" rev="1200000"/>
-            </a:lightRig>
-          </a:scene3d>
-          <a:sp3d>
-            <a:bevelT w="63500" h="25400"/>
-          </a:sp3d>
-        </a:effectStyle>
-      </a:effectStyleLst>
-      <a:bgFillStyleLst>
-        <a:solidFill>
-          <a:schemeClr val="phClr"/>
-        </a:solidFill>
-        <a:gradFill rotWithShape="1">
-          <a:gsLst>
-            <a:gs pos="0">
-              <a:schemeClr val="phClr">
-                <a:tint val="40000"/>
-                <a:satMod val="350000"/>
-              </a:schemeClr>
-            </a:gs>
-            <a:gs pos="40000">
-              <a:schemeClr val="phClr">
-                <a:tint val="45000"/>
-                <a:shade val="99000"/>
-                <a:satMod val="350000"/>
-              </a:schemeClr>
-            </a:gs>
-            <a:gs pos="100000">
-              <a:schemeClr val="phClr">
-                <a:shade val="20000"/>
-                <a:satMod val="255000"/>
-              </a:schemeClr>
-            </a:gs>
-          </a:gsLst>
-          <a:path path="circle">
-            <a:fillToRect l="50000" t="-80000" r="50000" b="180000"/>
-          </a:path>
-        </a:gradFill>
-        <a:gradFill rotWithShape="1">
-          <a:gsLst>
-            <a:gs pos="0">
-              <a:schemeClr val="phClr">
-                <a:tint val="80000"/>
-                <a:satMod val="300000"/>
-              </a:schemeClr>
-            </a:gs>
-            <a:gs pos="100000">
-              <a:schemeClr val="phClr">
-                <a:shade val="30000"/>
-                <a:satMod val="200000"/>
-              </a:schemeClr>
-            </a:gs>
-          </a:gsLst>
-          <a:path path="circle">
-            <a:fillToRect l="50000" t="50000" r="50000" b="50000"/>
-          </a:path>
-        </a:gradFill>
-      </a:bgFillStyleLst>
-    </a:fmtScheme>
-  </a:themeElements>
-</a:theme>
 </file>
--- a/slides/09_recursion_1.pptx
+++ b/slides/09_recursion_1.pptx
@@ -11074,7 +11074,27 @@
                 <a:cs typeface="Arial"/>
                 <a:sym typeface="Arial"/>
               </a:rPr>
-              <a:t>Im wesentlichen ist Rekursion nichts anderes, als eine sich selber wieder aufrufende Funktion oder Methode. Das sinnvoll zu gestalten ist die Kunst.</a:t>
+              <a:t>Im wesentlichen ist Rekursion nichts anderes, als </a:t>
+            </a:r>
+            <a:r>
+              <a:rPr b="1" i="0" lang="de" sz="1600" u="none" cap="none" strike="noStrike">
+                <a:solidFill>
+                  <a:schemeClr val="dk1"/>
+                </a:solidFill>
+              </a:rPr>
+              <a:t>eine sich selber wieder aufrufende Funktion oder Methode</a:t>
+            </a:r>
+            <a:r>
+              <a:rPr b="0" i="0" lang="de" sz="1600" u="none" cap="none" strike="noStrike">
+                <a:solidFill>
+                  <a:schemeClr val="dk1"/>
+                </a:solidFill>
+                <a:latin typeface="Arial"/>
+                <a:ea typeface="Arial"/>
+                <a:cs typeface="Arial"/>
+                <a:sym typeface="Arial"/>
+              </a:rPr>
+              <a:t>. Das sinnvoll zu gestalten ist die Kunst.</a:t>
             </a:r>
             <a:endParaRPr b="0" i="0" sz="1600" u="none" cap="none" strike="noStrike">
               <a:solidFill>
@@ -11326,7 +11346,27 @@
                 <a:cs typeface="Arial"/>
                 <a:sym typeface="Arial"/>
               </a:rPr>
-              <a:t>Wir schauen uns mal an, wie man das iterativ lösen könnte:</a:t>
+              <a:t>Wir schauen uns mal an, wie man das </a:t>
+            </a:r>
+            <a:r>
+              <a:rPr b="1" i="0" lang="de" sz="1600" u="none" cap="none" strike="noStrike">
+                <a:solidFill>
+                  <a:schemeClr val="dk1"/>
+                </a:solidFill>
+              </a:rPr>
+              <a:t>iterativ</a:t>
+            </a:r>
+            <a:r>
+              <a:rPr b="0" i="0" lang="de" sz="1600" u="none" cap="none" strike="noStrike">
+                <a:solidFill>
+                  <a:schemeClr val="dk1"/>
+                </a:solidFill>
+                <a:latin typeface="Arial"/>
+                <a:ea typeface="Arial"/>
+                <a:cs typeface="Arial"/>
+                <a:sym typeface="Arial"/>
+              </a:rPr>
+              <a:t> lösen könnte:</a:t>
             </a:r>
             <a:endParaRPr b="0" i="0" sz="1600" u="none" cap="none" strike="noStrike">
               <a:solidFill>
@@ -13076,7 +13116,31 @@
                 <a:cs typeface="Arial"/>
                 <a:sym typeface="Arial"/>
               </a:rPr>
-              <a:t>return 1 </a:t>
+              <a:t>return </a:t>
+            </a:r>
+            <a:r>
+              <a:rPr b="0" i="0" lang="de" sz="1000" u="none" cap="none" strike="noStrike">
+                <a:solidFill>
+                  <a:srgbClr val="FF0000"/>
+                </a:solidFill>
+                <a:latin typeface="Arial"/>
+                <a:ea typeface="Arial"/>
+                <a:cs typeface="Arial"/>
+                <a:sym typeface="Arial"/>
+              </a:rPr>
+              <a:t>1</a:t>
+            </a:r>
+            <a:r>
+              <a:rPr b="0" i="0" lang="de" sz="1000" u="none" cap="none" strike="noStrike">
+                <a:solidFill>
+                  <a:srgbClr val="000000"/>
+                </a:solidFill>
+                <a:latin typeface="Arial"/>
+                <a:ea typeface="Arial"/>
+                <a:cs typeface="Arial"/>
+                <a:sym typeface="Arial"/>
+              </a:rPr>
+              <a:t> </a:t>
             </a:r>
             <a:endParaRPr b="0" i="0" sz="1000" u="none" cap="none" strike="noStrike">
               <a:solidFill>
@@ -13206,7 +13270,55 @@
                 <a:cs typeface="Arial"/>
                 <a:sym typeface="Arial"/>
               </a:rPr>
-              <a:t>return 1 * 1 = 1 </a:t>
+              <a:t>return 1 * </a:t>
+            </a:r>
+            <a:r>
+              <a:rPr b="0" i="0" lang="de" sz="1000" u="none" cap="none" strike="noStrike">
+                <a:solidFill>
+                  <a:srgbClr val="FF0000"/>
+                </a:solidFill>
+                <a:latin typeface="Arial"/>
+                <a:ea typeface="Arial"/>
+                <a:cs typeface="Arial"/>
+                <a:sym typeface="Arial"/>
+              </a:rPr>
+              <a:t>1</a:t>
+            </a:r>
+            <a:r>
+              <a:rPr b="0" i="0" lang="de" sz="1000" u="none" cap="none" strike="noStrike">
+                <a:solidFill>
+                  <a:srgbClr val="000000"/>
+                </a:solidFill>
+                <a:latin typeface="Arial"/>
+                <a:ea typeface="Arial"/>
+                <a:cs typeface="Arial"/>
+                <a:sym typeface="Arial"/>
+              </a:rPr>
+              <a:t> = </a:t>
+            </a:r>
+            <a:r>
+              <a:rPr b="0" i="0" lang="de" sz="1000" u="none" cap="none" strike="noStrike">
+                <a:solidFill>
+                  <a:srgbClr val="FF9900"/>
+                </a:solidFill>
+                <a:latin typeface="Arial"/>
+                <a:ea typeface="Arial"/>
+                <a:cs typeface="Arial"/>
+                <a:sym typeface="Arial"/>
+              </a:rPr>
+              <a:t>1</a:t>
+            </a:r>
+            <a:r>
+              <a:rPr b="0" i="0" lang="de" sz="1000" u="none" cap="none" strike="noStrike">
+                <a:solidFill>
+                  <a:srgbClr val="000000"/>
+                </a:solidFill>
+                <a:latin typeface="Arial"/>
+                <a:ea typeface="Arial"/>
+                <a:cs typeface="Arial"/>
+                <a:sym typeface="Arial"/>
+              </a:rPr>
+              <a:t> </a:t>
             </a:r>
             <a:endParaRPr b="0" i="0" sz="1000" u="none" cap="none" strike="noStrike">
               <a:solidFill>
@@ -13336,11 +13448,47 @@
                 <a:cs typeface="Arial"/>
                 <a:sym typeface="Arial"/>
               </a:rPr>
-              <a:t>return 2 * 1 = 2 </a:t>
+              <a:t>return 2 * </a:t>
+            </a:r>
+            <a:r>
+              <a:rPr b="0" i="0" lang="de" sz="1000" u="none" cap="none" strike="noStrike">
+                <a:solidFill>
+                  <a:srgbClr val="FF9900"/>
+                </a:solidFill>
+                <a:latin typeface="Arial"/>
+                <a:ea typeface="Arial"/>
+                <a:cs typeface="Arial"/>
+                <a:sym typeface="Arial"/>
+              </a:rPr>
+              <a:t>1</a:t>
+            </a:r>
+            <a:r>
+              <a:rPr b="0" i="0" lang="de" sz="1000" u="none" cap="none" strike="noStrike">
+                <a:solidFill>
+                  <a:srgbClr val="000000"/>
+                </a:solidFill>
+                <a:latin typeface="Arial"/>
+                <a:ea typeface="Arial"/>
+                <a:cs typeface="Arial"/>
+                <a:sym typeface="Arial"/>
+              </a:rPr>
+              <a:t> = </a:t>
+            </a:r>
+            <a:r>
+              <a:rPr b="0" i="0" lang="de" sz="1000" u="none" cap="none" strike="noStrike">
+                <a:solidFill>
+                  <a:srgbClr val="00FF00"/>
+                </a:solidFill>
+                <a:latin typeface="Arial"/>
+                <a:ea typeface="Arial"/>
+                <a:cs typeface="Arial"/>
+                <a:sym typeface="Arial"/>
+              </a:rPr>
+              <a:t>2 </a:t>
             </a:r>
             <a:endParaRPr b="0" i="0" sz="1000" u="none" cap="none" strike="noStrike">
               <a:solidFill>
-                <a:srgbClr val="000000"/>
+                <a:srgbClr val="00FF00"/>
               </a:solidFill>
               <a:latin typeface="Arial"/>
               <a:ea typeface="Arial"/>
@@ -13466,7 +13614,55 @@
                 <a:cs typeface="Arial"/>
                 <a:sym typeface="Arial"/>
               </a:rPr>
-              <a:t>return 3 * 2 = 6 </a:t>
+              <a:t>return 3 * </a:t>
+            </a:r>
+            <a:r>
+              <a:rPr b="0" i="0" lang="de" sz="1000" u="none" cap="none" strike="noStrike">
+                <a:solidFill>
+                  <a:srgbClr val="00FF00"/>
+                </a:solidFill>
+                <a:latin typeface="Arial"/>
+                <a:ea typeface="Arial"/>
+                <a:cs typeface="Arial"/>
+                <a:sym typeface="Arial"/>
+              </a:rPr>
+              <a:t>2</a:t>
+            </a:r>
+            <a:r>
+              <a:rPr b="0" i="0" lang="de" sz="1000" u="none" cap="none" strike="noStrike">
+                <a:solidFill>
+                  <a:srgbClr val="000000"/>
+                </a:solidFill>
+                <a:latin typeface="Arial"/>
+                <a:ea typeface="Arial"/>
+                <a:cs typeface="Arial"/>
+                <a:sym typeface="Arial"/>
+              </a:rPr>
+              <a:t> = </a:t>
+            </a:r>
+            <a:r>
+              <a:rPr b="0" i="0" lang="de" sz="1000" u="none" cap="none" strike="noStrike">
+                <a:solidFill>
+                  <a:srgbClr val="0000FF"/>
+                </a:solidFill>
+                <a:latin typeface="Arial"/>
+                <a:ea typeface="Arial"/>
+                <a:cs typeface="Arial"/>
+                <a:sym typeface="Arial"/>
+              </a:rPr>
+              <a:t>6</a:t>
+            </a:r>
+            <a:r>
+              <a:rPr b="0" i="0" lang="de" sz="1000" u="none" cap="none" strike="noStrike">
+                <a:solidFill>
+                  <a:srgbClr val="000000"/>
+                </a:solidFill>
+                <a:latin typeface="Arial"/>
+                <a:ea typeface="Arial"/>
+                <a:cs typeface="Arial"/>
+                <a:sym typeface="Arial"/>
+              </a:rPr>
+              <a:t> </a:t>
             </a:r>
             <a:endParaRPr b="0" i="0" sz="1000" u="none" cap="none" strike="noStrike">
               <a:solidFill>
@@ -13596,11 +13792,47 @@
                 <a:cs typeface="Arial"/>
                 <a:sym typeface="Arial"/>
               </a:rPr>
-              <a:t>return 4 * 6 = 24</a:t>
+              <a:t>return 4 * </a:t>
+            </a:r>
+            <a:r>
+              <a:rPr b="0" i="0" lang="de" sz="1000" u="none" cap="none" strike="noStrike">
+                <a:solidFill>
+                  <a:srgbClr val="0000FF"/>
+                </a:solidFill>
+                <a:latin typeface="Arial"/>
+                <a:ea typeface="Arial"/>
+                <a:cs typeface="Arial"/>
+                <a:sym typeface="Arial"/>
+              </a:rPr>
+              <a:t>6</a:t>
+            </a:r>
+            <a:r>
+              <a:rPr b="0" i="0" lang="de" sz="1000" u="none" cap="none" strike="noStrike">
+                <a:solidFill>
+                  <a:srgbClr val="000000"/>
+                </a:solidFill>
+                <a:latin typeface="Arial"/>
+                <a:ea typeface="Arial"/>
+                <a:cs typeface="Arial"/>
+                <a:sym typeface="Arial"/>
+              </a:rPr>
+              <a:t> = </a:t>
+            </a:r>
+            <a:r>
+              <a:rPr b="0" i="0" lang="de" sz="1000" u="none" cap="none" strike="noStrike">
+                <a:solidFill>
+                  <a:srgbClr val="FF00FF"/>
+                </a:solidFill>
+                <a:latin typeface="Arial"/>
+                <a:ea typeface="Arial"/>
+                <a:cs typeface="Arial"/>
+                <a:sym typeface="Arial"/>
+              </a:rPr>
+              <a:t>24</a:t>
             </a:r>
             <a:endParaRPr b="0" i="0" sz="1000" u="none" cap="none" strike="noStrike">
               <a:solidFill>
-                <a:srgbClr val="000000"/>
+                <a:srgbClr val="FF00FF"/>
               </a:solidFill>
               <a:latin typeface="Arial"/>
               <a:ea typeface="Arial"/>
@@ -13662,7 +13894,31 @@
                 <a:cs typeface="Arial"/>
                 <a:sym typeface="Arial"/>
               </a:rPr>
-              <a:t>return 5 * 24 = 120</a:t>
+              <a:t>return 5 * </a:t>
+            </a:r>
+            <a:r>
+              <a:rPr b="0" i="0" lang="de" sz="1000" u="none" cap="none" strike="noStrike">
+                <a:solidFill>
+                  <a:srgbClr val="FF00FF"/>
+                </a:solidFill>
+                <a:latin typeface="Arial"/>
+                <a:ea typeface="Arial"/>
+                <a:cs typeface="Arial"/>
+                <a:sym typeface="Arial"/>
+              </a:rPr>
+              <a:t>24 </a:t>
+            </a:r>
+            <a:r>
+              <a:rPr b="0" i="0" lang="de" sz="1000" u="none" cap="none" strike="noStrike">
+                <a:solidFill>
+                  <a:srgbClr val="000000"/>
+                </a:solidFill>
+                <a:latin typeface="Arial"/>
+                <a:ea typeface="Arial"/>
+                <a:cs typeface="Arial"/>
+                <a:sym typeface="Arial"/>
+              </a:rPr>
+              <a:t>= 120</a:t>
             </a:r>
             <a:endParaRPr b="0" i="0" sz="1000" u="none" cap="none" strike="noStrike">
               <a:solidFill>
@@ -14819,6 +15075,285 @@
 </file>
 
 <file path=ppt/theme/theme1.xml><?xml version="1.0" encoding="utf-8"?>
+<a:theme xmlns:a="http://schemas.openxmlformats.org/drawingml/2006/main" xmlns:r="http://schemas.openxmlformats.org/officeDocument/2006/relationships">
+  <a:themeElements>
+    <a:clrScheme name="Default">
+      <a:dk1>
+        <a:srgbClr val="000000"/>
+      </a:dk1>
+      <a:lt1>
+        <a:srgbClr val="FFFFFF"/>
+      </a:lt1>
+      <a:dk2>
+        <a:srgbClr val="158158"/>
+      </a:dk2>
+      <a:lt2>
+        <a:srgbClr val="F3F3F3"/>
+      </a:lt2>
+      <a:accent1>
+        <a:srgbClr val="058DC7"/>
+      </a:accent1>
+      <a:accent2>
+        <a:srgbClr val="50B432"/>
+      </a:accent2>
+      <a:accent3>
+        <a:srgbClr val="ED561B"/>
+      </a:accent3>
+      <a:accent4>
+        <a:srgbClr val="EDEF00"/>
+      </a:accent4>
+      <a:accent5>
+        <a:srgbClr val="24CBE5"/>
+      </a:accent5>
+      <a:accent6>
+        <a:srgbClr val="64E572"/>
+      </a:accent6>
+      <a:hlink>
+        <a:srgbClr val="2200CC"/>
+      </a:hlink>
+      <a:folHlink>
+        <a:srgbClr val="551A8B"/>
+      </a:folHlink>
+    </a:clrScheme>
+    <a:fontScheme name="Office">
+      <a:majorFont>
+        <a:latin typeface="Arial"/>
+        <a:ea typeface=""/>
+        <a:cs typeface=""/>
+        <a:font script="Jpan" typeface="ＭＳ Ｐゴシック"/>
+        <a:font script="Hang" typeface="맑은 고딕"/>
+        <a:font script="Hans" typeface="宋体"/>
+        <a:font script="Hant" typeface="新細明體"/>
+        <a:font script="Arab" typeface="Times New Roman"/>
+        <a:font script="Hebr" typeface="Times New Roman"/>
+        <a:font script="Thai" typeface="Angsana New"/>
+        <a:font script="Ethi" typeface="Nyala"/>
+        <a:font script="Beng" typeface="Vrinda"/>
+        <a:font script="Gujr" typeface="Shruti"/>
+        <a:font script="Khmr" typeface="MoolBoran"/>
+        <a:font script="Knda" typeface="Tunga"/>
+        <a:font script="Guru" typeface="Raavi"/>
+        <a:font script="Cans" typeface="Euphemia"/>
+        <a:font script="Cher" typeface="Plantagenet Cherokee"/>
+        <a:font script="Yiii" typeface="Microsoft Yi Baiti"/>
+        <a:font script="Tibt" typeface="Microsoft Himalaya"/>
+        <a:font script="Thaa" typeface="MV Boli"/>
+        <a:font script="Deva" typeface="Mangal"/>
+        <a:font script="Telu" typeface="Gautami"/>
+        <a:font script="Taml" typeface="Latha"/>
+        <a:font script="Syrc" typeface="Estrangelo Edessa"/>
+        <a:font script="Orya" typeface="Kalinga"/>
+        <a:font script="Mlym" typeface="Kartika"/>
+        <a:font script="Laoo" typeface="DokChampa"/>
+        <a:font script="Sinh" typeface="Iskoola Pota"/>
+        <a:font script="Mong" typeface="Mongolian Baiti"/>
+        <a:font script="Viet" typeface="Times New Roman"/>
+        <a:font script="Uigh" typeface="Microsoft Uighur"/>
+        <a:font script="Geor" typeface="Sylfaen"/>
+      </a:majorFont>
+      <a:minorFont>
+        <a:latin typeface="Arial"/>
+        <a:ea typeface=""/>
+        <a:cs typeface=""/>
+        <a:font script="Jpan" typeface="ＭＳ Ｐゴシック"/>
+        <a:font script="Hang" typeface="맑은 고딕"/>
+        <a:font script="Hans" typeface="宋体"/>
+        <a:font script="Hant" typeface="新細明體"/>
+        <a:font script="Arab" typeface="Arial"/>
+        <a:font script="Hebr" typeface="Arial"/>
+        <a:font script="Thai" typeface="Cordia New"/>
+        <a:font script="Ethi" typeface="Nyala"/>
+        <a:font script="Beng" typeface="Vrinda"/>
+        <a:font script="Gujr" typeface="Shruti"/>
+        <a:font script="Khmr" typeface="DaunPenh"/>
+        <a:font script="Knda" typeface="Tunga"/>
+        <a:font script="Guru" typeface="Raavi"/>
+        <a:font script="Cans" typeface="Euphemia"/>
+        <a:font script="Cher" typeface="Plantagenet Cherokee"/>
+        <a:font script="Yiii" typeface="Microsoft Yi Baiti"/>
+        <a:font script="Tibt" typeface="Microsoft Himalaya"/>
+        <a:font script="Thaa" typeface="MV Boli"/>
+        <a:font script="Deva" typeface="Mangal"/>
+        <a:font script="Telu" typeface="Gautami"/>
+        <a:font script="Taml" typeface="Latha"/>
+        <a:font script="Syrc" typeface="Estrangelo Edessa"/>
+        <a:font script="Orya" typeface="Kalinga"/>
+        <a:font script="Mlym" typeface="Kartika"/>
+        <a:font script="Laoo" typeface="DokChampa"/>
+        <a:font script="Sinh" typeface="Iskoola Pota"/>
+        <a:font script="Mong" typeface="Mongolian Baiti"/>
+        <a:font script="Viet" typeface="Arial"/>
+        <a:font script="Uigh" typeface="Microsoft Uighur"/>
+        <a:font script="Geor" typeface="Sylfaen"/>
+      </a:minorFont>
+    </a:fontScheme>
+    <a:fmtScheme name="Office">
+      <a:fillStyleLst>
+        <a:solidFill>
+          <a:schemeClr val="phClr"/>
+        </a:solidFill>
+        <a:gradFill rotWithShape="1">
+          <a:gsLst>
+            <a:gs pos="0">
+              <a:schemeClr val="phClr">
+                <a:tint val="50000"/>
+                <a:satMod val="300000"/>
+              </a:schemeClr>
+            </a:gs>
+            <a:gs pos="35000">
+              <a:schemeClr val="phClr">
+                <a:tint val="37000"/>
+                <a:satMod val="300000"/>
+              </a:schemeClr>
+            </a:gs>
+            <a:gs pos="100000">
+              <a:schemeClr val="phClr">
+                <a:tint val="15000"/>
+                <a:satMod val="350000"/>
+              </a:schemeClr>
+            </a:gs>
+          </a:gsLst>
+          <a:lin ang="16200000" scaled="1"/>
+        </a:gradFill>
+        <a:gradFill rotWithShape="1">
+          <a:gsLst>
+            <a:gs pos="0">
+              <a:schemeClr val="phClr">
+                <a:tint val="100000"/>
+                <a:shade val="100000"/>
+                <a:satMod val="130000"/>
+              </a:schemeClr>
+            </a:gs>
+            <a:gs pos="100000">
+              <a:schemeClr val="phClr">
+                <a:tint val="50000"/>
+                <a:shade val="100000"/>
+                <a:satMod val="350000"/>
+              </a:schemeClr>
+            </a:gs>
+          </a:gsLst>
+          <a:lin ang="16200000" scaled="0"/>
+        </a:gradFill>
+      </a:fillStyleLst>
+      <a:lnStyleLst>
+        <a:ln w="9525" cap="flat" cmpd="sng" algn="ctr">
+          <a:solidFill>
+            <a:schemeClr val="phClr">
+              <a:shade val="95000"/>
+              <a:satMod val="105000"/>
+            </a:schemeClr>
+          </a:solidFill>
+          <a:prstDash val="solid"/>
+        </a:ln>
+        <a:ln w="25400" cap="flat" cmpd="sng" algn="ctr">
+          <a:solidFill>
+            <a:schemeClr val="phClr"/>
+          </a:solidFill>
+          <a:prstDash val="solid"/>
+        </a:ln>
+        <a:ln w="38100" cap="flat" cmpd="sng" algn="ctr">
+          <a:solidFill>
+            <a:schemeClr val="phClr"/>
+          </a:solidFill>
+          <a:prstDash val="solid"/>
+        </a:ln>
+      </a:lnStyleLst>
+      <a:effectStyleLst>
+        <a:effectStyle>
+          <a:effectLst>
+            <a:outerShdw blurRad="40000" dist="20000" dir="5400000" rotWithShape="0">
+              <a:srgbClr val="000000">
+                <a:alpha val="38000"/>
+              </a:srgbClr>
+            </a:outerShdw>
+          </a:effectLst>
+        </a:effectStyle>
+        <a:effectStyle>
+          <a:effectLst>
+            <a:outerShdw blurRad="40000" dist="23000" dir="5400000" rotWithShape="0">
+              <a:srgbClr val="000000">
+                <a:alpha val="35000"/>
+              </a:srgbClr>
+            </a:outerShdw>
+          </a:effectLst>
+        </a:effectStyle>
+        <a:effectStyle>
+          <a:effectLst>
+            <a:outerShdw blurRad="40000" dist="23000" dir="5400000" rotWithShape="0">
+              <a:srgbClr val="000000">
+                <a:alpha val="35000"/>
+              </a:srgbClr>
+            </a:outerShdw>
+          </a:effectLst>
+          <a:scene3d>
+            <a:camera prst="orthographicFront">
+              <a:rot lat="0" lon="0" rev="0"/>
+            </a:camera>
+            <a:lightRig rig="threePt" dir="t">
+              <a:rot lat="0" lon="0" rev="1200000"/>
+            </a:lightRig>
+          </a:scene3d>
+          <a:sp3d>
+            <a:bevelT w="63500" h="25400"/>
+          </a:sp3d>
+        </a:effectStyle>
+      </a:effectStyleLst>
+      <a:bgFillStyleLst>
+        <a:solidFill>
+          <a:schemeClr val="phClr"/>
+        </a:solidFill>
+        <a:gradFill rotWithShape="1">
+          <a:gsLst>
+            <a:gs pos="0">
+              <a:schemeClr val="phClr">
+                <a:tint val="40000"/>
+                <a:satMod val="350000"/>
+              </a:schemeClr>
+            </a:gs>
+            <a:gs pos="40000">
+              <a:schemeClr val="phClr">
+                <a:tint val="45000"/>
+                <a:shade val="99000"/>
+                <a:satMod val="350000"/>
+              </a:schemeClr>
+            </a:gs>
+            <a:gs pos="100000">
+              <a:schemeClr val="phClr">
+                <a:shade val="20000"/>
+                <a:satMod val="255000"/>
+              </a:schemeClr>
+            </a:gs>
+          </a:gsLst>
+          <a:path path="circle">
+            <a:fillToRect l="50000" t="-80000" r="50000" b="180000"/>
+          </a:path>
+        </a:gradFill>
+        <a:gradFill rotWithShape="1">
+          <a:gsLst>
+            <a:gs pos="0">
+              <a:schemeClr val="phClr">
+                <a:tint val="80000"/>
+                <a:satMod val="300000"/>
+              </a:schemeClr>
+            </a:gs>
+            <a:gs pos="100000">
+              <a:schemeClr val="phClr">
+                <a:shade val="30000"/>
+                <a:satMod val="200000"/>
+              </a:schemeClr>
+            </a:gs>
+          </a:gsLst>
+          <a:path path="circle">
+            <a:fillToRect l="50000" t="50000" r="50000" b="50000"/>
+          </a:path>
+        </a:gradFill>
+      </a:bgFillStyleLst>
+    </a:fmtScheme>
+  </a:themeElements>
+</a:theme>
+</file>
+
+<file path=ppt/theme/theme2.xml><?xml version="1.0" encoding="utf-8"?>
 <a:theme xmlns:a="http://schemas.openxmlformats.org/drawingml/2006/main" xmlns:r="http://schemas.openxmlformats.org/officeDocument/2006/relationships" name="TUBraunschweig_PPT2007_Folienpool_pptx">
   <a:themeElements>
     <a:clrScheme name="TU Braunschweig">
@@ -15095,283 +15630,4 @@
     </a:fmtScheme>
   </a:themeElements>
 </a:theme>
-</file>
-
-<file path=ppt/theme/theme2.xml><?xml version="1.0" encoding="utf-8"?>
-<a:theme xmlns:a="http://schemas.openxmlformats.org/drawingml/2006/main" xmlns:r="http://schemas.openxmlformats.org/officeDocument/2006/relationships">
-  <a:themeElements>
-    <a:clrScheme name="Default">
-      <a:dk1>
-        <a:srgbClr val="000000"/>
-      </a:dk1>
-      <a:lt1>
-        <a:srgbClr val="FFFFFF"/>
-      </a:lt1>
-      <a:dk2>
-        <a:srgbClr val="158158"/>
-      </a:dk2>
-      <a:lt2>
-        <a:srgbClr val="F3F3F3"/>
-      </a:lt2>
-      <a:accent1>
-        <a:srgbClr val="058DC7"/>
-      </a:accent1>
-      <a:accent2>
-        <a:srgbClr val="50B432"/>
-      </a:accent2>
-      <a:accent3>
-        <a:srgbClr val="ED561B"/>
-      </a:accent3>
-      <a:accent4>
-        <a:srgbClr val="EDEF00"/>
-      </a:accent4>
-      <a:accent5>
-        <a:srgbClr val="24CBE5"/>
-      </a:accent5>
-      <a:accent6>
-        <a:srgbClr val="64E572"/>
-      </a:accent6>
-      <a:hlink>
-        <a:srgbClr val="2200CC"/>
-      </a:hlink>
-      <a:folHlink>
-        <a:srgbClr val="551A8B"/>
-      </a:folHlink>
-    </a:clrScheme>
-    <a:fontScheme name="Office">
-      <a:majorFont>
-        <a:latin typeface="Arial"/>
-        <a:ea typeface=""/>
-        <a:cs typeface=""/>
-        <a:font script="Jpan" typeface="ＭＳ Ｐゴシック"/>
-        <a:font script="Hang" typeface="맑은 고딕"/>
-        <a:font script="Hans" typeface="宋体"/>
-        <a:font script="Hant" typeface="新細明體"/>
-        <a:font script="Arab" typeface="Times New Roman"/>
-        <a:font script="Hebr" typeface="Times New Roman"/>
-        <a:font script="Thai" typeface="Angsana New"/>
-        <a:font script="Ethi" typeface="Nyala"/>
-        <a:font script="Beng" typeface="Vrinda"/>
-        <a:font script="Gujr" typeface="Shruti"/>
-        <a:font script="Khmr" typeface="MoolBoran"/>
-        <a:font script="Knda" typeface="Tunga"/>
-        <a:font script="Guru" typeface="Raavi"/>
-        <a:font script="Cans" typeface="Euphemia"/>
-        <a:font script="Cher" typeface="Plantagenet Cherokee"/>
-        <a:font script="Yiii" typeface="Microsoft Yi Baiti"/>
-        <a:font script="Tibt" typeface="Microsoft Himalaya"/>
-        <a:font script="Thaa" typeface="MV Boli"/>
-        <a:font script="Deva" typeface="Mangal"/>
-        <a:font script="Telu" typeface="Gautami"/>
-        <a:font script="Taml" typeface="Latha"/>
-        <a:font script="Syrc" typeface="Estrangelo Edessa"/>
-        <a:font script="Orya" typeface="Kalinga"/>
-        <a:font script="Mlym" typeface="Kartika"/>
-        <a:font script="Laoo" typeface="DokChampa"/>
-        <a:font script="Sinh" typeface="Iskoola Pota"/>
-        <a:font script="Mong" typeface="Mongolian Baiti"/>
-        <a:font script="Viet" typeface="Times New Roman"/>
-        <a:font script="Uigh" typeface="Microsoft Uighur"/>
-        <a:font script="Geor" typeface="Sylfaen"/>
-      </a:majorFont>
-      <a:minorFont>
-        <a:latin typeface="Arial"/>
-        <a:ea typeface=""/>
-        <a:cs typeface=""/>
-        <a:font script="Jpan" typeface="ＭＳ Ｐゴシック"/>
-        <a:font script="Hang" typeface="맑은 고딕"/>
-        <a:font script="Hans" typeface="宋体"/>
-        <a:font script="Hant" typeface="新細明體"/>
-        <a:font script="Arab" typeface="Arial"/>
-        <a:font script="Hebr" typeface="Arial"/>
-        <a:font script="Thai" typeface="Cordia New"/>
-        <a:font script="Ethi" typeface="Nyala"/>
-        <a:font script="Beng" typeface="Vrinda"/>
-        <a:font script="Gujr" typeface="Shruti"/>
-        <a:font script="Khmr" typeface="DaunPenh"/>
-        <a:font script="Knda" typeface="Tunga"/>
-        <a:font script="Guru" typeface="Raavi"/>
-        <a:font script="Cans" typeface="Euphemia"/>
-        <a:font script="Cher" typeface="Plantagenet Cherokee"/>
-        <a:font script="Yiii" typeface="Microsoft Yi Baiti"/>
-        <a:font script="Tibt" typeface="Microsoft Himalaya"/>
-        <a:font script="Thaa" typeface="MV Boli"/>
-        <a:font script="Deva" typeface="Mangal"/>
-        <a:font script="Telu" typeface="Gautami"/>
-        <a:font script="Taml" typeface="Latha"/>
-        <a:font script="Syrc" typeface="Estrangelo Edessa"/>
-        <a:font script="Orya" typeface="Kalinga"/>
-        <a:font script="Mlym" typeface="Kartika"/>
-        <a:font script="Laoo" typeface="DokChampa"/>
-        <a:font script="Sinh" typeface="Iskoola Pota"/>
-        <a:font script="Mong" typeface="Mongolian Baiti"/>
-        <a:font script="Viet" typeface="Arial"/>
-        <a:font script="Uigh" typeface="Microsoft Uighur"/>
-        <a:font script="Geor" typeface="Sylfaen"/>
-      </a:minorFont>
-    </a:fontScheme>
-    <a:fmtScheme name="Office">
-      <a:fillStyleLst>
-        <a:solidFill>
-          <a:schemeClr val="phClr"/>
-        </a:solidFill>
-        <a:gradFill rotWithShape="1">
-          <a:gsLst>
-            <a:gs pos="0">
-              <a:schemeClr val="phClr">
-                <a:tint val="50000"/>
-                <a:satMod val="300000"/>
-              </a:schemeClr>
-            </a:gs>
-            <a:gs pos="35000">
-              <a:schemeClr val="phClr">
-                <a:tint val="37000"/>
-                <a:satMod val="300000"/>
-              </a:schemeClr>
-            </a:gs>
-            <a:gs pos="100000">
-              <a:schemeClr val="phClr">
-                <a:tint val="15000"/>
-                <a:satMod val="350000"/>
-              </a:schemeClr>
-            </a:gs>
-          </a:gsLst>
-          <a:lin ang="16200000" scaled="1"/>
-        </a:gradFill>
-        <a:gradFill rotWithShape="1">
-          <a:gsLst>
-            <a:gs pos="0">
-              <a:schemeClr val="phClr">
-                <a:tint val="100000"/>
-                <a:shade val="100000"/>
-                <a:satMod val="130000"/>
-              </a:schemeClr>
-            </a:gs>
-            <a:gs pos="100000">
-              <a:schemeClr val="phClr">
-                <a:tint val="50000"/>
-                <a:shade val="100000"/>
-                <a:satMod val="350000"/>
-              </a:schemeClr>
-            </a:gs>
-          </a:gsLst>
-          <a:lin ang="16200000" scaled="0"/>
-        </a:gradFill>
-      </a:fillStyleLst>
-      <a:lnStyleLst>
-        <a:ln w="9525" cap="flat" cmpd="sng" algn="ctr">
-          <a:solidFill>
-            <a:schemeClr val="phClr">
-              <a:shade val="95000"/>
-              <a:satMod val="105000"/>
-            </a:schemeClr>
-          </a:solidFill>
-          <a:prstDash val="solid"/>
-        </a:ln>
-        <a:ln w="25400" cap="flat" cmpd="sng" algn="ctr">
-          <a:solidFill>
-            <a:schemeClr val="phClr"/>
-          </a:solidFill>
-          <a:prstDash val="solid"/>
-        </a:ln>
-        <a:ln w="38100" cap="flat" cmpd="sng" algn="ctr">
-          <a:solidFill>
-            <a:schemeClr val="phClr"/>
-          </a:solidFill>
-          <a:prstDash val="solid"/>
-        </a:ln>
-      </a:lnStyleLst>
-      <a:effectStyleLst>
-        <a:effectStyle>
-          <a:effectLst>
-            <a:outerShdw blurRad="40000" dist="20000" dir="5400000" rotWithShape="0">
-              <a:srgbClr val="000000">
-                <a:alpha val="38000"/>
-              </a:srgbClr>
-            </a:outerShdw>
-          </a:effectLst>
-        </a:effectStyle>
-        <a:effectStyle>
-          <a:effectLst>
-            <a:outerShdw blurRad="40000" dist="23000" dir="5400000" rotWithShape="0">
-              <a:srgbClr val="000000">
-                <a:alpha val="35000"/>
-              </a:srgbClr>
-            </a:outerShdw>
-          </a:effectLst>
-        </a:effectStyle>
-        <a:effectStyle>
-          <a:effectLst>
-            <a:outerShdw blurRad="40000" dist="23000" dir="5400000" rotWithShape="0">
-              <a:srgbClr val="000000">
-                <a:alpha val="35000"/>
-              </a:srgbClr>
-            </a:outerShdw>
-          </a:effectLst>
-          <a:scene3d>
-            <a:camera prst="orthographicFront">
-              <a:rot lat="0" lon="0" rev="0"/>
-            </a:camera>
-            <a:lightRig rig="threePt" dir="t">
-              <a:rot lat="0" lon="0" rev="1200000"/>
-            </a:lightRig>
-          </a:scene3d>
-          <a:sp3d>
-            <a:bevelT w="63500" h="25400"/>
-          </a:sp3d>
-        </a:effectStyle>
-      </a:effectStyleLst>
-      <a:bgFillStyleLst>
-        <a:solidFill>
-          <a:schemeClr val="phClr"/>
-        </a:solidFill>
-        <a:gradFill rotWithShape="1">
-          <a:gsLst>
-            <a:gs pos="0">
-              <a:schemeClr val="phClr">
-                <a:tint val="40000"/>
-                <a:satMod val="350000"/>
-              </a:schemeClr>
-            </a:gs>
-            <a:gs pos="40000">
-              <a:schemeClr val="phClr">
-                <a:tint val="45000"/>
-                <a:shade val="99000"/>
-                <a:satMod val="350000"/>
-              </a:schemeClr>
-            </a:gs>
-            <a:gs pos="100000">
-              <a:schemeClr val="phClr">
-                <a:shade val="20000"/>
-                <a:satMod val="255000"/>
-              </a:schemeClr>
-            </a:gs>
-          </a:gsLst>
-          <a:path path="circle">
-            <a:fillToRect l="50000" t="-80000" r="50000" b="180000"/>
-          </a:path>
-        </a:gradFill>
-        <a:gradFill rotWithShape="1">
-          <a:gsLst>
-            <a:gs pos="0">
-              <a:schemeClr val="phClr">
-                <a:tint val="80000"/>
-                <a:satMod val="300000"/>
-              </a:schemeClr>
-            </a:gs>
-            <a:gs pos="100000">
-              <a:schemeClr val="phClr">
-                <a:shade val="30000"/>
-                <a:satMod val="200000"/>
-              </a:schemeClr>
-            </a:gs>
-          </a:gsLst>
-          <a:path path="circle">
-            <a:fillToRect l="50000" t="50000" r="50000" b="50000"/>
-          </a:path>
-        </a:gradFill>
-      </a:bgFillStyleLst>
-    </a:fmtScheme>
-  </a:themeElements>
-</a:theme>
 </file>
--- a/slides/09_recursion_1.pptx
+++ b/slides/09_recursion_1.pptx
@@ -14565,7 +14565,11 @@
                 <a:cs typeface="Arial"/>
                 <a:sym typeface="Arial"/>
               </a:rPr>
-              <a:t>			read file</a:t>
+              <a:t>			read </a:t>
+            </a:r>
+            <a:r>
+              <a:rPr lang="de"/>
+              <a:t>element (as it is a file)</a:t>
             </a:r>
             <a:endParaRPr b="0" i="0" sz="1600" u="none" cap="none" strike="noStrike">
               <a:solidFill>

--- a/slides/09_recursion_1.pptx
+++ b/slides/09_recursion_1.pptx
@@ -9897,7 +9897,7 @@
             </a:pPr>
             <a:r>
               <a:rPr lang="de"/>
-              <a:t>08 - Rekursion 1</a:t>
+              <a:t>09 - Rekursion 1</a:t>
             </a:r>
             <a:endParaRPr/>
           </a:p>

--- a/slides/09_recursion_1.pptx
+++ b/slides/09_recursion_1.pptx
@@ -10212,15 +10212,7 @@
               <a:buNone/>
             </a:pPr>
             <a:r>
-              <a:rPr b="0" i="0" lang="de" sz="1500" u="none" cap="none" strike="noStrike">
-                <a:solidFill>
-                  <a:schemeClr val="dk1"/>
-                </a:solidFill>
-                <a:latin typeface="Arial"/>
-                <a:ea typeface="Arial"/>
-                <a:cs typeface="Arial"/>
-                <a:sym typeface="Arial"/>
-              </a:rPr>
+              <a:rPr lang="de" sz="1500"/>
               <a:t>Deine Aufgabe ist es, eine rekursive Funktion zur Berechnung von Fibonacci-Zahlen zu schreiben. Die Funktion nimmt als Parameter den Index der Fibonacci-Zahl, es lässt sich also bspw. die 7. Fibonacci-Zahl berechnen, indem man die Funktion mit dem Parameter 7 aufruft.</a:t>
             </a:r>
             <a:endParaRPr b="0" i="0" sz="1500" u="none" cap="none" strike="noStrike">
@@ -12856,7 +12848,7 @@
                 <a:cs typeface="Arial"/>
                 <a:sym typeface="Arial"/>
               </a:rPr>
-              <a:t>6..</a:t>
+              <a:t>6.</a:t>
             </a:r>
             <a:endParaRPr b="0" i="0" sz="1000" u="none" cap="none" strike="noStrike">
               <a:solidFill>
@@ -14155,7 +14147,7 @@
         </p:blipFill>
         <p:spPr>
           <a:xfrm>
-            <a:off x="5041325" y="1749038"/>
+            <a:off x="5041325" y="1749026"/>
             <a:ext cx="3766175" cy="1645425"/>
           </a:xfrm>
           <a:prstGeom prst="rect">

--- a/slides/09_recursion_1.pptx
+++ b/slides/09_recursion_1.pptx
@@ -15071,6 +15071,285 @@
 </file>
 
 <file path=ppt/theme/theme1.xml><?xml version="1.0" encoding="utf-8"?>
+<a:theme xmlns:a="http://schemas.openxmlformats.org/drawingml/2006/main" xmlns:r="http://schemas.openxmlformats.org/officeDocument/2006/relationships" name="TUBraunschweig_PPT2007_Folienpool_pptx">
+  <a:themeElements>
+    <a:clrScheme name="TU Braunschweig">
+      <a:dk1>
+        <a:srgbClr val="000000"/>
+      </a:dk1>
+      <a:lt1>
+        <a:srgbClr val="FFFFFF"/>
+      </a:lt1>
+      <a:dk2>
+        <a:srgbClr val="000000"/>
+      </a:dk2>
+      <a:lt2>
+        <a:srgbClr val="DDDDDD"/>
+      </a:lt2>
+      <a:accent1>
+        <a:srgbClr val="BE1E3C"/>
+      </a:accent1>
+      <a:accent2>
+        <a:srgbClr val="4DA6CB"/>
+      </a:accent2>
+      <a:accent3>
+        <a:srgbClr val="ADBF4D"/>
+      </a:accent3>
+      <a:accent4>
+        <a:srgbClr val="FA6E00"/>
+      </a:accent4>
+      <a:accent5>
+        <a:srgbClr val="407E97"/>
+      </a:accent5>
+      <a:accent6>
+        <a:srgbClr val="984098"/>
+      </a:accent6>
+      <a:hlink>
+        <a:srgbClr val="BE1E3C"/>
+      </a:hlink>
+      <a:folHlink>
+        <a:srgbClr val="760054"/>
+      </a:folHlink>
+    </a:clrScheme>
+    <a:fontScheme name="Office">
+      <a:majorFont>
+        <a:latin typeface="Arial"/>
+        <a:ea typeface=""/>
+        <a:cs typeface=""/>
+        <a:font script="Jpan" typeface="ＭＳ Ｐゴシック"/>
+        <a:font script="Hang" typeface="맑은 고딕"/>
+        <a:font script="Hans" typeface="宋体"/>
+        <a:font script="Hant" typeface="新細明體"/>
+        <a:font script="Arab" typeface="Times New Roman"/>
+        <a:font script="Hebr" typeface="Times New Roman"/>
+        <a:font script="Thai" typeface="Angsana New"/>
+        <a:font script="Ethi" typeface="Nyala"/>
+        <a:font script="Beng" typeface="Vrinda"/>
+        <a:font script="Gujr" typeface="Shruti"/>
+        <a:font script="Khmr" typeface="MoolBoran"/>
+        <a:font script="Knda" typeface="Tunga"/>
+        <a:font script="Guru" typeface="Raavi"/>
+        <a:font script="Cans" typeface="Euphemia"/>
+        <a:font script="Cher" typeface="Plantagenet Cherokee"/>
+        <a:font script="Yiii" typeface="Microsoft Yi Baiti"/>
+        <a:font script="Tibt" typeface="Microsoft Himalaya"/>
+        <a:font script="Thaa" typeface="MV Boli"/>
+        <a:font script="Deva" typeface="Mangal"/>
+        <a:font script="Telu" typeface="Gautami"/>
+        <a:font script="Taml" typeface="Latha"/>
+        <a:font script="Syrc" typeface="Estrangelo Edessa"/>
+        <a:font script="Orya" typeface="Kalinga"/>
+        <a:font script="Mlym" typeface="Kartika"/>
+        <a:font script="Laoo" typeface="DokChampa"/>
+        <a:font script="Sinh" typeface="Iskoola Pota"/>
+        <a:font script="Mong" typeface="Mongolian Baiti"/>
+        <a:font script="Viet" typeface="Times New Roman"/>
+        <a:font script="Uigh" typeface="Microsoft Uighur"/>
+        <a:font script="Geor" typeface="Sylfaen"/>
+      </a:majorFont>
+      <a:minorFont>
+        <a:latin typeface="Arial"/>
+        <a:ea typeface=""/>
+        <a:cs typeface=""/>
+        <a:font script="Jpan" typeface="ＭＳ Ｐゴシック"/>
+        <a:font script="Hang" typeface="맑은 고딕"/>
+        <a:font script="Hans" typeface="宋体"/>
+        <a:font script="Hant" typeface="新細明體"/>
+        <a:font script="Arab" typeface="Arial"/>
+        <a:font script="Hebr" typeface="Arial"/>
+        <a:font script="Thai" typeface="Cordia New"/>
+        <a:font script="Ethi" typeface="Nyala"/>
+        <a:font script="Beng" typeface="Vrinda"/>
+        <a:font script="Gujr" typeface="Shruti"/>
+        <a:font script="Khmr" typeface="DaunPenh"/>
+        <a:font script="Knda" typeface="Tunga"/>
+        <a:font script="Guru" typeface="Raavi"/>
+        <a:font script="Cans" typeface="Euphemia"/>
+        <a:font script="Cher" typeface="Plantagenet Cherokee"/>
+        <a:font script="Yiii" typeface="Microsoft Yi Baiti"/>
+        <a:font script="Tibt" typeface="Microsoft Himalaya"/>
+        <a:font script="Thaa" typeface="MV Boli"/>
+        <a:font script="Deva" typeface="Mangal"/>
+        <a:font script="Telu" typeface="Gautami"/>
+        <a:font script="Taml" typeface="Latha"/>
+        <a:font script="Syrc" typeface="Estrangelo Edessa"/>
+        <a:font script="Orya" typeface="Kalinga"/>
+        <a:font script="Mlym" typeface="Kartika"/>
+        <a:font script="Laoo" typeface="DokChampa"/>
+        <a:font script="Sinh" typeface="Iskoola Pota"/>
+        <a:font script="Mong" typeface="Mongolian Baiti"/>
+        <a:font script="Viet" typeface="Arial"/>
+        <a:font script="Uigh" typeface="Microsoft Uighur"/>
+        <a:font script="Geor" typeface="Sylfaen"/>
+      </a:minorFont>
+    </a:fontScheme>
+    <a:fmtScheme name="Office">
+      <a:fillStyleLst>
+        <a:solidFill>
+          <a:schemeClr val="phClr"/>
+        </a:solidFill>
+        <a:gradFill rotWithShape="1">
+          <a:gsLst>
+            <a:gs pos="0">
+              <a:schemeClr val="phClr">
+                <a:tint val="50000"/>
+                <a:satMod val="300000"/>
+              </a:schemeClr>
+            </a:gs>
+            <a:gs pos="35000">
+              <a:schemeClr val="phClr">
+                <a:tint val="37000"/>
+                <a:satMod val="300000"/>
+              </a:schemeClr>
+            </a:gs>
+            <a:gs pos="100000">
+              <a:schemeClr val="phClr">
+                <a:tint val="15000"/>
+                <a:satMod val="350000"/>
+              </a:schemeClr>
+            </a:gs>
+          </a:gsLst>
+          <a:lin ang="16200000" scaled="1"/>
+        </a:gradFill>
+        <a:gradFill rotWithShape="1">
+          <a:gsLst>
+            <a:gs pos="0">
+              <a:schemeClr val="phClr">
+                <a:tint val="100000"/>
+                <a:shade val="100000"/>
+                <a:satMod val="130000"/>
+              </a:schemeClr>
+            </a:gs>
+            <a:gs pos="100000">
+              <a:schemeClr val="phClr">
+                <a:tint val="50000"/>
+                <a:shade val="100000"/>
+                <a:satMod val="350000"/>
+              </a:schemeClr>
+            </a:gs>
+          </a:gsLst>
+          <a:lin ang="16200000" scaled="0"/>
+        </a:gradFill>
+      </a:fillStyleLst>
+      <a:lnStyleLst>
+        <a:ln w="9525" cap="flat" cmpd="sng" algn="ctr">
+          <a:solidFill>
+            <a:schemeClr val="phClr">
+              <a:shade val="95000"/>
+              <a:satMod val="105000"/>
+            </a:schemeClr>
+          </a:solidFill>
+          <a:prstDash val="solid"/>
+        </a:ln>
+        <a:ln w="25400" cap="flat" cmpd="sng" algn="ctr">
+          <a:solidFill>
+            <a:schemeClr val="phClr"/>
+          </a:solidFill>
+          <a:prstDash val="solid"/>
+        </a:ln>
+        <a:ln w="38100" cap="flat" cmpd="sng" algn="ctr">
+          <a:solidFill>
+            <a:schemeClr val="phClr"/>
+          </a:solidFill>
+          <a:prstDash val="solid"/>
+        </a:ln>
+      </a:lnStyleLst>
+      <a:effectStyleLst>
+        <a:effectStyle>
+          <a:effectLst>
+            <a:outerShdw blurRad="40000" dist="20000" dir="5400000" rotWithShape="0">
+              <a:srgbClr val="000000">
+                <a:alpha val="38000"/>
+              </a:srgbClr>
+            </a:outerShdw>
+          </a:effectLst>
+        </a:effectStyle>
+        <a:effectStyle>
+          <a:effectLst>
+            <a:outerShdw blurRad="40000" dist="23000" dir="5400000" rotWithShape="0">
+              <a:srgbClr val="000000">
+                <a:alpha val="35000"/>
+              </a:srgbClr>
+            </a:outerShdw>
+          </a:effectLst>
+        </a:effectStyle>
+        <a:effectStyle>
+          <a:effectLst>
+            <a:outerShdw blurRad="40000" dist="23000" dir="5400000" rotWithShape="0">
+              <a:srgbClr val="000000">
+                <a:alpha val="35000"/>
+              </a:srgbClr>
+            </a:outerShdw>
+          </a:effectLst>
+          <a:scene3d>
+            <a:camera prst="orthographicFront">
+              <a:rot lat="0" lon="0" rev="0"/>
+            </a:camera>
+            <a:lightRig rig="threePt" dir="t">
+              <a:rot lat="0" lon="0" rev="1200000"/>
+            </a:lightRig>
+          </a:scene3d>
+          <a:sp3d>
+            <a:bevelT w="63500" h="25400"/>
+          </a:sp3d>
+        </a:effectStyle>
+      </a:effectStyleLst>
+      <a:bgFillStyleLst>
+        <a:solidFill>
+          <a:schemeClr val="phClr"/>
+        </a:solidFill>
+        <a:gradFill rotWithShape="1">
+          <a:gsLst>
+            <a:gs pos="0">
+              <a:schemeClr val="phClr">
+                <a:tint val="40000"/>
+                <a:satMod val="350000"/>
+              </a:schemeClr>
+            </a:gs>
+            <a:gs pos="40000">
+              <a:schemeClr val="phClr">
+                <a:tint val="45000"/>
+                <a:shade val="99000"/>
+                <a:satMod val="350000"/>
+              </a:schemeClr>
+            </a:gs>
+            <a:gs pos="100000">
+              <a:schemeClr val="phClr">
+                <a:shade val="20000"/>
+                <a:satMod val="255000"/>
+              </a:schemeClr>
+            </a:gs>
+          </a:gsLst>
+          <a:path path="circle">
+            <a:fillToRect l="50000" t="-80000" r="50000" b="180000"/>
+          </a:path>
+        </a:gradFill>
+        <a:gradFill rotWithShape="1">
+          <a:gsLst>
+            <a:gs pos="0">
+              <a:schemeClr val="phClr">
+                <a:tint val="80000"/>
+                <a:satMod val="300000"/>
+              </a:schemeClr>
+            </a:gs>
+            <a:gs pos="100000">
+              <a:schemeClr val="phClr">
+                <a:shade val="30000"/>
+                <a:satMod val="200000"/>
+              </a:schemeClr>
+            </a:gs>
+          </a:gsLst>
+          <a:path path="circle">
+            <a:fillToRect l="50000" t="50000" r="50000" b="50000"/>
+          </a:path>
+        </a:gradFill>
+      </a:bgFillStyleLst>
+    </a:fmtScheme>
+  </a:themeElements>
+</a:theme>
+</file>
+
+<file path=ppt/theme/theme2.xml><?xml version="1.0" encoding="utf-8"?>
 <a:theme xmlns:a="http://schemas.openxmlformats.org/drawingml/2006/main" xmlns:r="http://schemas.openxmlformats.org/officeDocument/2006/relationships">
   <a:themeElements>
     <a:clrScheme name="Default">
@@ -15347,283 +15626,4 @@
     </a:fmtScheme>
   </a:themeElements>
 </a:theme>
-</file>
-
-<file path=ppt/theme/theme2.xml><?xml version="1.0" encoding="utf-8"?>
-<a:theme xmlns:a="http://schemas.openxmlformats.org/drawingml/2006/main" xmlns:r="http://schemas.openxmlformats.org/officeDocument/2006/relationships" name="TUBraunschweig_PPT2007_Folienpool_pptx">
-  <a:themeElements>
-    <a:clrScheme name="TU Braunschweig">
-      <a:dk1>
-        <a:srgbClr val="000000"/>
-      </a:dk1>
-      <a:lt1>
-        <a:srgbClr val="FFFFFF"/>
-      </a:lt1>
-      <a:dk2>
-        <a:srgbClr val="000000"/>
-      </a:dk2>
-      <a:lt2>
-        <a:srgbClr val="DDDDDD"/>
-      </a:lt2>
-      <a:accent1>
-        <a:srgbClr val="BE1E3C"/>
-      </a:accent1>
-      <a:accent2>
-        <a:srgbClr val="4DA6CB"/>
-      </a:accent2>
-      <a:accent3>
-        <a:srgbClr val="ADBF4D"/>
-      </a:accent3>
-      <a:accent4>
-        <a:srgbClr val="FA6E00"/>
-      </a:accent4>
-      <a:accent5>
-        <a:srgbClr val="407E97"/>
-      </a:accent5>
-      <a:accent6>
-        <a:srgbClr val="984098"/>
-      </a:accent6>
-      <a:hlink>
-        <a:srgbClr val="BE1E3C"/>
-      </a:hlink>
-      <a:folHlink>
-        <a:srgbClr val="760054"/>
-      </a:folHlink>
-    </a:clrScheme>
-    <a:fontScheme name="Office">
-      <a:majorFont>
-        <a:latin typeface="Arial"/>
-        <a:ea typeface=""/>
-        <a:cs typeface=""/>
-        <a:font script="Jpan" typeface="ＭＳ Ｐゴシック"/>
-        <a:font script="Hang" typeface="맑은 고딕"/>
-        <a:font script="Hans" typeface="宋体"/>
-        <a:font script="Hant" typeface="新細明體"/>
-        <a:font script="Arab" typeface="Times New Roman"/>
-        <a:font script="Hebr" typeface="Times New Roman"/>
-        <a:font script="Thai" typeface="Angsana New"/>
-        <a:font script="Ethi" typeface="Nyala"/>
-        <a:font script="Beng" typeface="Vrinda"/>
-        <a:font script="Gujr" typeface="Shruti"/>
-        <a:font script="Khmr" typeface="MoolBoran"/>
-        <a:font script="Knda" typeface="Tunga"/>
-        <a:font script="Guru" typeface="Raavi"/>
-        <a:font script="Cans" typeface="Euphemia"/>
-        <a:font script="Cher" typeface="Plantagenet Cherokee"/>
-        <a:font script="Yiii" typeface="Microsoft Yi Baiti"/>
-        <a:font script="Tibt" typeface="Microsoft Himalaya"/>
-        <a:font script="Thaa" typeface="MV Boli"/>
-        <a:font script="Deva" typeface="Mangal"/>
-        <a:font script="Telu" typeface="Gautami"/>
-        <a:font script="Taml" typeface="Latha"/>
-        <a:font script="Syrc" typeface="Estrangelo Edessa"/>
-        <a:font script="Orya" typeface="Kalinga"/>
-        <a:font script="Mlym" typeface="Kartika"/>
-        <a:font script="Laoo" typeface="DokChampa"/>
-        <a:font script="Sinh" typeface="Iskoola Pota"/>
-        <a:font script="Mong" typeface="Mongolian Baiti"/>
-        <a:font script="Viet" typeface="Times New Roman"/>
-        <a:font script="Uigh" typeface="Microsoft Uighur"/>
-        <a:font script="Geor" typeface="Sylfaen"/>
-      </a:majorFont>
-      <a:minorFont>
-        <a:latin typeface="Arial"/>
-        <a:ea typeface=""/>
-        <a:cs typeface=""/>
-        <a:font script="Jpan" typeface="ＭＳ Ｐゴシック"/>
-        <a:font script="Hang" typeface="맑은 고딕"/>
-        <a:font script="Hans" typeface="宋体"/>
-        <a:font script="Hant" typeface="新細明體"/>
-        <a:font script="Arab" typeface="Arial"/>
-        <a:font script="Hebr" typeface="Arial"/>
-        <a:font script="Thai" typeface="Cordia New"/>
-        <a:font script="Ethi" typeface="Nyala"/>
-        <a:font script="Beng" typeface="Vrinda"/>
-        <a:font script="Gujr" typeface="Shruti"/>
-        <a:font script="Khmr" typeface="DaunPenh"/>
-        <a:font script="Knda" typeface="Tunga"/>
-        <a:font script="Guru" typeface="Raavi"/>
-        <a:font script="Cans" typeface="Euphemia"/>
-        <a:font script="Cher" typeface="Plantagenet Cherokee"/>
-        <a:font script="Yiii" typeface="Microsoft Yi Baiti"/>
-        <a:font script="Tibt" typeface="Microsoft Himalaya"/>
-        <a:font script="Thaa" typeface="MV Boli"/>
-        <a:font script="Deva" typeface="Mangal"/>
-        <a:font script="Telu" typeface="Gautami"/>
-        <a:font script="Taml" typeface="Latha"/>
-        <a:font script="Syrc" typeface="Estrangelo Edessa"/>
-        <a:font script="Orya" typeface="Kalinga"/>
-        <a:font script="Mlym" typeface="Kartika"/>
-        <a:font script="Laoo" typeface="DokChampa"/>
-        <a:font script="Sinh" typeface="Iskoola Pota"/>
-        <a:font script="Mong" typeface="Mongolian Baiti"/>
-        <a:font script="Viet" typeface="Arial"/>
-        <a:font script="Uigh" typeface="Microsoft Uighur"/>
-        <a:font script="Geor" typeface="Sylfaen"/>
-      </a:minorFont>
-    </a:fontScheme>
-    <a:fmtScheme name="Office">
-      <a:fillStyleLst>
-        <a:solidFill>
-          <a:schemeClr val="phClr"/>
-        </a:solidFill>
-        <a:gradFill rotWithShape="1">
-          <a:gsLst>
-            <a:gs pos="0">
-              <a:schemeClr val="phClr">
-                <a:tint val="50000"/>
-                <a:satMod val="300000"/>
-              </a:schemeClr>
-            </a:gs>
-            <a:gs pos="35000">
-              <a:schemeClr val="phClr">
-                <a:tint val="37000"/>
-                <a:satMod val="300000"/>
-              </a:schemeClr>
-            </a:gs>
-            <a:gs pos="100000">
-              <a:schemeClr val="phClr">
-                <a:tint val="15000"/>
-                <a:satMod val="350000"/>
-              </a:schemeClr>
-            </a:gs>
-          </a:gsLst>
-          <a:lin ang="16200000" scaled="1"/>
-        </a:gradFill>
-        <a:gradFill rotWithShape="1">
-          <a:gsLst>
-            <a:gs pos="0">
-              <a:schemeClr val="phClr">
-                <a:tint val="100000"/>
-                <a:shade val="100000"/>
-                <a:satMod val="130000"/>
-              </a:schemeClr>
-            </a:gs>
-            <a:gs pos="100000">
-              <a:schemeClr val="phClr">
-                <a:tint val="50000"/>
-                <a:shade val="100000"/>
-                <a:satMod val="350000"/>
-              </a:schemeClr>
-            </a:gs>
-          </a:gsLst>
-          <a:lin ang="16200000" scaled="0"/>
-        </a:gradFill>
-      </a:fillStyleLst>
-      <a:lnStyleLst>
-        <a:ln w="9525" cap="flat" cmpd="sng" algn="ctr">
-          <a:solidFill>
-            <a:schemeClr val="phClr">
-              <a:shade val="95000"/>
-              <a:satMod val="105000"/>
-            </a:schemeClr>
-          </a:solidFill>
-          <a:prstDash val="solid"/>
-        </a:ln>
-        <a:ln w="25400" cap="flat" cmpd="sng" algn="ctr">
-          <a:solidFill>
-            <a:schemeClr val="phClr"/>
-          </a:solidFill>
-          <a:prstDash val="solid"/>
-        </a:ln>
-        <a:ln w="38100" cap="flat" cmpd="sng" algn="ctr">
-          <a:solidFill>
-            <a:schemeClr val="phClr"/>
-          </a:solidFill>
-          <a:prstDash val="solid"/>
-        </a:ln>
-      </a:lnStyleLst>
-      <a:effectStyleLst>
-        <a:effectStyle>
-          <a:effectLst>
-            <a:outerShdw blurRad="40000" dist="20000" dir="5400000" rotWithShape="0">
-              <a:srgbClr val="000000">
-                <a:alpha val="38000"/>
-              </a:srgbClr>
-            </a:outerShdw>
-          </a:effectLst>
-        </a:effectStyle>
-        <a:effectStyle>
-          <a:effectLst>
-            <a:outerShdw blurRad="40000" dist="23000" dir="5400000" rotWithShape="0">
-              <a:srgbClr val="000000">
-                <a:alpha val="35000"/>
-              </a:srgbClr>
-            </a:outerShdw>
-          </a:effectLst>
-        </a:effectStyle>
-        <a:effectStyle>
-          <a:effectLst>
-            <a:outerShdw blurRad="40000" dist="23000" dir="5400000" rotWithShape="0">
-              <a:srgbClr val="000000">
-                <a:alpha val="35000"/>
-              </a:srgbClr>
-            </a:outerShdw>
-          </a:effectLst>
-          <a:scene3d>
-            <a:camera prst="orthographicFront">
-              <a:rot lat="0" lon="0" rev="0"/>
-            </a:camera>
-            <a:lightRig rig="threePt" dir="t">
-              <a:rot lat="0" lon="0" rev="1200000"/>
-            </a:lightRig>
-          </a:scene3d>
-          <a:sp3d>
-            <a:bevelT w="63500" h="25400"/>
-          </a:sp3d>
-        </a:effectStyle>
-      </a:effectStyleLst>
-      <a:bgFillStyleLst>
-        <a:solidFill>
-          <a:schemeClr val="phClr"/>
-        </a:solidFill>
-        <a:gradFill rotWithShape="1">
-          <a:gsLst>
-            <a:gs pos="0">
-              <a:schemeClr val="phClr">
-                <a:tint val="40000"/>
-                <a:satMod val="350000"/>
-              </a:schemeClr>
-            </a:gs>
-            <a:gs pos="40000">
-              <a:schemeClr val="phClr">
-                <a:tint val="45000"/>
-                <a:shade val="99000"/>
-                <a:satMod val="350000"/>
-              </a:schemeClr>
-            </a:gs>
-            <a:gs pos="100000">
-              <a:schemeClr val="phClr">
-                <a:shade val="20000"/>
-                <a:satMod val="255000"/>
-              </a:schemeClr>
-            </a:gs>
-          </a:gsLst>
-          <a:path path="circle">
-            <a:fillToRect l="50000" t="-80000" r="50000" b="180000"/>
-          </a:path>
-        </a:gradFill>
-        <a:gradFill rotWithShape="1">
-          <a:gsLst>
-            <a:gs pos="0">
-              <a:schemeClr val="phClr">
-                <a:tint val="80000"/>
-                <a:satMod val="300000"/>
-              </a:schemeClr>
-            </a:gs>
-            <a:gs pos="100000">
-              <a:schemeClr val="phClr">
-                <a:shade val="30000"/>
-                <a:satMod val="200000"/>
-              </a:schemeClr>
-            </a:gs>
-          </a:gsLst>
-          <a:path path="circle">
-            <a:fillToRect l="50000" t="50000" r="50000" b="50000"/>
-          </a:path>
-        </a:gradFill>
-      </a:bgFillStyleLst>
-    </a:fmtScheme>
-  </a:themeElements>
-</a:theme>
 </file>
--- a/slides/09_recursion_1.pptx
+++ b/slides/09_recursion_1.pptx
@@ -8941,7 +8941,7 @@
                 <a:cs typeface="Arial"/>
                 <a:sym typeface="Arial"/>
               </a:rPr>
-              <a:t>David Gemen und Andriyan Lapychak | Seite </a:t>
+              <a:t>David Gemen | Seite </a:t>
             </a:r>
             <a:fld id="{00000000-1234-1234-1234-123412341234}" type="slidenum">
               <a:rPr b="0" i="0" lang="de" sz="800" u="none" cap="none" strike="noStrike">
@@ -15071,6 +15071,285 @@
 </file>
 
 <file path=ppt/theme/theme1.xml><?xml version="1.0" encoding="utf-8"?>
+<a:theme xmlns:a="http://schemas.openxmlformats.org/drawingml/2006/main" xmlns:r="http://schemas.openxmlformats.org/officeDocument/2006/relationships">
+  <a:themeElements>
+    <a:clrScheme name="Default">
+      <a:dk1>
+        <a:srgbClr val="000000"/>
+      </a:dk1>
+      <a:lt1>
+        <a:srgbClr val="FFFFFF"/>
+      </a:lt1>
+      <a:dk2>
+        <a:srgbClr val="158158"/>
+      </a:dk2>
+      <a:lt2>
+        <a:srgbClr val="F3F3F3"/>
+      </a:lt2>
+      <a:accent1>
+        <a:srgbClr val="058DC7"/>
+      </a:accent1>
+      <a:accent2>
+        <a:srgbClr val="50B432"/>
+      </a:accent2>
+      <a:accent3>
+        <a:srgbClr val="ED561B"/>
+      </a:accent3>
+      <a:accent4>
+        <a:srgbClr val="EDEF00"/>
+      </a:accent4>
+      <a:accent5>
+        <a:srgbClr val="24CBE5"/>
+      </a:accent5>
+      <a:accent6>
+        <a:srgbClr val="64E572"/>
+      </a:accent6>
+      <a:hlink>
+        <a:srgbClr val="2200CC"/>
+      </a:hlink>
+      <a:folHlink>
+        <a:srgbClr val="551A8B"/>
+      </a:folHlink>
+    </a:clrScheme>
+    <a:fontScheme name="Office">
+      <a:majorFont>
+        <a:latin typeface="Arial"/>
+        <a:ea typeface=""/>
+        <a:cs typeface=""/>
+        <a:font script="Jpan" typeface="ＭＳ Ｐゴシック"/>
+        <a:font script="Hang" typeface="맑은 고딕"/>
+        <a:font script="Hans" typeface="宋体"/>
+        <a:font script="Hant" typeface="新細明體"/>
+        <a:font script="Arab" typeface="Times New Roman"/>
+        <a:font script="Hebr" typeface="Times New Roman"/>
+        <a:font script="Thai" typeface="Angsana New"/>
+        <a:font script="Ethi" typeface="Nyala"/>
+        <a:font script="Beng" typeface="Vrinda"/>
+        <a:font script="Gujr" typeface="Shruti"/>
+        <a:font script="Khmr" typeface="MoolBoran"/>
+        <a:font script="Knda" typeface="Tunga"/>
+        <a:font script="Guru" typeface="Raavi"/>
+        <a:font script="Cans" typeface="Euphemia"/>
+        <a:font script="Cher" typeface="Plantagenet Cherokee"/>
+        <a:font script="Yiii" typeface="Microsoft Yi Baiti"/>
+        <a:font script="Tibt" typeface="Microsoft Himalaya"/>
+        <a:font script="Thaa" typeface="MV Boli"/>
+        <a:font script="Deva" typeface="Mangal"/>
+        <a:font script="Telu" typeface="Gautami"/>
+        <a:font script="Taml" typeface="Latha"/>
+        <a:font script="Syrc" typeface="Estrangelo Edessa"/>
+        <a:font script="Orya" typeface="Kalinga"/>
+        <a:font script="Mlym" typeface="Kartika"/>
+        <a:font script="Laoo" typeface="DokChampa"/>
+        <a:font script="Sinh" typeface="Iskoola Pota"/>
+        <a:font script="Mong" typeface="Mongolian Baiti"/>
+        <a:font script="Viet" typeface="Times New Roman"/>
+        <a:font script="Uigh" typeface="Microsoft Uighur"/>
+        <a:font script="Geor" typeface="Sylfaen"/>
+      </a:majorFont>
+      <a:minorFont>
+        <a:latin typeface="Arial"/>
+        <a:ea typeface=""/>
+        <a:cs typeface=""/>
+        <a:font script="Jpan" typeface="ＭＳ Ｐゴシック"/>
+        <a:font script="Hang" typeface="맑은 고딕"/>
+        <a:font script="Hans" typeface="宋体"/>
+        <a:font script="Hant" typeface="新細明體"/>
+        <a:font script="Arab" typeface="Arial"/>
+        <a:font script="Hebr" typeface="Arial"/>
+        <a:font script="Thai" typeface="Cordia New"/>
+        <a:font script="Ethi" typeface="Nyala"/>
+        <a:font script="Beng" typeface="Vrinda"/>
+        <a:font script="Gujr" typeface="Shruti"/>
+        <a:font script="Khmr" typeface="DaunPenh"/>
+        <a:font script="Knda" typeface="Tunga"/>
+        <a:font script="Guru" typeface="Raavi"/>
+        <a:font script="Cans" typeface="Euphemia"/>
+        <a:font script="Cher" typeface="Plantagenet Cherokee"/>
+        <a:font script="Yiii" typeface="Microsoft Yi Baiti"/>
+        <a:font script="Tibt" typeface="Microsoft Himalaya"/>
+        <a:font script="Thaa" typeface="MV Boli"/>
+        <a:font script="Deva" typeface="Mangal"/>
+        <a:font script="Telu" typeface="Gautami"/>
+        <a:font script="Taml" typeface="Latha"/>
+        <a:font script="Syrc" typeface="Estrangelo Edessa"/>
+        <a:font script="Orya" typeface="Kalinga"/>
+        <a:font script="Mlym" typeface="Kartika"/>
+        <a:font script="Laoo" typeface="DokChampa"/>
+        <a:font script="Sinh" typeface="Iskoola Pota"/>
+        <a:font script="Mong" typeface="Mongolian Baiti"/>
+        <a:font script="Viet" typeface="Arial"/>
+        <a:font script="Uigh" typeface="Microsoft Uighur"/>
+        <a:font script="Geor" typeface="Sylfaen"/>
+      </a:minorFont>
+    </a:fontScheme>
+    <a:fmtScheme name="Office">
+      <a:fillStyleLst>
+        <a:solidFill>
+          <a:schemeClr val="phClr"/>
+        </a:solidFill>
+        <a:gradFill rotWithShape="1">
+          <a:gsLst>
+            <a:gs pos="0">
+              <a:schemeClr val="phClr">
+                <a:tint val="50000"/>
+                <a:satMod val="300000"/>
+              </a:schemeClr>
+            </a:gs>
+            <a:gs pos="35000">
+              <a:schemeClr val="phClr">
+                <a:tint val="37000"/>
+                <a:satMod val="300000"/>
+              </a:schemeClr>
+            </a:gs>
+            <a:gs pos="100000">
+              <a:schemeClr val="phClr">
+                <a:tint val="15000"/>
+                <a:satMod val="350000"/>
+              </a:schemeClr>
+            </a:gs>
+          </a:gsLst>
+          <a:lin ang="16200000" scaled="1"/>
+        </a:gradFill>
+        <a:gradFill rotWithShape="1">
+          <a:gsLst>
+            <a:gs pos="0">
+              <a:schemeClr val="phClr">
+                <a:tint val="100000"/>
+                <a:shade val="100000"/>
+                <a:satMod val="130000"/>
+              </a:schemeClr>
+            </a:gs>
+            <a:gs pos="100000">
+              <a:schemeClr val="phClr">
+                <a:tint val="50000"/>
+                <a:shade val="100000"/>
+                <a:satMod val="350000"/>
+              </a:schemeClr>
+            </a:gs>
+          </a:gsLst>
+          <a:lin ang="16200000" scaled="0"/>
+        </a:gradFill>
+      </a:fillStyleLst>
+      <a:lnStyleLst>
+        <a:ln w="9525" cap="flat" cmpd="sng" algn="ctr">
+          <a:solidFill>
+            <a:schemeClr val="phClr">
+              <a:shade val="95000"/>
+              <a:satMod val="105000"/>
+            </a:schemeClr>
+          </a:solidFill>
+          <a:prstDash val="solid"/>
+        </a:ln>
+        <a:ln w="25400" cap="flat" cmpd="sng" algn="ctr">
+          <a:solidFill>
+            <a:schemeClr val="phClr"/>
+          </a:solidFill>
+          <a:prstDash val="solid"/>
+        </a:ln>
+        <a:ln w="38100" cap="flat" cmpd="sng" algn="ctr">
+          <a:solidFill>
+            <a:schemeClr val="phClr"/>
+          </a:solidFill>
+          <a:prstDash val="solid"/>
+        </a:ln>
+      </a:lnStyleLst>
+      <a:effectStyleLst>
+        <a:effectStyle>
+          <a:effectLst>
+            <a:outerShdw blurRad="40000" dist="20000" dir="5400000" rotWithShape="0">
+              <a:srgbClr val="000000">
+                <a:alpha val="38000"/>
+              </a:srgbClr>
+            </a:outerShdw>
+          </a:effectLst>
+        </a:effectStyle>
+        <a:effectStyle>
+          <a:effectLst>
+            <a:outerShdw blurRad="40000" dist="23000" dir="5400000" rotWithShape="0">
+              <a:srgbClr val="000000">
+                <a:alpha val="35000"/>
+              </a:srgbClr>
+            </a:outerShdw>
+          </a:effectLst>
+        </a:effectStyle>
+        <a:effectStyle>
+          <a:effectLst>
+            <a:outerShdw blurRad="40000" dist="23000" dir="5400000" rotWithShape="0">
+              <a:srgbClr val="000000">
+                <a:alpha val="35000"/>
+              </a:srgbClr>
+            </a:outerShdw>
+          </a:effectLst>
+          <a:scene3d>
+            <a:camera prst="orthographicFront">
+              <a:rot lat="0" lon="0" rev="0"/>
+            </a:camera>
+            <a:lightRig rig="threePt" dir="t">
+              <a:rot lat="0" lon="0" rev="1200000"/>
+            </a:lightRig>
+          </a:scene3d>
+          <a:sp3d>
+            <a:bevelT w="63500" h="25400"/>
+          </a:sp3d>
+        </a:effectStyle>
+      </a:effectStyleLst>
+      <a:bgFillStyleLst>
+        <a:solidFill>
+          <a:schemeClr val="phClr"/>
+        </a:solidFill>
+        <a:gradFill rotWithShape="1">
+          <a:gsLst>
+            <a:gs pos="0">
+              <a:schemeClr val="phClr">
+                <a:tint val="40000"/>
+                <a:satMod val="350000"/>
+              </a:schemeClr>
+            </a:gs>
+            <a:gs pos="40000">
+              <a:schemeClr val="phClr">
+                <a:tint val="45000"/>
+                <a:shade val="99000"/>
+                <a:satMod val="350000"/>
+              </a:schemeClr>
+            </a:gs>
+            <a:gs pos="100000">
+              <a:schemeClr val="phClr">
+                <a:shade val="20000"/>
+                <a:satMod val="255000"/>
+              </a:schemeClr>
+            </a:gs>
+          </a:gsLst>
+          <a:path path="circle">
+            <a:fillToRect l="50000" t="-80000" r="50000" b="180000"/>
+          </a:path>
+        </a:gradFill>
+        <a:gradFill rotWithShape="1">
+          <a:gsLst>
+            <a:gs pos="0">
+              <a:schemeClr val="phClr">
+                <a:tint val="80000"/>
+                <a:satMod val="300000"/>
+              </a:schemeClr>
+            </a:gs>
+            <a:gs pos="100000">
+              <a:schemeClr val="phClr">
+                <a:shade val="30000"/>
+                <a:satMod val="200000"/>
+              </a:schemeClr>
+            </a:gs>
+          </a:gsLst>
+          <a:path path="circle">
+            <a:fillToRect l="50000" t="50000" r="50000" b="50000"/>
+          </a:path>
+        </a:gradFill>
+      </a:bgFillStyleLst>
+    </a:fmtScheme>
+  </a:themeElements>
+</a:theme>
+</file>
+
+<file path=ppt/theme/theme2.xml><?xml version="1.0" encoding="utf-8"?>
 <a:theme xmlns:a="http://schemas.openxmlformats.org/drawingml/2006/main" xmlns:r="http://schemas.openxmlformats.org/officeDocument/2006/relationships" name="TUBraunschweig_PPT2007_Folienpool_pptx">
   <a:themeElements>
     <a:clrScheme name="TU Braunschweig">
@@ -15347,283 +15626,4 @@
     </a:fmtScheme>
   </a:themeElements>
 </a:theme>
-</file>
-
-<file path=ppt/theme/theme2.xml><?xml version="1.0" encoding="utf-8"?>
-<a:theme xmlns:a="http://schemas.openxmlformats.org/drawingml/2006/main" xmlns:r="http://schemas.openxmlformats.org/officeDocument/2006/relationships">
-  <a:themeElements>
-    <a:clrScheme name="Default">
-      <a:dk1>
-        <a:srgbClr val="000000"/>
-      </a:dk1>
-      <a:lt1>
-        <a:srgbClr val="FFFFFF"/>
-      </a:lt1>
-      <a:dk2>
-        <a:srgbClr val="158158"/>
-      </a:dk2>
-      <a:lt2>
-        <a:srgbClr val="F3F3F3"/>
-      </a:lt2>
-      <a:accent1>
-        <a:srgbClr val="058DC7"/>
-      </a:accent1>
-      <a:accent2>
-        <a:srgbClr val="50B432"/>
-      </a:accent2>
-      <a:accent3>
-        <a:srgbClr val="ED561B"/>
-      </a:accent3>
-      <a:accent4>
-        <a:srgbClr val="EDEF00"/>
-      </a:accent4>
-      <a:accent5>
-        <a:srgbClr val="24CBE5"/>
-      </a:accent5>
-      <a:accent6>
-        <a:srgbClr val="64E572"/>
-      </a:accent6>
-      <a:hlink>
-        <a:srgbClr val="2200CC"/>
-      </a:hlink>
-      <a:folHlink>
-        <a:srgbClr val="551A8B"/>
-      </a:folHlink>
-    </a:clrScheme>
-    <a:fontScheme name="Office">
-      <a:majorFont>
-        <a:latin typeface="Arial"/>
-        <a:ea typeface=""/>
-        <a:cs typeface=""/>
-        <a:font script="Jpan" typeface="ＭＳ Ｐゴシック"/>
-        <a:font script="Hang" typeface="맑은 고딕"/>
-        <a:font script="Hans" typeface="宋体"/>
-        <a:font script="Hant" typeface="新細明體"/>
-        <a:font script="Arab" typeface="Times New Roman"/>
-        <a:font script="Hebr" typeface="Times New Roman"/>
-        <a:font script="Thai" typeface="Angsana New"/>
-        <a:font script="Ethi" typeface="Nyala"/>
-        <a:font script="Beng" typeface="Vrinda"/>
-        <a:font script="Gujr" typeface="Shruti"/>
-        <a:font script="Khmr" typeface="MoolBoran"/>
-        <a:font script="Knda" typeface="Tunga"/>
-        <a:font script="Guru" typeface="Raavi"/>
-        <a:font script="Cans" typeface="Euphemia"/>
-        <a:font script="Cher" typeface="Plantagenet Cherokee"/>
-        <a:font script="Yiii" typeface="Microsoft Yi Baiti"/>
-        <a:font script="Tibt" typeface="Microsoft Himalaya"/>
-        <a:font script="Thaa" typeface="MV Boli"/>
-        <a:font script="Deva" typeface="Mangal"/>
-        <a:font script="Telu" typeface="Gautami"/>
-        <a:font script="Taml" typeface="Latha"/>
-        <a:font script="Syrc" typeface="Estrangelo Edessa"/>
-        <a:font script="Orya" typeface="Kalinga"/>
-        <a:font script="Mlym" typeface="Kartika"/>
-        <a:font script="Laoo" typeface="DokChampa"/>
-        <a:font script="Sinh" typeface="Iskoola Pota"/>
-        <a:font script="Mong" typeface="Mongolian Baiti"/>
-        <a:font script="Viet" typeface="Times New Roman"/>
-        <a:font script="Uigh" typeface="Microsoft Uighur"/>
-        <a:font script="Geor" typeface="Sylfaen"/>
-      </a:majorFont>
-      <a:minorFont>
-        <a:latin typeface="Arial"/>
-        <a:ea typeface=""/>
-        <a:cs typeface=""/>
-        <a:font script="Jpan" typeface="ＭＳ Ｐゴシック"/>
-        <a:font script="Hang" typeface="맑은 고딕"/>
-        <a:font script="Hans" typeface="宋体"/>
-        <a:font script="Hant" typeface="新細明體"/>
-        <a:font script="Arab" typeface="Arial"/>
-        <a:font script="Hebr" typeface="Arial"/>
-        <a:font script="Thai" typeface="Cordia New"/>
-        <a:font script="Ethi" typeface="Nyala"/>
-        <a:font script="Beng" typeface="Vrinda"/>
-        <a:font script="Gujr" typeface="Shruti"/>
-        <a:font script="Khmr" typeface="DaunPenh"/>
-        <a:font script="Knda" typeface="Tunga"/>
-        <a:font script="Guru" typeface="Raavi"/>
-        <a:font script="Cans" typeface="Euphemia"/>
-        <a:font script="Cher" typeface="Plantagenet Cherokee"/>
-        <a:font script="Yiii" typeface="Microsoft Yi Baiti"/>
-        <a:font script="Tibt" typeface="Microsoft Himalaya"/>
-        <a:font script="Thaa" typeface="MV Boli"/>
-        <a:font script="Deva" typeface="Mangal"/>
-        <a:font script="Telu" typeface="Gautami"/>
-        <a:font script="Taml" typeface="Latha"/>
-        <a:font script="Syrc" typeface="Estrangelo Edessa"/>
-        <a:font script="Orya" typeface="Kalinga"/>
-        <a:font script="Mlym" typeface="Kartika"/>
-        <a:font script="Laoo" typeface="DokChampa"/>
-        <a:font script="Sinh" typeface="Iskoola Pota"/>
-        <a:font script="Mong" typeface="Mongolian Baiti"/>
-        <a:font script="Viet" typeface="Arial"/>
-        <a:font script="Uigh" typeface="Microsoft Uighur"/>
-        <a:font script="Geor" typeface="Sylfaen"/>
-      </a:minorFont>
-    </a:fontScheme>
-    <a:fmtScheme name="Office">
-      <a:fillStyleLst>
-        <a:solidFill>
-          <a:schemeClr val="phClr"/>
-        </a:solidFill>
-        <a:gradFill rotWithShape="1">
-          <a:gsLst>
-            <a:gs pos="0">
-              <a:schemeClr val="phClr">
-                <a:tint val="50000"/>
-                <a:satMod val="300000"/>
-              </a:schemeClr>
-            </a:gs>
-            <a:gs pos="35000">
-              <a:schemeClr val="phClr">
-                <a:tint val="37000"/>
-                <a:satMod val="300000"/>
-              </a:schemeClr>
-            </a:gs>
-            <a:gs pos="100000">
-              <a:schemeClr val="phClr">
-                <a:tint val="15000"/>
-                <a:satMod val="350000"/>
-              </a:schemeClr>
-            </a:gs>
-          </a:gsLst>
-          <a:lin ang="16200000" scaled="1"/>
-        </a:gradFill>
-        <a:gradFill rotWithShape="1">
-          <a:gsLst>
-            <a:gs pos="0">
-              <a:schemeClr val="phClr">
-                <a:tint val="100000"/>
-                <a:shade val="100000"/>
-                <a:satMod val="130000"/>
-              </a:schemeClr>
-            </a:gs>
-            <a:gs pos="100000">
-              <a:schemeClr val="phClr">
-                <a:tint val="50000"/>
-                <a:shade val="100000"/>
-                <a:satMod val="350000"/>
-              </a:schemeClr>
-            </a:gs>
-          </a:gsLst>
-          <a:lin ang="16200000" scaled="0"/>
-        </a:gradFill>
-      </a:fillStyleLst>
-      <a:lnStyleLst>
-        <a:ln w="9525" cap="flat" cmpd="sng" algn="ctr">
-          <a:solidFill>
-            <a:schemeClr val="phClr">
-              <a:shade val="95000"/>
-              <a:satMod val="105000"/>
-            </a:schemeClr>
-          </a:solidFill>
-          <a:prstDash val="solid"/>
-        </a:ln>
-        <a:ln w="25400" cap="flat" cmpd="sng" algn="ctr">
-          <a:solidFill>
-            <a:schemeClr val="phClr"/>
-          </a:solidFill>
-          <a:prstDash val="solid"/>
-        </a:ln>
-        <a:ln w="38100" cap="flat" cmpd="sng" algn="ctr">
-          <a:solidFill>
-            <a:schemeClr val="phClr"/>
-          </a:solidFill>
-          <a:prstDash val="solid"/>
-        </a:ln>
-      </a:lnStyleLst>
-      <a:effectStyleLst>
-        <a:effectStyle>
-          <a:effectLst>
-            <a:outerShdw blurRad="40000" dist="20000" dir="5400000" rotWithShape="0">
-              <a:srgbClr val="000000">
-                <a:alpha val="38000"/>
-              </a:srgbClr>
-            </a:outerShdw>
-          </a:effectLst>
-        </a:effectStyle>
-        <a:effectStyle>
-          <a:effectLst>
-            <a:outerShdw blurRad="40000" dist="23000" dir="5400000" rotWithShape="0">
-              <a:srgbClr val="000000">
-                <a:alpha val="35000"/>
-              </a:srgbClr>
-            </a:outerShdw>
-          </a:effectLst>
-        </a:effectStyle>
-        <a:effectStyle>
-          <a:effectLst>
-            <a:outerShdw blurRad="40000" dist="23000" dir="5400000" rotWithShape="0">
-              <a:srgbClr val="000000">
-                <a:alpha val="35000"/>
-              </a:srgbClr>
-            </a:outerShdw>
-          </a:effectLst>
-          <a:scene3d>
-            <a:camera prst="orthographicFront">
-              <a:rot lat="0" lon="0" rev="0"/>
-            </a:camera>
-            <a:lightRig rig="threePt" dir="t">
-              <a:rot lat="0" lon="0" rev="1200000"/>
-            </a:lightRig>
-          </a:scene3d>
-          <a:sp3d>
-            <a:bevelT w="63500" h="25400"/>
-          </a:sp3d>
-        </a:effectStyle>
-      </a:effectStyleLst>
-      <a:bgFillStyleLst>
-        <a:solidFill>
-          <a:schemeClr val="phClr"/>
-        </a:solidFill>
-        <a:gradFill rotWithShape="1">
-          <a:gsLst>
-            <a:gs pos="0">
-              <a:schemeClr val="phClr">
-                <a:tint val="40000"/>
-                <a:satMod val="350000"/>
-              </a:schemeClr>
-            </a:gs>
-            <a:gs pos="40000">
-              <a:schemeClr val="phClr">
-                <a:tint val="45000"/>
-                <a:shade val="99000"/>
-                <a:satMod val="350000"/>
-              </a:schemeClr>
-            </a:gs>
-            <a:gs pos="100000">
-              <a:schemeClr val="phClr">
-                <a:shade val="20000"/>
-                <a:satMod val="255000"/>
-              </a:schemeClr>
-            </a:gs>
-          </a:gsLst>
-          <a:path path="circle">
-            <a:fillToRect l="50000" t="-80000" r="50000" b="180000"/>
-          </a:path>
-        </a:gradFill>
-        <a:gradFill rotWithShape="1">
-          <a:gsLst>
-            <a:gs pos="0">
-              <a:schemeClr val="phClr">
-                <a:tint val="80000"/>
-                <a:satMod val="300000"/>
-              </a:schemeClr>
-            </a:gs>
-            <a:gs pos="100000">
-              <a:schemeClr val="phClr">
-                <a:shade val="30000"/>
-                <a:satMod val="200000"/>
-              </a:schemeClr>
-            </a:gs>
-          </a:gsLst>
-          <a:path path="circle">
-            <a:fillToRect l="50000" t="50000" r="50000" b="50000"/>
-          </a:path>
-        </a:gradFill>
-      </a:bgFillStyleLst>
-    </a:fmtScheme>
-  </a:themeElements>
-</a:theme>
 </file>